--- a/slides/HIBERNATE/HIBERNATE - Chapter5.pptx
+++ b/slides/HIBERNATE/HIBERNATE - Chapter5.pptx
@@ -5,24 +5,26 @@
     <p:sldMasterId id="2147483807" r:id="rId1"/>
   </p:sldMasterIdLst>
   <p:notesMasterIdLst>
-    <p:notesMasterId r:id="rId14"/>
+    <p:notesMasterId r:id="rId16"/>
   </p:notesMasterIdLst>
   <p:handoutMasterIdLst>
-    <p:handoutMasterId r:id="rId15"/>
+    <p:handoutMasterId r:id="rId17"/>
   </p:handoutMasterIdLst>
   <p:sldIdLst>
     <p:sldId id="793" r:id="rId2"/>
     <p:sldId id="804" r:id="rId3"/>
     <p:sldId id="887" r:id="rId4"/>
-    <p:sldId id="884" r:id="rId5"/>
-    <p:sldId id="877" r:id="rId6"/>
-    <p:sldId id="895" r:id="rId7"/>
-    <p:sldId id="896" r:id="rId8"/>
-    <p:sldId id="897" r:id="rId9"/>
-    <p:sldId id="903" r:id="rId10"/>
-    <p:sldId id="904" r:id="rId11"/>
-    <p:sldId id="905" r:id="rId12"/>
-    <p:sldId id="794" r:id="rId13"/>
+    <p:sldId id="888" r:id="rId5"/>
+    <p:sldId id="889" r:id="rId6"/>
+    <p:sldId id="890" r:id="rId7"/>
+    <p:sldId id="891" r:id="rId8"/>
+    <p:sldId id="892" r:id="rId9"/>
+    <p:sldId id="893" r:id="rId10"/>
+    <p:sldId id="894" r:id="rId11"/>
+    <p:sldId id="895" r:id="rId12"/>
+    <p:sldId id="897" r:id="rId13"/>
+    <p:sldId id="896" r:id="rId14"/>
+    <p:sldId id="794" r:id="rId15"/>
   </p:sldIdLst>
   <p:sldSz cx="24385588" cy="13717588"/>
   <p:notesSz cx="6858000" cy="9144000"/>
@@ -349,7 +351,7 @@
           <a:p>
             <a:fld id="{9DEB306A-FE1C-4996-AB92-3C76DD2CBDB3}" type="datetimeFigureOut">
               <a:rPr lang="es-SV" smtClean="0"/>
-              <a:t>12/12/17</a:t>
+              <a:t>17/12/17</a:t>
             </a:fld>
             <a:endParaRPr lang="es-SV"/>
           </a:p>
@@ -514,7 +516,7 @@
           <a:p>
             <a:fld id="{01993A81-F12D-42C5-A35C-8AABE483B59D}" type="datetimeFigureOut">
               <a:rPr lang="es-MX" smtClean="0"/>
-              <a:t>12/12/17</a:t>
+              <a:t>17/12/17</a:t>
             </a:fld>
             <a:endParaRPr lang="es-MX"/>
           </a:p>
@@ -857,678 +859,6 @@
     <p:extLst>
       <p:ext uri="{BB962C8B-B14F-4D97-AF65-F5344CB8AC3E}">
         <p14:creationId xmlns:p14="http://schemas.microsoft.com/office/powerpoint/2010/main" val="2598411363"/>
-      </p:ext>
-    </p:extLst>
-  </p:cSld>
-  <p:clrMapOvr>
-    <a:masterClrMapping/>
-  </p:clrMapOvr>
-</p:notes>
-</file>
-
-<file path=ppt/notesSlides/notesSlide2.xml><?xml version="1.0" encoding="utf-8"?>
-<p:notes xmlns:a="http://schemas.openxmlformats.org/drawingml/2006/main" xmlns:r="http://schemas.openxmlformats.org/officeDocument/2006/relationships" xmlns:p="http://schemas.openxmlformats.org/presentationml/2006/main">
-  <p:cSld>
-    <p:spTree>
-      <p:nvGrpSpPr>
-        <p:cNvPr id="1" name=""/>
-        <p:cNvGrpSpPr/>
-        <p:nvPr/>
-      </p:nvGrpSpPr>
-      <p:grpSpPr>
-        <a:xfrm>
-          <a:off x="0" y="0"/>
-          <a:ext cx="0" cy="0"/>
-          <a:chOff x="0" y="0"/>
-          <a:chExt cx="0" cy="0"/>
-        </a:xfrm>
-      </p:grpSpPr>
-      <p:sp>
-        <p:nvSpPr>
-          <p:cNvPr id="2" name="Slide Image Placeholder 1"/>
-          <p:cNvSpPr>
-            <a:spLocks noGrp="1" noRot="1" noChangeAspect="1"/>
-          </p:cNvSpPr>
-          <p:nvPr>
-            <p:ph type="sldImg"/>
-          </p:nvPr>
-        </p:nvSpPr>
-        <p:spPr/>
-      </p:sp>
-      <p:sp>
-        <p:nvSpPr>
-          <p:cNvPr id="3" name="Notes Placeholder 2"/>
-          <p:cNvSpPr>
-            <a:spLocks noGrp="1"/>
-          </p:cNvSpPr>
-          <p:nvPr>
-            <p:ph type="body" idx="1"/>
-          </p:nvPr>
-        </p:nvSpPr>
-        <p:spPr/>
-        <p:txBody>
-          <a:bodyPr/>
-          <a:lstStyle/>
-          <a:p>
-            <a:endParaRPr lang="en-US" dirty="0"/>
-          </a:p>
-        </p:txBody>
-      </p:sp>
-      <p:sp>
-        <p:nvSpPr>
-          <p:cNvPr id="4" name="Slide Number Placeholder 3"/>
-          <p:cNvSpPr>
-            <a:spLocks noGrp="1"/>
-          </p:cNvSpPr>
-          <p:nvPr>
-            <p:ph type="sldNum" sz="quarter" idx="10"/>
-          </p:nvPr>
-        </p:nvSpPr>
-        <p:spPr/>
-        <p:txBody>
-          <a:bodyPr/>
-          <a:lstStyle/>
-          <a:p>
-            <a:fld id="{69BC2EFC-28F3-48C0-BF6B-230A53BCFDFC}" type="slidenum">
-              <a:rPr lang="es-MX" smtClean="0"/>
-              <a:t>4</a:t>
-            </a:fld>
-            <a:endParaRPr lang="es-MX"/>
-          </a:p>
-        </p:txBody>
-      </p:sp>
-    </p:spTree>
-    <p:extLst>
-      <p:ext uri="{BB962C8B-B14F-4D97-AF65-F5344CB8AC3E}">
-        <p14:creationId xmlns:p14="http://schemas.microsoft.com/office/powerpoint/2010/main" val="420819739"/>
-      </p:ext>
-    </p:extLst>
-  </p:cSld>
-  <p:clrMapOvr>
-    <a:masterClrMapping/>
-  </p:clrMapOvr>
-</p:notes>
-</file>
-
-<file path=ppt/notesSlides/notesSlide3.xml><?xml version="1.0" encoding="utf-8"?>
-<p:notes xmlns:a="http://schemas.openxmlformats.org/drawingml/2006/main" xmlns:r="http://schemas.openxmlformats.org/officeDocument/2006/relationships" xmlns:p="http://schemas.openxmlformats.org/presentationml/2006/main">
-  <p:cSld>
-    <p:spTree>
-      <p:nvGrpSpPr>
-        <p:cNvPr id="1" name=""/>
-        <p:cNvGrpSpPr/>
-        <p:nvPr/>
-      </p:nvGrpSpPr>
-      <p:grpSpPr>
-        <a:xfrm>
-          <a:off x="0" y="0"/>
-          <a:ext cx="0" cy="0"/>
-          <a:chOff x="0" y="0"/>
-          <a:chExt cx="0" cy="0"/>
-        </a:xfrm>
-      </p:grpSpPr>
-      <p:sp>
-        <p:nvSpPr>
-          <p:cNvPr id="2" name="Slide Image Placeholder 1"/>
-          <p:cNvSpPr>
-            <a:spLocks noGrp="1" noRot="1" noChangeAspect="1"/>
-          </p:cNvSpPr>
-          <p:nvPr>
-            <p:ph type="sldImg"/>
-          </p:nvPr>
-        </p:nvSpPr>
-        <p:spPr/>
-      </p:sp>
-      <p:sp>
-        <p:nvSpPr>
-          <p:cNvPr id="3" name="Notes Placeholder 2"/>
-          <p:cNvSpPr>
-            <a:spLocks noGrp="1"/>
-          </p:cNvSpPr>
-          <p:nvPr>
-            <p:ph type="body" idx="1"/>
-          </p:nvPr>
-        </p:nvSpPr>
-        <p:spPr/>
-        <p:txBody>
-          <a:bodyPr/>
-          <a:lstStyle/>
-          <a:p>
-            <a:endParaRPr lang="en-US" dirty="0"/>
-          </a:p>
-        </p:txBody>
-      </p:sp>
-      <p:sp>
-        <p:nvSpPr>
-          <p:cNvPr id="4" name="Slide Number Placeholder 3"/>
-          <p:cNvSpPr>
-            <a:spLocks noGrp="1"/>
-          </p:cNvSpPr>
-          <p:nvPr>
-            <p:ph type="sldNum" sz="quarter" idx="10"/>
-          </p:nvPr>
-        </p:nvSpPr>
-        <p:spPr/>
-        <p:txBody>
-          <a:bodyPr/>
-          <a:lstStyle/>
-          <a:p>
-            <a:fld id="{69BC2EFC-28F3-48C0-BF6B-230A53BCFDFC}" type="slidenum">
-              <a:rPr lang="es-MX" smtClean="0"/>
-              <a:t>5</a:t>
-            </a:fld>
-            <a:endParaRPr lang="es-MX"/>
-          </a:p>
-        </p:txBody>
-      </p:sp>
-    </p:spTree>
-    <p:extLst>
-      <p:ext uri="{BB962C8B-B14F-4D97-AF65-F5344CB8AC3E}">
-        <p14:creationId xmlns:p14="http://schemas.microsoft.com/office/powerpoint/2010/main" val="2065543733"/>
-      </p:ext>
-    </p:extLst>
-  </p:cSld>
-  <p:clrMapOvr>
-    <a:masterClrMapping/>
-  </p:clrMapOvr>
-</p:notes>
-</file>
-
-<file path=ppt/notesSlides/notesSlide4.xml><?xml version="1.0" encoding="utf-8"?>
-<p:notes xmlns:a="http://schemas.openxmlformats.org/drawingml/2006/main" xmlns:r="http://schemas.openxmlformats.org/officeDocument/2006/relationships" xmlns:p="http://schemas.openxmlformats.org/presentationml/2006/main">
-  <p:cSld>
-    <p:spTree>
-      <p:nvGrpSpPr>
-        <p:cNvPr id="1" name=""/>
-        <p:cNvGrpSpPr/>
-        <p:nvPr/>
-      </p:nvGrpSpPr>
-      <p:grpSpPr>
-        <a:xfrm>
-          <a:off x="0" y="0"/>
-          <a:ext cx="0" cy="0"/>
-          <a:chOff x="0" y="0"/>
-          <a:chExt cx="0" cy="0"/>
-        </a:xfrm>
-      </p:grpSpPr>
-      <p:sp>
-        <p:nvSpPr>
-          <p:cNvPr id="2" name="Slide Image Placeholder 1"/>
-          <p:cNvSpPr>
-            <a:spLocks noGrp="1" noRot="1" noChangeAspect="1"/>
-          </p:cNvSpPr>
-          <p:nvPr>
-            <p:ph type="sldImg"/>
-          </p:nvPr>
-        </p:nvSpPr>
-        <p:spPr/>
-      </p:sp>
-      <p:sp>
-        <p:nvSpPr>
-          <p:cNvPr id="3" name="Notes Placeholder 2"/>
-          <p:cNvSpPr>
-            <a:spLocks noGrp="1"/>
-          </p:cNvSpPr>
-          <p:nvPr>
-            <p:ph type="body" idx="1"/>
-          </p:nvPr>
-        </p:nvSpPr>
-        <p:spPr/>
-        <p:txBody>
-          <a:bodyPr/>
-          <a:lstStyle/>
-          <a:p>
-            <a:endParaRPr lang="en-US" dirty="0"/>
-          </a:p>
-        </p:txBody>
-      </p:sp>
-      <p:sp>
-        <p:nvSpPr>
-          <p:cNvPr id="4" name="Slide Number Placeholder 3"/>
-          <p:cNvSpPr>
-            <a:spLocks noGrp="1"/>
-          </p:cNvSpPr>
-          <p:nvPr>
-            <p:ph type="sldNum" sz="quarter" idx="10"/>
-          </p:nvPr>
-        </p:nvSpPr>
-        <p:spPr/>
-        <p:txBody>
-          <a:bodyPr/>
-          <a:lstStyle/>
-          <a:p>
-            <a:fld id="{69BC2EFC-28F3-48C0-BF6B-230A53BCFDFC}" type="slidenum">
-              <a:rPr lang="es-MX" smtClean="0"/>
-              <a:t>6</a:t>
-            </a:fld>
-            <a:endParaRPr lang="es-MX"/>
-          </a:p>
-        </p:txBody>
-      </p:sp>
-    </p:spTree>
-    <p:extLst>
-      <p:ext uri="{BB962C8B-B14F-4D97-AF65-F5344CB8AC3E}">
-        <p14:creationId xmlns:p14="http://schemas.microsoft.com/office/powerpoint/2010/main" val="310605329"/>
-      </p:ext>
-    </p:extLst>
-  </p:cSld>
-  <p:clrMapOvr>
-    <a:masterClrMapping/>
-  </p:clrMapOvr>
-</p:notes>
-</file>
-
-<file path=ppt/notesSlides/notesSlide5.xml><?xml version="1.0" encoding="utf-8"?>
-<p:notes xmlns:a="http://schemas.openxmlformats.org/drawingml/2006/main" xmlns:r="http://schemas.openxmlformats.org/officeDocument/2006/relationships" xmlns:p="http://schemas.openxmlformats.org/presentationml/2006/main">
-  <p:cSld>
-    <p:spTree>
-      <p:nvGrpSpPr>
-        <p:cNvPr id="1" name=""/>
-        <p:cNvGrpSpPr/>
-        <p:nvPr/>
-      </p:nvGrpSpPr>
-      <p:grpSpPr>
-        <a:xfrm>
-          <a:off x="0" y="0"/>
-          <a:ext cx="0" cy="0"/>
-          <a:chOff x="0" y="0"/>
-          <a:chExt cx="0" cy="0"/>
-        </a:xfrm>
-      </p:grpSpPr>
-      <p:sp>
-        <p:nvSpPr>
-          <p:cNvPr id="2" name="Slide Image Placeholder 1"/>
-          <p:cNvSpPr>
-            <a:spLocks noGrp="1" noRot="1" noChangeAspect="1"/>
-          </p:cNvSpPr>
-          <p:nvPr>
-            <p:ph type="sldImg"/>
-          </p:nvPr>
-        </p:nvSpPr>
-        <p:spPr/>
-      </p:sp>
-      <p:sp>
-        <p:nvSpPr>
-          <p:cNvPr id="3" name="Notes Placeholder 2"/>
-          <p:cNvSpPr>
-            <a:spLocks noGrp="1"/>
-          </p:cNvSpPr>
-          <p:nvPr>
-            <p:ph type="body" idx="1"/>
-          </p:nvPr>
-        </p:nvSpPr>
-        <p:spPr/>
-        <p:txBody>
-          <a:bodyPr/>
-          <a:lstStyle/>
-          <a:p>
-            <a:endParaRPr lang="en-US" dirty="0"/>
-          </a:p>
-        </p:txBody>
-      </p:sp>
-      <p:sp>
-        <p:nvSpPr>
-          <p:cNvPr id="4" name="Slide Number Placeholder 3"/>
-          <p:cNvSpPr>
-            <a:spLocks noGrp="1"/>
-          </p:cNvSpPr>
-          <p:nvPr>
-            <p:ph type="sldNum" sz="quarter" idx="10"/>
-          </p:nvPr>
-        </p:nvSpPr>
-        <p:spPr/>
-        <p:txBody>
-          <a:bodyPr/>
-          <a:lstStyle/>
-          <a:p>
-            <a:fld id="{69BC2EFC-28F3-48C0-BF6B-230A53BCFDFC}" type="slidenum">
-              <a:rPr lang="es-MX" smtClean="0"/>
-              <a:t>7</a:t>
-            </a:fld>
-            <a:endParaRPr lang="es-MX"/>
-          </a:p>
-        </p:txBody>
-      </p:sp>
-    </p:spTree>
-    <p:extLst>
-      <p:ext uri="{BB962C8B-B14F-4D97-AF65-F5344CB8AC3E}">
-        <p14:creationId xmlns:p14="http://schemas.microsoft.com/office/powerpoint/2010/main" val="1709798804"/>
-      </p:ext>
-    </p:extLst>
-  </p:cSld>
-  <p:clrMapOvr>
-    <a:masterClrMapping/>
-  </p:clrMapOvr>
-</p:notes>
-</file>
-
-<file path=ppt/notesSlides/notesSlide6.xml><?xml version="1.0" encoding="utf-8"?>
-<p:notes xmlns:a="http://schemas.openxmlformats.org/drawingml/2006/main" xmlns:r="http://schemas.openxmlformats.org/officeDocument/2006/relationships" xmlns:p="http://schemas.openxmlformats.org/presentationml/2006/main">
-  <p:cSld>
-    <p:spTree>
-      <p:nvGrpSpPr>
-        <p:cNvPr id="1" name=""/>
-        <p:cNvGrpSpPr/>
-        <p:nvPr/>
-      </p:nvGrpSpPr>
-      <p:grpSpPr>
-        <a:xfrm>
-          <a:off x="0" y="0"/>
-          <a:ext cx="0" cy="0"/>
-          <a:chOff x="0" y="0"/>
-          <a:chExt cx="0" cy="0"/>
-        </a:xfrm>
-      </p:grpSpPr>
-      <p:sp>
-        <p:nvSpPr>
-          <p:cNvPr id="2" name="Slide Image Placeholder 1"/>
-          <p:cNvSpPr>
-            <a:spLocks noGrp="1" noRot="1" noChangeAspect="1"/>
-          </p:cNvSpPr>
-          <p:nvPr>
-            <p:ph type="sldImg"/>
-          </p:nvPr>
-        </p:nvSpPr>
-        <p:spPr/>
-      </p:sp>
-      <p:sp>
-        <p:nvSpPr>
-          <p:cNvPr id="3" name="Notes Placeholder 2"/>
-          <p:cNvSpPr>
-            <a:spLocks noGrp="1"/>
-          </p:cNvSpPr>
-          <p:nvPr>
-            <p:ph type="body" idx="1"/>
-          </p:nvPr>
-        </p:nvSpPr>
-        <p:spPr/>
-        <p:txBody>
-          <a:bodyPr/>
-          <a:lstStyle/>
-          <a:p>
-            <a:endParaRPr lang="en-US" dirty="0"/>
-          </a:p>
-        </p:txBody>
-      </p:sp>
-      <p:sp>
-        <p:nvSpPr>
-          <p:cNvPr id="4" name="Slide Number Placeholder 3"/>
-          <p:cNvSpPr>
-            <a:spLocks noGrp="1"/>
-          </p:cNvSpPr>
-          <p:nvPr>
-            <p:ph type="sldNum" sz="quarter" idx="10"/>
-          </p:nvPr>
-        </p:nvSpPr>
-        <p:spPr/>
-        <p:txBody>
-          <a:bodyPr/>
-          <a:lstStyle/>
-          <a:p>
-            <a:fld id="{69BC2EFC-28F3-48C0-BF6B-230A53BCFDFC}" type="slidenum">
-              <a:rPr lang="es-MX" smtClean="0"/>
-              <a:t>8</a:t>
-            </a:fld>
-            <a:endParaRPr lang="es-MX"/>
-          </a:p>
-        </p:txBody>
-      </p:sp>
-    </p:spTree>
-    <p:extLst>
-      <p:ext uri="{BB962C8B-B14F-4D97-AF65-F5344CB8AC3E}">
-        <p14:creationId xmlns:p14="http://schemas.microsoft.com/office/powerpoint/2010/main" val="1670098292"/>
-      </p:ext>
-    </p:extLst>
-  </p:cSld>
-  <p:clrMapOvr>
-    <a:masterClrMapping/>
-  </p:clrMapOvr>
-</p:notes>
-</file>
-
-<file path=ppt/notesSlides/notesSlide7.xml><?xml version="1.0" encoding="utf-8"?>
-<p:notes xmlns:a="http://schemas.openxmlformats.org/drawingml/2006/main" xmlns:r="http://schemas.openxmlformats.org/officeDocument/2006/relationships" xmlns:p="http://schemas.openxmlformats.org/presentationml/2006/main">
-  <p:cSld>
-    <p:spTree>
-      <p:nvGrpSpPr>
-        <p:cNvPr id="1" name=""/>
-        <p:cNvGrpSpPr/>
-        <p:nvPr/>
-      </p:nvGrpSpPr>
-      <p:grpSpPr>
-        <a:xfrm>
-          <a:off x="0" y="0"/>
-          <a:ext cx="0" cy="0"/>
-          <a:chOff x="0" y="0"/>
-          <a:chExt cx="0" cy="0"/>
-        </a:xfrm>
-      </p:grpSpPr>
-      <p:sp>
-        <p:nvSpPr>
-          <p:cNvPr id="2" name="Slide Image Placeholder 1"/>
-          <p:cNvSpPr>
-            <a:spLocks noGrp="1" noRot="1" noChangeAspect="1"/>
-          </p:cNvSpPr>
-          <p:nvPr>
-            <p:ph type="sldImg"/>
-          </p:nvPr>
-        </p:nvSpPr>
-        <p:spPr/>
-      </p:sp>
-      <p:sp>
-        <p:nvSpPr>
-          <p:cNvPr id="3" name="Notes Placeholder 2"/>
-          <p:cNvSpPr>
-            <a:spLocks noGrp="1"/>
-          </p:cNvSpPr>
-          <p:nvPr>
-            <p:ph type="body" idx="1"/>
-          </p:nvPr>
-        </p:nvSpPr>
-        <p:spPr/>
-        <p:txBody>
-          <a:bodyPr/>
-          <a:lstStyle/>
-          <a:p>
-            <a:endParaRPr lang="en-US" dirty="0"/>
-          </a:p>
-        </p:txBody>
-      </p:sp>
-      <p:sp>
-        <p:nvSpPr>
-          <p:cNvPr id="4" name="Slide Number Placeholder 3"/>
-          <p:cNvSpPr>
-            <a:spLocks noGrp="1"/>
-          </p:cNvSpPr>
-          <p:nvPr>
-            <p:ph type="sldNum" sz="quarter" idx="10"/>
-          </p:nvPr>
-        </p:nvSpPr>
-        <p:spPr/>
-        <p:txBody>
-          <a:bodyPr/>
-          <a:lstStyle/>
-          <a:p>
-            <a:fld id="{69BC2EFC-28F3-48C0-BF6B-230A53BCFDFC}" type="slidenum">
-              <a:rPr lang="es-MX" smtClean="0"/>
-              <a:t>9</a:t>
-            </a:fld>
-            <a:endParaRPr lang="es-MX"/>
-          </a:p>
-        </p:txBody>
-      </p:sp>
-    </p:spTree>
-    <p:extLst>
-      <p:ext uri="{BB962C8B-B14F-4D97-AF65-F5344CB8AC3E}">
-        <p14:creationId xmlns:p14="http://schemas.microsoft.com/office/powerpoint/2010/main" val="956845660"/>
-      </p:ext>
-    </p:extLst>
-  </p:cSld>
-  <p:clrMapOvr>
-    <a:masterClrMapping/>
-  </p:clrMapOvr>
-</p:notes>
-</file>
-
-<file path=ppt/notesSlides/notesSlide8.xml><?xml version="1.0" encoding="utf-8"?>
-<p:notes xmlns:a="http://schemas.openxmlformats.org/drawingml/2006/main" xmlns:r="http://schemas.openxmlformats.org/officeDocument/2006/relationships" xmlns:p="http://schemas.openxmlformats.org/presentationml/2006/main">
-  <p:cSld>
-    <p:spTree>
-      <p:nvGrpSpPr>
-        <p:cNvPr id="1" name=""/>
-        <p:cNvGrpSpPr/>
-        <p:nvPr/>
-      </p:nvGrpSpPr>
-      <p:grpSpPr>
-        <a:xfrm>
-          <a:off x="0" y="0"/>
-          <a:ext cx="0" cy="0"/>
-          <a:chOff x="0" y="0"/>
-          <a:chExt cx="0" cy="0"/>
-        </a:xfrm>
-      </p:grpSpPr>
-      <p:sp>
-        <p:nvSpPr>
-          <p:cNvPr id="2" name="Slide Image Placeholder 1"/>
-          <p:cNvSpPr>
-            <a:spLocks noGrp="1" noRot="1" noChangeAspect="1"/>
-          </p:cNvSpPr>
-          <p:nvPr>
-            <p:ph type="sldImg"/>
-          </p:nvPr>
-        </p:nvSpPr>
-        <p:spPr/>
-      </p:sp>
-      <p:sp>
-        <p:nvSpPr>
-          <p:cNvPr id="3" name="Notes Placeholder 2"/>
-          <p:cNvSpPr>
-            <a:spLocks noGrp="1"/>
-          </p:cNvSpPr>
-          <p:nvPr>
-            <p:ph type="body" idx="1"/>
-          </p:nvPr>
-        </p:nvSpPr>
-        <p:spPr/>
-        <p:txBody>
-          <a:bodyPr/>
-          <a:lstStyle/>
-          <a:p>
-            <a:endParaRPr lang="en-US" dirty="0"/>
-          </a:p>
-        </p:txBody>
-      </p:sp>
-      <p:sp>
-        <p:nvSpPr>
-          <p:cNvPr id="4" name="Slide Number Placeholder 3"/>
-          <p:cNvSpPr>
-            <a:spLocks noGrp="1"/>
-          </p:cNvSpPr>
-          <p:nvPr>
-            <p:ph type="sldNum" sz="quarter" idx="10"/>
-          </p:nvPr>
-        </p:nvSpPr>
-        <p:spPr/>
-        <p:txBody>
-          <a:bodyPr/>
-          <a:lstStyle/>
-          <a:p>
-            <a:fld id="{69BC2EFC-28F3-48C0-BF6B-230A53BCFDFC}" type="slidenum">
-              <a:rPr lang="es-MX" smtClean="0"/>
-              <a:t>10</a:t>
-            </a:fld>
-            <a:endParaRPr lang="es-MX"/>
-          </a:p>
-        </p:txBody>
-      </p:sp>
-    </p:spTree>
-    <p:extLst>
-      <p:ext uri="{BB962C8B-B14F-4D97-AF65-F5344CB8AC3E}">
-        <p14:creationId xmlns:p14="http://schemas.microsoft.com/office/powerpoint/2010/main" val="785941195"/>
-      </p:ext>
-    </p:extLst>
-  </p:cSld>
-  <p:clrMapOvr>
-    <a:masterClrMapping/>
-  </p:clrMapOvr>
-</p:notes>
-</file>
-
-<file path=ppt/notesSlides/notesSlide9.xml><?xml version="1.0" encoding="utf-8"?>
-<p:notes xmlns:a="http://schemas.openxmlformats.org/drawingml/2006/main" xmlns:r="http://schemas.openxmlformats.org/officeDocument/2006/relationships" xmlns:p="http://schemas.openxmlformats.org/presentationml/2006/main">
-  <p:cSld>
-    <p:spTree>
-      <p:nvGrpSpPr>
-        <p:cNvPr id="1" name=""/>
-        <p:cNvGrpSpPr/>
-        <p:nvPr/>
-      </p:nvGrpSpPr>
-      <p:grpSpPr>
-        <a:xfrm>
-          <a:off x="0" y="0"/>
-          <a:ext cx="0" cy="0"/>
-          <a:chOff x="0" y="0"/>
-          <a:chExt cx="0" cy="0"/>
-        </a:xfrm>
-      </p:grpSpPr>
-      <p:sp>
-        <p:nvSpPr>
-          <p:cNvPr id="2" name="Slide Image Placeholder 1"/>
-          <p:cNvSpPr>
-            <a:spLocks noGrp="1" noRot="1" noChangeAspect="1"/>
-          </p:cNvSpPr>
-          <p:nvPr>
-            <p:ph type="sldImg"/>
-          </p:nvPr>
-        </p:nvSpPr>
-        <p:spPr/>
-      </p:sp>
-      <p:sp>
-        <p:nvSpPr>
-          <p:cNvPr id="3" name="Notes Placeholder 2"/>
-          <p:cNvSpPr>
-            <a:spLocks noGrp="1"/>
-          </p:cNvSpPr>
-          <p:nvPr>
-            <p:ph type="body" idx="1"/>
-          </p:nvPr>
-        </p:nvSpPr>
-        <p:spPr/>
-        <p:txBody>
-          <a:bodyPr/>
-          <a:lstStyle/>
-          <a:p>
-            <a:endParaRPr lang="en-US" dirty="0"/>
-          </a:p>
-        </p:txBody>
-      </p:sp>
-      <p:sp>
-        <p:nvSpPr>
-          <p:cNvPr id="4" name="Slide Number Placeholder 3"/>
-          <p:cNvSpPr>
-            <a:spLocks noGrp="1"/>
-          </p:cNvSpPr>
-          <p:nvPr>
-            <p:ph type="sldNum" sz="quarter" idx="10"/>
-          </p:nvPr>
-        </p:nvSpPr>
-        <p:spPr/>
-        <p:txBody>
-          <a:bodyPr/>
-          <a:lstStyle/>
-          <a:p>
-            <a:fld id="{69BC2EFC-28F3-48C0-BF6B-230A53BCFDFC}" type="slidenum">
-              <a:rPr lang="es-MX" smtClean="0"/>
-              <a:t>11</a:t>
-            </a:fld>
-            <a:endParaRPr lang="es-MX"/>
-          </a:p>
-        </p:txBody>
-      </p:sp>
-    </p:spTree>
-    <p:extLst>
-      <p:ext uri="{BB962C8B-B14F-4D97-AF65-F5344CB8AC3E}">
-        <p14:creationId xmlns:p14="http://schemas.microsoft.com/office/powerpoint/2010/main" val="942341686"/>
       </p:ext>
     </p:extLst>
   </p:cSld>
@@ -7206,18 +6536,6 @@
               <a:t>5</a:t>
             </a:r>
             <a:r>
-              <a:rPr lang="en-US" sz="6600" dirty="0" smtClean="0">
-                <a:solidFill>
-                  <a:schemeClr val="accent3">
-                    <a:lumMod val="75000"/>
-                  </a:schemeClr>
-                </a:solidFill>
-                <a:ea typeface="Open Sans Semibold" panose="020B0706030804020204" pitchFamily="34" charset="0"/>
-                <a:cs typeface="Open Sans Semibold" panose="020B0706030804020204" pitchFamily="34" charset="0"/>
-              </a:rPr>
-              <a:t>: </a:t>
-            </a:r>
-            <a:r>
               <a:rPr lang="en-US" sz="6600" dirty="0">
                 <a:solidFill>
                   <a:schemeClr val="accent3">
@@ -7227,19 +6545,7 @@
                 <a:ea typeface="Open Sans Semibold" panose="020B0706030804020204" pitchFamily="34" charset="0"/>
                 <a:cs typeface="Open Sans Semibold" panose="020B0706030804020204" pitchFamily="34" charset="0"/>
               </a:rPr>
-              <a:t>Generics &amp; </a:t>
-            </a:r>
-            <a:r>
-              <a:rPr lang="en-US" sz="6600" dirty="0" err="1">
-                <a:solidFill>
-                  <a:schemeClr val="accent3">
-                    <a:lumMod val="75000"/>
-                  </a:schemeClr>
-                </a:solidFill>
-                <a:ea typeface="Open Sans Semibold" panose="020B0706030804020204" pitchFamily="34" charset="0"/>
-                <a:cs typeface="Open Sans Semibold" panose="020B0706030804020204" pitchFamily="34" charset="0"/>
-              </a:rPr>
-              <a:t>Internationationalization</a:t>
+              <a:t>: Advanced Hibernate</a:t>
             </a:r>
             <a:endParaRPr lang="en-US" sz="6600" dirty="0">
               <a:solidFill>
@@ -16987,7 +16293,7 @@
       </p:grpSpPr>
       <p:sp>
         <p:nvSpPr>
-          <p:cNvPr id="2" name="Marcador de texto 4"/>
+          <p:cNvPr id="33" name="Marcador de texto 4"/>
           <p:cNvSpPr txBox="1">
             <a:spLocks/>
           </p:cNvSpPr>
@@ -16995,7 +16301,7 @@
         </p:nvSpPr>
         <p:spPr>
           <a:xfrm>
-            <a:off x="1886648" y="1053149"/>
+            <a:off x="2246688" y="1053149"/>
             <a:ext cx="17101901" cy="1802637"/>
           </a:xfrm>
           <a:prstGeom prst="rect">
@@ -17170,7 +16476,7 @@
           </a:lstStyle>
           <a:p>
             <a:r>
-              <a:rPr lang="en-US" sz="6600" dirty="0" smtClean="0">
+              <a:rPr lang="en-US" sz="4400" dirty="0" smtClean="0">
                 <a:solidFill>
                   <a:schemeClr val="accent3">
                     <a:lumMod val="75000"/>
@@ -17179,9 +16485,9 @@
                 <a:ea typeface="Open Sans Semibold" panose="020B0706030804020204" pitchFamily="34" charset="0"/>
                 <a:cs typeface="Open Sans Semibold" panose="020B0706030804020204" pitchFamily="34" charset="0"/>
               </a:rPr>
-              <a:t>Numbers and Measurements Localization</a:t>
-            </a:r>
-            <a:endParaRPr lang="en-US" sz="6600" dirty="0">
+              <a:t>Hibernate: Working with Validator</a:t>
+            </a:r>
+            <a:endParaRPr lang="en-US" sz="4400" dirty="0">
               <a:solidFill>
                 <a:schemeClr val="accent3">
                   <a:lumMod val="75000"/>
@@ -17193,89 +16499,16 @@
           </a:p>
         </p:txBody>
       </p:sp>
-      <p:sp>
-        <p:nvSpPr>
-          <p:cNvPr id="3" name="TextBox 2"/>
-          <p:cNvSpPr txBox="1"/>
-          <p:nvPr/>
-        </p:nvSpPr>
-        <p:spPr>
-          <a:xfrm>
-            <a:off x="2201683" y="3573429"/>
-            <a:ext cx="20522281" cy="3970318"/>
-          </a:xfrm>
-          <a:prstGeom prst="rect">
-            <a:avLst/>
-          </a:prstGeom>
-          <a:noFill/>
-        </p:spPr>
-        <p:txBody>
-          <a:bodyPr wrap="square" rtlCol="0">
-            <a:spAutoFit/>
-          </a:bodyPr>
-          <a:lstStyle/>
-          <a:p>
-            <a:pPr marL="571500" indent="-571500" algn="just">
-              <a:buFont typeface="Arial" panose="020B0604020202020204" pitchFamily="34" charset="0"/>
-              <a:buChar char="•"/>
-            </a:pPr>
-            <a:r>
-              <a:rPr lang="en-IN" sz="3600" dirty="0"/>
-              <a:t>Programs store and operate on numbers in a locale-independent way. Before displaying or printing a number, a program must convert it to a String that is in a locale-sensitive format. For example, in France the number 123456.78 should be formatted as 123 456,78, and in Germany it should appear as 123.456,78</a:t>
-            </a:r>
-            <a:r>
-              <a:rPr lang="en-IN" sz="3600" dirty="0" smtClean="0"/>
-              <a:t>.</a:t>
-            </a:r>
-          </a:p>
-          <a:p>
-            <a:pPr marL="571500" indent="-571500" algn="just">
-              <a:buFont typeface="Arial" panose="020B0604020202020204" pitchFamily="34" charset="0"/>
-              <a:buChar char="•"/>
-            </a:pPr>
-            <a:r>
-              <a:rPr lang="en-IN" sz="3600" dirty="0" smtClean="0"/>
-              <a:t>As of September 2016, a measurement API has been added to Java:</a:t>
-            </a:r>
-          </a:p>
-          <a:p>
-            <a:pPr marL="1779783" lvl="1" indent="-571500" algn="just">
-              <a:buFont typeface="Arial" panose="020B0604020202020204" pitchFamily="34" charset="0"/>
-              <a:buChar char="•"/>
-            </a:pPr>
-            <a:r>
-              <a:rPr lang="en-IN" sz="3600" dirty="0">
-                <a:hlinkClick r:id="rId3"/>
-              </a:rPr>
-              <a:t>http://</a:t>
-            </a:r>
-            <a:r>
-              <a:rPr lang="en-IN" sz="3600" dirty="0" smtClean="0">
-                <a:hlinkClick r:id="rId3"/>
-              </a:rPr>
-              <a:t>www.javadoc.io/doc/javax.measure/unit-api/1.0</a:t>
-            </a:r>
-            <a:endParaRPr lang="en-IN" sz="3600" dirty="0" smtClean="0"/>
-          </a:p>
-          <a:p>
-            <a:pPr marL="571500" indent="-571500" algn="just">
-              <a:buFont typeface="Arial" panose="020B0604020202020204" pitchFamily="34" charset="0"/>
-              <a:buChar char="•"/>
-            </a:pPr>
-            <a:endParaRPr lang="en-IN" sz="3600" dirty="0" smtClean="0"/>
-          </a:p>
-        </p:txBody>
-      </p:sp>
       <p:cxnSp>
         <p:nvCxnSpPr>
-          <p:cNvPr id="4" name="10 Conector recto"/>
+          <p:cNvPr id="34" name="10 Conector recto"/>
           <p:cNvCxnSpPr/>
           <p:nvPr/>
         </p:nvCxnSpPr>
         <p:spPr>
-          <a:xfrm flipV="1">
-            <a:off x="1886648" y="2152482"/>
-            <a:ext cx="14581621" cy="70808"/>
+          <a:xfrm>
+            <a:off x="2246688" y="1955687"/>
+            <a:ext cx="8190911" cy="0"/>
           </a:xfrm>
           <a:prstGeom prst="line">
             <a:avLst/>
@@ -17301,10 +16534,228 @@
           </a:fontRef>
         </p:style>
       </p:cxnSp>
+      <p:sp>
+        <p:nvSpPr>
+          <p:cNvPr id="35" name="TextBox 34"/>
+          <p:cNvSpPr txBox="1"/>
+          <p:nvPr/>
+        </p:nvSpPr>
+        <p:spPr>
+          <a:xfrm>
+            <a:off x="2246688" y="2855786"/>
+            <a:ext cx="19982220" cy="9510296"/>
+          </a:xfrm>
+          <a:prstGeom prst="rect">
+            <a:avLst/>
+          </a:prstGeom>
+          <a:noFill/>
+        </p:spPr>
+        <p:txBody>
+          <a:bodyPr wrap="square" rtlCol="0">
+            <a:spAutoFit/>
+          </a:bodyPr>
+          <a:lstStyle/>
+          <a:p>
+            <a:pPr marL="571500" indent="-571500">
+              <a:buFont typeface="Arial" panose="020B0604020202020204" pitchFamily="34" charset="0"/>
+              <a:buChar char="•"/>
+            </a:pPr>
+            <a:r>
+              <a:rPr lang="en-US" sz="3600" dirty="0"/>
+              <a:t>Obtaining a Validator instance: The first step towards validating an entity instance is to get hold of a Validator instance. The road to this instance leads via the Validation class and a </a:t>
+            </a:r>
+            <a:r>
+              <a:rPr lang="en-US" sz="3600" dirty="0" err="1"/>
+              <a:t>ValidatorFactory</a:t>
+            </a:r>
+            <a:r>
+              <a:rPr lang="en-US" sz="3600" dirty="0"/>
+              <a:t>. The easiest way is to use the static method </a:t>
+            </a:r>
+            <a:r>
+              <a:rPr lang="en-US" sz="3600" dirty="0" err="1" smtClean="0"/>
+              <a:t>Validation.buildDefaultValidatorFactory</a:t>
+            </a:r>
+            <a:r>
+              <a:rPr lang="en-US" sz="3600" dirty="0" smtClean="0"/>
+              <a:t>().</a:t>
+            </a:r>
+          </a:p>
+          <a:p>
+            <a:pPr marL="571500" indent="-571500">
+              <a:buFont typeface="Arial" panose="020B0604020202020204" pitchFamily="34" charset="0"/>
+              <a:buChar char="•"/>
+            </a:pPr>
+            <a:r>
+              <a:rPr lang="en-US" sz="3600" dirty="0"/>
+              <a:t>Validator </a:t>
+            </a:r>
+            <a:r>
+              <a:rPr lang="en-US" sz="3600" dirty="0" smtClean="0"/>
+              <a:t>methods:</a:t>
+            </a:r>
+          </a:p>
+          <a:p>
+            <a:pPr marL="1779783" lvl="1" indent="-571500">
+              <a:buFont typeface="Arial" panose="020B0604020202020204" pitchFamily="34" charset="0"/>
+              <a:buChar char="•"/>
+            </a:pPr>
+            <a:r>
+              <a:rPr lang="en-US" sz="3600" dirty="0"/>
+              <a:t>The Validator interface contains three methods that can be used to either validate entire entities or just single properties of the entity</a:t>
+            </a:r>
+            <a:r>
+              <a:rPr lang="en-US" sz="3600" dirty="0" smtClean="0"/>
+              <a:t>.</a:t>
+            </a:r>
+          </a:p>
+          <a:p>
+            <a:pPr marL="1779783" lvl="1" indent="-571500">
+              <a:buFont typeface="Arial" panose="020B0604020202020204" pitchFamily="34" charset="0"/>
+              <a:buChar char="•"/>
+            </a:pPr>
+            <a:r>
+              <a:rPr lang="en-US" sz="3600" dirty="0" smtClean="0"/>
+              <a:t>All </a:t>
+            </a:r>
+            <a:r>
+              <a:rPr lang="en-US" sz="3600" dirty="0"/>
+              <a:t>three methods return a Set&lt;</a:t>
+            </a:r>
+            <a:r>
+              <a:rPr lang="en-US" sz="3600" dirty="0" err="1"/>
+              <a:t>ConstraintViolation</a:t>
+            </a:r>
+            <a:r>
+              <a:rPr lang="en-US" sz="3600" dirty="0"/>
+              <a:t>&gt;. The set is empty, if the validation succeeds. Otherwise a </a:t>
+            </a:r>
+            <a:r>
+              <a:rPr lang="en-US" sz="3600" dirty="0" err="1"/>
+              <a:t>ConstraintViolation</a:t>
+            </a:r>
+            <a:r>
+              <a:rPr lang="en-US" sz="3600" dirty="0"/>
+              <a:t> instance is added for each violated constraint</a:t>
+            </a:r>
+            <a:r>
+              <a:rPr lang="en-US" sz="3600" dirty="0" smtClean="0"/>
+              <a:t>.</a:t>
+            </a:r>
+          </a:p>
+          <a:p>
+            <a:pPr marL="1779783" lvl="1" indent="-571500">
+              <a:buFont typeface="Arial" panose="020B0604020202020204" pitchFamily="34" charset="0"/>
+              <a:buChar char="•"/>
+            </a:pPr>
+            <a:r>
+              <a:rPr lang="en-US" sz="3600" dirty="0" smtClean="0"/>
+              <a:t>All </a:t>
+            </a:r>
+            <a:r>
+              <a:rPr lang="en-US" sz="3600" dirty="0"/>
+              <a:t>the validation methods have a </a:t>
+            </a:r>
+            <a:r>
+              <a:rPr lang="en-US" sz="3600" dirty="0" err="1"/>
+              <a:t>var-args</a:t>
+            </a:r>
+            <a:r>
+              <a:rPr lang="en-US" sz="3600" dirty="0"/>
+              <a:t> parameter which can be used to specify, which validation groups shall be considered when performing the validation. </a:t>
+            </a:r>
+            <a:endParaRPr lang="en-US" sz="3600" dirty="0" smtClean="0"/>
+          </a:p>
+          <a:p>
+            <a:pPr marL="1779783" lvl="1" indent="-571500">
+              <a:buFont typeface="Arial" panose="020B0604020202020204" pitchFamily="34" charset="0"/>
+              <a:buChar char="•"/>
+            </a:pPr>
+            <a:r>
+              <a:rPr lang="en-US" sz="3600" dirty="0" smtClean="0"/>
+              <a:t>If </a:t>
+            </a:r>
+            <a:r>
+              <a:rPr lang="en-US" sz="3600" dirty="0"/>
+              <a:t>the parameter is not specified the default validation group (</a:t>
+            </a:r>
+            <a:r>
+              <a:rPr lang="en-US" sz="3600" dirty="0" err="1"/>
+              <a:t>javax.validation.groups.Default</a:t>
+            </a:r>
+            <a:r>
+              <a:rPr lang="en-US" sz="3600" dirty="0"/>
+              <a:t>) is used</a:t>
+            </a:r>
+            <a:r>
+              <a:rPr lang="en-US" sz="3600" dirty="0" smtClean="0"/>
+              <a:t>.</a:t>
+            </a:r>
+          </a:p>
+          <a:p>
+            <a:pPr marL="571500" indent="-571500">
+              <a:buFont typeface="Arial" panose="020B0604020202020204" pitchFamily="34" charset="0"/>
+              <a:buChar char="•"/>
+            </a:pPr>
+            <a:r>
+              <a:rPr lang="en-US" sz="3600" dirty="0" err="1" smtClean="0"/>
+              <a:t>Validator.validate</a:t>
+            </a:r>
+            <a:r>
+              <a:rPr lang="en-US" sz="3600" dirty="0"/>
+              <a:t>(): </a:t>
+            </a:r>
+            <a:r>
+              <a:rPr lang="en-US" sz="3600" dirty="0" smtClean="0"/>
+              <a:t>perform </a:t>
+            </a:r>
+            <a:r>
+              <a:rPr lang="en-US" sz="3600" dirty="0"/>
+              <a:t>validation of all constraints of a given bean.</a:t>
+            </a:r>
+            <a:endParaRPr lang="en-US" sz="3600" dirty="0" smtClean="0"/>
+          </a:p>
+          <a:p>
+            <a:pPr marL="571500" indent="-571500">
+              <a:buFont typeface="Arial" panose="020B0604020202020204" pitchFamily="34" charset="0"/>
+              <a:buChar char="•"/>
+            </a:pPr>
+            <a:r>
+              <a:rPr lang="en-US" sz="3600" dirty="0" err="1" smtClean="0"/>
+              <a:t>Validator.validateProperty</a:t>
+            </a:r>
+            <a:r>
+              <a:rPr lang="en-US" sz="3600" dirty="0" smtClean="0"/>
+              <a:t>(): validate a named property on a class</a:t>
+            </a:r>
+          </a:p>
+          <a:p>
+            <a:pPr marL="571500" indent="-571500">
+              <a:buFont typeface="Arial" panose="020B0604020202020204" pitchFamily="34" charset="0"/>
+              <a:buChar char="•"/>
+            </a:pPr>
+            <a:r>
+              <a:rPr lang="en-US" sz="3600" dirty="0" err="1" smtClean="0"/>
+              <a:t>Validator.validateValue</a:t>
+            </a:r>
+            <a:r>
+              <a:rPr lang="en-US" sz="3600" dirty="0" smtClean="0"/>
+              <a:t>(): validate if the specified property for a class would be valid with a specific value.</a:t>
+            </a:r>
+          </a:p>
+          <a:p>
+            <a:pPr marL="571500" indent="-571500">
+              <a:buFont typeface="Arial" panose="020B0604020202020204" pitchFamily="34" charset="0"/>
+              <a:buChar char="•"/>
+            </a:pPr>
+            <a:endParaRPr lang="en-US" sz="3600" dirty="0" smtClean="0"/>
+          </a:p>
+        </p:txBody>
+      </p:sp>
     </p:spTree>
     <p:extLst>
       <p:ext uri="{BB962C8B-B14F-4D97-AF65-F5344CB8AC3E}">
-        <p14:creationId xmlns:p14="http://schemas.microsoft.com/office/powerpoint/2010/main" val="201672823"/>
+        <p14:creationId xmlns:p14="http://schemas.microsoft.com/office/powerpoint/2010/main" val="1993549459"/>
       </p:ext>
     </p:extLst>
   </p:cSld>
@@ -17348,7 +16799,7 @@
                                           </p:stCondLst>
                                         </p:cTn>
                                         <p:tgtEl>
-                                          <p:spTgt spid="2"/>
+                                          <p:spTgt spid="33"/>
                                         </p:tgtEl>
                                         <p:attrNameLst>
                                           <p:attrName>style.visibility</p:attrName>
@@ -17362,7 +16813,7 @@
                                       <p:cBhvr additive="base">
                                         <p:cTn id="7" dur="1000" fill="hold"/>
                                         <p:tgtEl>
-                                          <p:spTgt spid="2"/>
+                                          <p:spTgt spid="33"/>
                                         </p:tgtEl>
                                         <p:attrNameLst>
                                           <p:attrName>ppt_x</p:attrName>
@@ -17385,7 +16836,7 @@
                                       <p:cBhvr additive="base">
                                         <p:cTn id="8" dur="1000" fill="hold"/>
                                         <p:tgtEl>
-                                          <p:spTgt spid="2"/>
+                                          <p:spTgt spid="33"/>
                                         </p:tgtEl>
                                         <p:attrNameLst>
                                           <p:attrName>ppt_y</p:attrName>
@@ -17430,7 +16881,7 @@
                                           </p:stCondLst>
                                         </p:cTn>
                                         <p:tgtEl>
-                                          <p:spTgt spid="4"/>
+                                          <p:spTgt spid="34"/>
                                         </p:tgtEl>
                                         <p:attrNameLst>
                                           <p:attrName>style.visibility</p:attrName>
@@ -17444,7 +16895,7 @@
                                       <p:cBhvr additive="base">
                                         <p:cTn id="12" dur="500" fill="hold"/>
                                         <p:tgtEl>
-                                          <p:spTgt spid="4"/>
+                                          <p:spTgt spid="34"/>
                                         </p:tgtEl>
                                         <p:attrNameLst>
                                           <p:attrName>ppt_x</p:attrName>
@@ -17467,7 +16918,7 @@
                                       <p:cBhvr additive="base">
                                         <p:cTn id="13" dur="500" fill="hold"/>
                                         <p:tgtEl>
-                                          <p:spTgt spid="4"/>
+                                          <p:spTgt spid="34"/>
                                         </p:tgtEl>
                                         <p:attrNameLst>
                                           <p:attrName>ppt_y</p:attrName>
@@ -17517,7 +16968,7 @@
       </p:par>
     </p:tnLst>
     <p:bldLst>
-      <p:bldP spid="2" grpId="0"/>
+      <p:bldP spid="33" grpId="0"/>
     </p:bldLst>
   </p:timing>
 </p:sld>
@@ -17542,7 +16993,7 @@
       </p:grpSpPr>
       <p:sp>
         <p:nvSpPr>
-          <p:cNvPr id="2" name="Marcador de texto 4"/>
+          <p:cNvPr id="33" name="Marcador de texto 4"/>
           <p:cNvSpPr txBox="1">
             <a:spLocks/>
           </p:cNvSpPr>
@@ -17550,7 +17001,7 @@
         </p:nvSpPr>
         <p:spPr>
           <a:xfrm>
-            <a:off x="1886648" y="1053149"/>
+            <a:off x="2246688" y="1053149"/>
             <a:ext cx="17101901" cy="1802637"/>
           </a:xfrm>
           <a:prstGeom prst="rect">
@@ -17725,7 +17176,7 @@
           </a:lstStyle>
           <a:p>
             <a:r>
-              <a:rPr lang="en-US" sz="6600" dirty="0" smtClean="0">
+              <a:rPr lang="en-US" sz="4400" dirty="0" smtClean="0">
                 <a:solidFill>
                   <a:schemeClr val="accent3">
                     <a:lumMod val="75000"/>
@@ -17734,9 +17185,9 @@
                 <a:ea typeface="Open Sans Semibold" panose="020B0706030804020204" pitchFamily="34" charset="0"/>
                 <a:cs typeface="Open Sans Semibold" panose="020B0706030804020204" pitchFamily="34" charset="0"/>
               </a:rPr>
-              <a:t>Compound Messages</a:t>
-            </a:r>
-            <a:endParaRPr lang="en-US" sz="6600" dirty="0">
+              <a:t>Hibernate: Search</a:t>
+            </a:r>
+            <a:endParaRPr lang="en-US" sz="4400" dirty="0">
               <a:solidFill>
                 <a:schemeClr val="accent3">
                   <a:lumMod val="75000"/>
@@ -17748,162 +17199,16 @@
           </a:p>
         </p:txBody>
       </p:sp>
-      <p:sp>
-        <p:nvSpPr>
-          <p:cNvPr id="3" name="TextBox 2"/>
-          <p:cNvSpPr txBox="1"/>
-          <p:nvPr/>
-        </p:nvSpPr>
-        <p:spPr>
-          <a:xfrm>
-            <a:off x="2201683" y="3573429"/>
-            <a:ext cx="20522281" cy="7294305"/>
-          </a:xfrm>
-          <a:prstGeom prst="rect">
-            <a:avLst/>
-          </a:prstGeom>
-          <a:noFill/>
-        </p:spPr>
-        <p:txBody>
-          <a:bodyPr wrap="square" rtlCol="0">
-            <a:spAutoFit/>
-          </a:bodyPr>
-          <a:lstStyle/>
-          <a:p>
-            <a:pPr marL="571500" indent="-571500" algn="just">
-              <a:buFont typeface="Arial" panose="020B0604020202020204" pitchFamily="34" charset="0"/>
-              <a:buChar char="•"/>
-            </a:pPr>
-            <a:r>
-              <a:rPr lang="en-IN" sz="3600" dirty="0"/>
-              <a:t>A compound message may contain several kinds of variables: dates, times, strings, numbers, currencies, and percentages. To format a compound message in a locale-independent manner, you construct a pattern that you apply to a </a:t>
-            </a:r>
-            <a:r>
-              <a:rPr lang="en-IN" sz="3600" dirty="0" err="1"/>
-              <a:t>MessageFormat</a:t>
-            </a:r>
-            <a:r>
-              <a:rPr lang="en-IN" sz="3600" dirty="0"/>
-              <a:t> object</a:t>
-            </a:r>
-            <a:r>
-              <a:rPr lang="en-IN" sz="3600" dirty="0" smtClean="0"/>
-              <a:t>.</a:t>
-            </a:r>
-          </a:p>
-          <a:p>
-            <a:pPr marL="571500" indent="-571500" algn="just">
-              <a:buFont typeface="Arial" panose="020B0604020202020204" pitchFamily="34" charset="0"/>
-              <a:buChar char="•"/>
-            </a:pPr>
-            <a:r>
-              <a:rPr lang="en-IN" sz="3600" dirty="0"/>
-              <a:t>A compound message may contain several kinds of variables: dates, times, strings, numbers, currencies, and percentages. To format a compound message in a locale-independent manner, you construct a pattern that you apply to a </a:t>
-            </a:r>
-            <a:r>
-              <a:rPr lang="en-IN" sz="3600" dirty="0" err="1"/>
-              <a:t>MessageFormat</a:t>
-            </a:r>
-            <a:r>
-              <a:rPr lang="en-IN" sz="3600" dirty="0"/>
-              <a:t> object, and store this pattern in a </a:t>
-            </a:r>
-            <a:r>
-              <a:rPr lang="en-IN" sz="3600" dirty="0" err="1"/>
-              <a:t>ResourceBundle</a:t>
-            </a:r>
-            <a:r>
-              <a:rPr lang="en-IN" sz="3600" dirty="0" smtClean="0"/>
-              <a:t>.</a:t>
-            </a:r>
-          </a:p>
-          <a:p>
-            <a:pPr marL="571500" indent="-571500" algn="just">
-              <a:buFont typeface="Arial" panose="020B0604020202020204" pitchFamily="34" charset="0"/>
-              <a:buChar char="•"/>
-            </a:pPr>
-            <a:r>
-              <a:rPr lang="en-IN" sz="3600" dirty="0"/>
-              <a:t>The words in a message may vary if both plural and singular word forms are possible. With the </a:t>
-            </a:r>
-            <a:r>
-              <a:rPr lang="en-IN" sz="3600" dirty="0" err="1"/>
-              <a:t>ChoiceFormat</a:t>
-            </a:r>
-            <a:r>
-              <a:rPr lang="en-IN" sz="3600" dirty="0"/>
-              <a:t> class, you can map a number to a word or a phrase, allowing you to construct grammatically correct </a:t>
-            </a:r>
-            <a:r>
-              <a:rPr lang="en-IN" sz="3600" dirty="0" err="1"/>
-              <a:t>messages.In</a:t>
-            </a:r>
-            <a:r>
-              <a:rPr lang="en-IN" sz="3600" dirty="0"/>
-              <a:t> English the plural and singular forms of a word are usually different. This can present a problem when you are constructing messages that refer to quantities</a:t>
-            </a:r>
-            <a:r>
-              <a:rPr lang="en-IN" sz="3600" dirty="0" smtClean="0"/>
-              <a:t>.</a:t>
-            </a:r>
-          </a:p>
-          <a:p>
-            <a:pPr marL="571500" indent="-571500" algn="just">
-              <a:buFont typeface="Arial" panose="020B0604020202020204" pitchFamily="34" charset="0"/>
-              <a:buChar char="•"/>
-            </a:pPr>
-            <a:r>
-              <a:rPr lang="en-IN" sz="3600" dirty="0" smtClean="0"/>
-              <a:t>You can </a:t>
-            </a:r>
-            <a:r>
-              <a:rPr lang="en-IN" sz="3600" dirty="0"/>
-              <a:t>use the </a:t>
-            </a:r>
-            <a:r>
-              <a:rPr lang="en-IN" sz="3600" dirty="0" err="1"/>
-              <a:t>ChoiceFormat</a:t>
-            </a:r>
-            <a:r>
-              <a:rPr lang="en-IN" sz="3600" dirty="0"/>
-              <a:t> class</a:t>
-            </a:r>
-            <a:r>
-              <a:rPr lang="en-IN" sz="3600" dirty="0" smtClean="0"/>
-              <a:t>.</a:t>
-            </a:r>
-          </a:p>
-          <a:p>
-            <a:pPr marL="571500" indent="-571500" algn="just">
-              <a:buFont typeface="Arial" panose="020B0604020202020204" pitchFamily="34" charset="0"/>
-              <a:buChar char="•"/>
-            </a:pPr>
-            <a:r>
-              <a:rPr lang="en-IN" sz="3600" dirty="0"/>
-              <a:t>The </a:t>
-            </a:r>
-            <a:r>
-              <a:rPr lang="en-IN" sz="3600" dirty="0" err="1"/>
-              <a:t>ChoiceFormat</a:t>
-            </a:r>
-            <a:r>
-              <a:rPr lang="en-IN" sz="3600" dirty="0"/>
-              <a:t> object allows you to choose, based on a double number, a particular String. The range of double numbers, and the String objects to which they map, are specified in arrays</a:t>
-            </a:r>
-            <a:endParaRPr lang="en-IN" sz="3600" dirty="0" smtClean="0"/>
-          </a:p>
-        </p:txBody>
-      </p:sp>
       <p:cxnSp>
         <p:nvCxnSpPr>
-          <p:cNvPr id="4" name="10 Conector recto"/>
+          <p:cNvPr id="34" name="10 Conector recto"/>
           <p:cNvCxnSpPr/>
           <p:nvPr/>
         </p:nvCxnSpPr>
         <p:spPr>
-          <a:xfrm flipV="1">
-            <a:off x="1886648" y="2186137"/>
-            <a:ext cx="7650851" cy="37153"/>
+          <a:xfrm>
+            <a:off x="2246688" y="1955687"/>
+            <a:ext cx="4365486" cy="0"/>
           </a:xfrm>
           <a:prstGeom prst="line">
             <a:avLst/>
@@ -17929,10 +17234,177 @@
           </a:fontRef>
         </p:style>
       </p:cxnSp>
+      <p:sp>
+        <p:nvSpPr>
+          <p:cNvPr id="35" name="TextBox 34"/>
+          <p:cNvSpPr txBox="1"/>
+          <p:nvPr/>
+        </p:nvSpPr>
+        <p:spPr>
+          <a:xfrm>
+            <a:off x="2246688" y="2855786"/>
+            <a:ext cx="19982220" cy="8402300"/>
+          </a:xfrm>
+          <a:prstGeom prst="rect">
+            <a:avLst/>
+          </a:prstGeom>
+          <a:noFill/>
+        </p:spPr>
+        <p:txBody>
+          <a:bodyPr wrap="square" rtlCol="0">
+            <a:spAutoFit/>
+          </a:bodyPr>
+          <a:lstStyle/>
+          <a:p>
+            <a:pPr marL="571500" indent="-571500">
+              <a:buFont typeface="Arial" panose="020B0604020202020204" pitchFamily="34" charset="0"/>
+              <a:buChar char="•"/>
+            </a:pPr>
+            <a:r>
+              <a:rPr lang="en-US" sz="3600" dirty="0"/>
+              <a:t>Hibernate Search transparently indexes your objects and offers fast full-text, geolocation and data mining search capabilities. Easy to use, integrates with Apache Lucene, </a:t>
+            </a:r>
+            <a:r>
+              <a:rPr lang="en-US" sz="3600" dirty="0" err="1"/>
+              <a:t>Elasticsearch</a:t>
+            </a:r>
+            <a:r>
+              <a:rPr lang="en-US" sz="3600" dirty="0"/>
+              <a:t> and Hibernate ORM</a:t>
+            </a:r>
+            <a:r>
+              <a:rPr lang="en-US" sz="3600" dirty="0" smtClean="0"/>
+              <a:t>.</a:t>
+            </a:r>
+          </a:p>
+          <a:p>
+            <a:pPr marL="571500" indent="-571500">
+              <a:buFont typeface="Arial" panose="020B0604020202020204" pitchFamily="34" charset="0"/>
+              <a:buChar char="•"/>
+            </a:pPr>
+            <a:r>
+              <a:rPr lang="en-US" sz="3600" dirty="0"/>
+              <a:t>As Hibernate maps POJOs to tables, Hibernate Search maps them with to Lucene's index introducing a new set of </a:t>
+            </a:r>
+            <a:r>
+              <a:rPr lang="en-US" sz="3600" dirty="0" smtClean="0"/>
+              <a:t>annotations.</a:t>
+            </a:r>
+          </a:p>
+          <a:p>
+            <a:pPr marL="571500" indent="-571500">
+              <a:buFont typeface="Arial" panose="020B0604020202020204" pitchFamily="34" charset="0"/>
+              <a:buChar char="•"/>
+            </a:pPr>
+            <a:r>
+              <a:rPr lang="en-US" sz="3600" dirty="0" smtClean="0"/>
+              <a:t>The </a:t>
+            </a:r>
+            <a:r>
+              <a:rPr lang="en-US" sz="3600" dirty="0"/>
+              <a:t>interesting point here is that you annotate with both families of annotations the same entities, and when you make an Hibernate query to the database or a Lucene query to the index, you'll get Hibernate managed entities in both cases. </a:t>
+            </a:r>
+            <a:endParaRPr lang="en-US" sz="3600" dirty="0" smtClean="0"/>
+          </a:p>
+          <a:p>
+            <a:pPr marL="571500" indent="-571500">
+              <a:buFont typeface="Arial" panose="020B0604020202020204" pitchFamily="34" charset="0"/>
+              <a:buChar char="•"/>
+            </a:pPr>
+            <a:r>
+              <a:rPr lang="en-US" sz="3600" dirty="0" smtClean="0"/>
+              <a:t>You </a:t>
+            </a:r>
+            <a:r>
+              <a:rPr lang="en-US" sz="3600" dirty="0"/>
+              <a:t>define your domain model - which is unique - and how it maps to the database and to the </a:t>
+            </a:r>
+            <a:r>
+              <a:rPr lang="en-US" sz="3600" dirty="0" smtClean="0"/>
+              <a:t>index.</a:t>
+            </a:r>
+          </a:p>
+          <a:p>
+            <a:pPr marL="571500" indent="-571500">
+              <a:buFont typeface="Arial" panose="020B0604020202020204" pitchFamily="34" charset="0"/>
+              <a:buChar char="•"/>
+            </a:pPr>
+            <a:r>
+              <a:rPr lang="en-US" sz="3600" dirty="0" smtClean="0"/>
+              <a:t>When </a:t>
+            </a:r>
+            <a:r>
+              <a:rPr lang="en-US" sz="3600" dirty="0"/>
+              <a:t>you make changes to your data the service will update both database and index at transaction commit</a:t>
+            </a:r>
+            <a:r>
+              <a:rPr lang="en-US" sz="3600" dirty="0" smtClean="0"/>
+              <a:t>.</a:t>
+            </a:r>
+          </a:p>
+          <a:p>
+            <a:pPr marL="571500" indent="-571500">
+              <a:buFont typeface="Arial" panose="020B0604020202020204" pitchFamily="34" charset="0"/>
+              <a:buChar char="•"/>
+            </a:pPr>
+            <a:r>
+              <a:rPr lang="en-US" sz="3600" dirty="0" smtClean="0"/>
+              <a:t>The following are some core capabilities of Hibernate Search:</a:t>
+            </a:r>
+          </a:p>
+          <a:p>
+            <a:pPr marL="1779783" lvl="1" indent="-571500">
+              <a:buFont typeface="Arial" panose="020B0604020202020204" pitchFamily="34" charset="0"/>
+              <a:buChar char="•"/>
+            </a:pPr>
+            <a:r>
+              <a:rPr lang="en-US" sz="3600" dirty="0"/>
+              <a:t>search words with </a:t>
+            </a:r>
+            <a:r>
+              <a:rPr lang="en-US" sz="3600" dirty="0" smtClean="0"/>
+              <a:t>text</a:t>
+            </a:r>
+          </a:p>
+          <a:p>
+            <a:pPr marL="1779783" lvl="1" indent="-571500">
+              <a:buFont typeface="Arial" panose="020B0604020202020204" pitchFamily="34" charset="0"/>
+              <a:buChar char="•"/>
+            </a:pPr>
+            <a:r>
+              <a:rPr lang="en-US" sz="3600" dirty="0" smtClean="0"/>
+              <a:t>order </a:t>
+            </a:r>
+            <a:r>
+              <a:rPr lang="en-US" sz="3600" dirty="0"/>
+              <a:t>results by </a:t>
+            </a:r>
+            <a:r>
+              <a:rPr lang="en-US" sz="3600" dirty="0" smtClean="0"/>
+              <a:t>relevance</a:t>
+            </a:r>
+          </a:p>
+          <a:p>
+            <a:pPr marL="1779783" lvl="1" indent="-571500">
+              <a:buFont typeface="Arial" panose="020B0604020202020204" pitchFamily="34" charset="0"/>
+              <a:buChar char="•"/>
+            </a:pPr>
+            <a:r>
+              <a:rPr lang="en-US" sz="3600" dirty="0" smtClean="0"/>
+              <a:t>find </a:t>
+            </a:r>
+            <a:r>
+              <a:rPr lang="en-US" sz="3600" dirty="0"/>
+              <a:t>by approximation (fuzzy search)</a:t>
+            </a:r>
+            <a:endParaRPr lang="en-US" sz="3600" dirty="0" smtClean="0"/>
+          </a:p>
+        </p:txBody>
+      </p:sp>
     </p:spTree>
     <p:extLst>
       <p:ext uri="{BB962C8B-B14F-4D97-AF65-F5344CB8AC3E}">
-        <p14:creationId xmlns:p14="http://schemas.microsoft.com/office/powerpoint/2010/main" val="2060909507"/>
+        <p14:creationId xmlns:p14="http://schemas.microsoft.com/office/powerpoint/2010/main" val="504991226"/>
       </p:ext>
     </p:extLst>
   </p:cSld>
@@ -17976,7 +17448,7 @@
                                           </p:stCondLst>
                                         </p:cTn>
                                         <p:tgtEl>
-                                          <p:spTgt spid="2"/>
+                                          <p:spTgt spid="33"/>
                                         </p:tgtEl>
                                         <p:attrNameLst>
                                           <p:attrName>style.visibility</p:attrName>
@@ -17990,7 +17462,7 @@
                                       <p:cBhvr additive="base">
                                         <p:cTn id="7" dur="1000" fill="hold"/>
                                         <p:tgtEl>
-                                          <p:spTgt spid="2"/>
+                                          <p:spTgt spid="33"/>
                                         </p:tgtEl>
                                         <p:attrNameLst>
                                           <p:attrName>ppt_x</p:attrName>
@@ -18013,7 +17485,7 @@
                                       <p:cBhvr additive="base">
                                         <p:cTn id="8" dur="1000" fill="hold"/>
                                         <p:tgtEl>
-                                          <p:spTgt spid="2"/>
+                                          <p:spTgt spid="33"/>
                                         </p:tgtEl>
                                         <p:attrNameLst>
                                           <p:attrName>ppt_y</p:attrName>
@@ -18058,7 +17530,7 @@
                                           </p:stCondLst>
                                         </p:cTn>
                                         <p:tgtEl>
-                                          <p:spTgt spid="4"/>
+                                          <p:spTgt spid="34"/>
                                         </p:tgtEl>
                                         <p:attrNameLst>
                                           <p:attrName>style.visibility</p:attrName>
@@ -18072,7 +17544,7 @@
                                       <p:cBhvr additive="base">
                                         <p:cTn id="12" dur="500" fill="hold"/>
                                         <p:tgtEl>
-                                          <p:spTgt spid="4"/>
+                                          <p:spTgt spid="34"/>
                                         </p:tgtEl>
                                         <p:attrNameLst>
                                           <p:attrName>ppt_x</p:attrName>
@@ -18095,7 +17567,7 @@
                                       <p:cBhvr additive="base">
                                         <p:cTn id="13" dur="500" fill="hold"/>
                                         <p:tgtEl>
-                                          <p:spTgt spid="4"/>
+                                          <p:spTgt spid="34"/>
                                         </p:tgtEl>
                                         <p:attrNameLst>
                                           <p:attrName>ppt_y</p:attrName>
@@ -18145,13 +17617,1436 @@
       </p:par>
     </p:tnLst>
     <p:bldLst>
-      <p:bldP spid="2" grpId="0"/>
+      <p:bldP spid="33" grpId="0"/>
     </p:bldLst>
   </p:timing>
 </p:sld>
 </file>
 
 <file path=ppt/slides/slide12.xml><?xml version="1.0" encoding="utf-8"?>
+<p:sld xmlns:a="http://schemas.openxmlformats.org/drawingml/2006/main" xmlns:r="http://schemas.openxmlformats.org/officeDocument/2006/relationships" xmlns:p="http://schemas.openxmlformats.org/presentationml/2006/main">
+  <p:cSld>
+    <p:spTree>
+      <p:nvGrpSpPr>
+        <p:cNvPr id="1" name=""/>
+        <p:cNvGrpSpPr/>
+        <p:nvPr/>
+      </p:nvGrpSpPr>
+      <p:grpSpPr>
+        <a:xfrm>
+          <a:off x="0" y="0"/>
+          <a:ext cx="0" cy="0"/>
+          <a:chOff x="0" y="0"/>
+          <a:chExt cx="0" cy="0"/>
+        </a:xfrm>
+      </p:grpSpPr>
+      <p:sp>
+        <p:nvSpPr>
+          <p:cNvPr id="33" name="Marcador de texto 4"/>
+          <p:cNvSpPr txBox="1">
+            <a:spLocks/>
+          </p:cNvSpPr>
+          <p:nvPr/>
+        </p:nvSpPr>
+        <p:spPr>
+          <a:xfrm>
+            <a:off x="2246688" y="1053149"/>
+            <a:ext cx="17101901" cy="1802637"/>
+          </a:xfrm>
+          <a:prstGeom prst="rect">
+            <a:avLst/>
+          </a:prstGeom>
+        </p:spPr>
+        <p:txBody>
+          <a:bodyPr/>
+          <a:lstStyle>
+            <a:lvl1pPr marL="0" indent="0" algn="l" defTabSz="1812040" rtl="0" eaLnBrk="1" latinLnBrk="0" hangingPunct="1">
+              <a:spcBef>
+                <a:spcPct val="20000"/>
+              </a:spcBef>
+              <a:spcAft>
+                <a:spcPts val="1199"/>
+              </a:spcAft>
+              <a:buFont typeface="Arial" pitchFamily="34" charset="0"/>
+              <a:buNone/>
+              <a:defRPr sz="4000" b="1" kern="1200">
+                <a:solidFill>
+                  <a:schemeClr val="tx1"/>
+                </a:solidFill>
+                <a:latin typeface="+mn-lt"/>
+                <a:ea typeface="+mn-ea"/>
+                <a:cs typeface="+mn-cs"/>
+              </a:defRPr>
+            </a:lvl1pPr>
+            <a:lvl2pPr marL="906009" indent="-362365" algn="l" defTabSz="1812040" rtl="0" eaLnBrk="1" latinLnBrk="0" hangingPunct="1">
+              <a:spcBef>
+                <a:spcPct val="20000"/>
+              </a:spcBef>
+              <a:buClr>
+                <a:schemeClr val="tx2"/>
+              </a:buClr>
+              <a:buFont typeface="Arial" pitchFamily="34" charset="0"/>
+              <a:buChar char="•"/>
+              <a:defRPr sz="4000" kern="1200">
+                <a:solidFill>
+                  <a:schemeClr val="tx1"/>
+                </a:solidFill>
+                <a:latin typeface="+mn-lt"/>
+                <a:ea typeface="+mn-ea"/>
+                <a:cs typeface="+mn-cs"/>
+              </a:defRPr>
+            </a:lvl2pPr>
+            <a:lvl3pPr marL="2265040" indent="-453004" algn="l" defTabSz="1812040" rtl="0" eaLnBrk="1" latinLnBrk="0" hangingPunct="1">
+              <a:spcBef>
+                <a:spcPct val="20000"/>
+              </a:spcBef>
+              <a:buClr>
+                <a:schemeClr val="tx2"/>
+              </a:buClr>
+              <a:buFont typeface="Arial" pitchFamily="34" charset="0"/>
+              <a:buChar char="•"/>
+              <a:defRPr sz="3702" kern="1200">
+                <a:solidFill>
+                  <a:schemeClr val="tx1"/>
+                </a:solidFill>
+                <a:latin typeface="+mn-lt"/>
+                <a:ea typeface="+mn-ea"/>
+                <a:cs typeface="+mn-cs"/>
+              </a:defRPr>
+            </a:lvl3pPr>
+            <a:lvl4pPr marL="3171046" indent="-453004" algn="l" defTabSz="1812040" rtl="0" eaLnBrk="1" latinLnBrk="0" hangingPunct="1">
+              <a:spcBef>
+                <a:spcPct val="20000"/>
+              </a:spcBef>
+              <a:buClr>
+                <a:schemeClr val="tx2"/>
+              </a:buClr>
+              <a:buFont typeface="Arial" pitchFamily="34" charset="0"/>
+              <a:buChar char="•"/>
+              <a:defRPr sz="3702" kern="1200">
+                <a:solidFill>
+                  <a:schemeClr val="tx1"/>
+                </a:solidFill>
+                <a:latin typeface="+mn-lt"/>
+                <a:ea typeface="+mn-ea"/>
+                <a:cs typeface="+mn-cs"/>
+              </a:defRPr>
+            </a:lvl4pPr>
+            <a:lvl5pPr marL="4077068" indent="-453004" algn="l" defTabSz="1812040" rtl="0" eaLnBrk="1" latinLnBrk="0" hangingPunct="1">
+              <a:spcBef>
+                <a:spcPct val="20000"/>
+              </a:spcBef>
+              <a:buClr>
+                <a:schemeClr val="tx2"/>
+              </a:buClr>
+              <a:buFont typeface="Arial" pitchFamily="34" charset="0"/>
+              <a:buChar char="•"/>
+              <a:defRPr sz="3702" kern="1200" baseline="0">
+                <a:solidFill>
+                  <a:schemeClr val="tx1"/>
+                </a:solidFill>
+                <a:latin typeface="+mn-lt"/>
+                <a:ea typeface="+mn-ea"/>
+                <a:cs typeface="+mn-cs"/>
+              </a:defRPr>
+            </a:lvl5pPr>
+            <a:lvl6pPr marL="4983081" indent="-453004" algn="l" defTabSz="1812040" rtl="0" eaLnBrk="1" latinLnBrk="0" hangingPunct="1">
+              <a:spcBef>
+                <a:spcPct val="20000"/>
+              </a:spcBef>
+              <a:buClr>
+                <a:schemeClr val="tx2"/>
+              </a:buClr>
+              <a:buFont typeface="Arial" pitchFamily="34" charset="0"/>
+              <a:buChar char="•"/>
+              <a:defRPr sz="3200" kern="1200">
+                <a:solidFill>
+                  <a:schemeClr val="tx1"/>
+                </a:solidFill>
+                <a:latin typeface="+mn-lt"/>
+                <a:ea typeface="+mn-ea"/>
+                <a:cs typeface="+mn-cs"/>
+              </a:defRPr>
+            </a:lvl6pPr>
+            <a:lvl7pPr marL="5889088" indent="-453004" algn="l" defTabSz="1812040" rtl="0" eaLnBrk="1" latinLnBrk="0" hangingPunct="1">
+              <a:spcBef>
+                <a:spcPct val="20000"/>
+              </a:spcBef>
+              <a:buClr>
+                <a:schemeClr val="tx2"/>
+              </a:buClr>
+              <a:buFont typeface="Arial" pitchFamily="34" charset="0"/>
+              <a:buChar char="•"/>
+              <a:defRPr sz="3200" kern="1200">
+                <a:solidFill>
+                  <a:schemeClr val="tx1"/>
+                </a:solidFill>
+                <a:latin typeface="+mn-lt"/>
+                <a:ea typeface="+mn-ea"/>
+                <a:cs typeface="+mn-cs"/>
+              </a:defRPr>
+            </a:lvl7pPr>
+            <a:lvl8pPr marL="6795112" indent="-453004" algn="l" defTabSz="1812040" rtl="0" eaLnBrk="1" latinLnBrk="0" hangingPunct="1">
+              <a:spcBef>
+                <a:spcPct val="20000"/>
+              </a:spcBef>
+              <a:buClr>
+                <a:schemeClr val="tx2"/>
+              </a:buClr>
+              <a:buFont typeface="Arial" pitchFamily="34" charset="0"/>
+              <a:buChar char="•"/>
+              <a:defRPr sz="3200" kern="1200">
+                <a:solidFill>
+                  <a:schemeClr val="tx1"/>
+                </a:solidFill>
+                <a:latin typeface="+mn-lt"/>
+                <a:ea typeface="+mn-ea"/>
+                <a:cs typeface="+mn-cs"/>
+              </a:defRPr>
+            </a:lvl8pPr>
+            <a:lvl9pPr marL="7701118" indent="-453004" algn="l" defTabSz="1812040" rtl="0" eaLnBrk="1" latinLnBrk="0" hangingPunct="1">
+              <a:spcBef>
+                <a:spcPct val="20000"/>
+              </a:spcBef>
+              <a:buClr>
+                <a:schemeClr val="tx2"/>
+              </a:buClr>
+              <a:buFont typeface="Arial" pitchFamily="34" charset="0"/>
+              <a:buChar char="•"/>
+              <a:defRPr sz="3200" kern="1200">
+                <a:solidFill>
+                  <a:schemeClr val="tx1"/>
+                </a:solidFill>
+                <a:latin typeface="+mn-lt"/>
+                <a:ea typeface="+mn-ea"/>
+                <a:cs typeface="+mn-cs"/>
+              </a:defRPr>
+            </a:lvl9pPr>
+          </a:lstStyle>
+          <a:p>
+            <a:r>
+              <a:rPr lang="en-US" sz="4400" dirty="0" smtClean="0">
+                <a:solidFill>
+                  <a:schemeClr val="accent3">
+                    <a:lumMod val="75000"/>
+                  </a:schemeClr>
+                </a:solidFill>
+                <a:ea typeface="Open Sans Semibold" panose="020B0706030804020204" pitchFamily="34" charset="0"/>
+                <a:cs typeface="Open Sans Semibold" panose="020B0706030804020204" pitchFamily="34" charset="0"/>
+              </a:rPr>
+              <a:t>Hibernate: Search System Architectures</a:t>
+            </a:r>
+            <a:endParaRPr lang="en-US" sz="4400" dirty="0">
+              <a:solidFill>
+                <a:schemeClr val="accent3">
+                  <a:lumMod val="75000"/>
+                </a:schemeClr>
+              </a:solidFill>
+              <a:ea typeface="Open Sans Semibold" panose="020B0706030804020204" pitchFamily="34" charset="0"/>
+              <a:cs typeface="Open Sans Semibold" panose="020B0706030804020204" pitchFamily="34" charset="0"/>
+            </a:endParaRPr>
+          </a:p>
+        </p:txBody>
+      </p:sp>
+      <p:cxnSp>
+        <p:nvCxnSpPr>
+          <p:cNvPr id="34" name="10 Conector recto"/>
+          <p:cNvCxnSpPr/>
+          <p:nvPr/>
+        </p:nvCxnSpPr>
+        <p:spPr>
+          <a:xfrm>
+            <a:off x="2246688" y="1955687"/>
+            <a:ext cx="9406046" cy="0"/>
+          </a:xfrm>
+          <a:prstGeom prst="line">
+            <a:avLst/>
+          </a:prstGeom>
+          <a:ln w="57150">
+            <a:solidFill>
+              <a:srgbClr val="C00000"/>
+            </a:solidFill>
+          </a:ln>
+        </p:spPr>
+        <p:style>
+          <a:lnRef idx="1">
+            <a:schemeClr val="accent1"/>
+          </a:lnRef>
+          <a:fillRef idx="0">
+            <a:schemeClr val="accent1"/>
+          </a:fillRef>
+          <a:effectRef idx="0">
+            <a:schemeClr val="accent1"/>
+          </a:effectRef>
+          <a:fontRef idx="minor">
+            <a:schemeClr val="tx1"/>
+          </a:fontRef>
+        </p:style>
+      </p:cxnSp>
+      <p:pic>
+        <p:nvPicPr>
+          <p:cNvPr id="3" name="Picture 2"/>
+          <p:cNvPicPr>
+            <a:picLocks noChangeAspect="1"/>
+          </p:cNvPicPr>
+          <p:nvPr/>
+        </p:nvPicPr>
+        <p:blipFill>
+          <a:blip r:embed="rId2"/>
+          <a:stretch>
+            <a:fillRect/>
+          </a:stretch>
+        </p:blipFill>
+        <p:spPr>
+          <a:xfrm>
+            <a:off x="1976659" y="2448304"/>
+            <a:ext cx="11120065" cy="6433278"/>
+          </a:xfrm>
+          <a:prstGeom prst="rect">
+            <a:avLst/>
+          </a:prstGeom>
+        </p:spPr>
+      </p:pic>
+      <p:pic>
+        <p:nvPicPr>
+          <p:cNvPr id="5" name="Picture 4"/>
+          <p:cNvPicPr>
+            <a:picLocks noChangeAspect="1"/>
+          </p:cNvPicPr>
+          <p:nvPr/>
+        </p:nvPicPr>
+        <p:blipFill>
+          <a:blip r:embed="rId3"/>
+          <a:stretch>
+            <a:fillRect/>
+          </a:stretch>
+        </p:blipFill>
+        <p:spPr>
+          <a:xfrm>
+            <a:off x="13366753" y="2448304"/>
+            <a:ext cx="10570774" cy="10441160"/>
+          </a:xfrm>
+          <a:prstGeom prst="rect">
+            <a:avLst/>
+          </a:prstGeom>
+        </p:spPr>
+      </p:pic>
+      <p:cxnSp>
+        <p:nvCxnSpPr>
+          <p:cNvPr id="9" name="10 Conector recto"/>
+          <p:cNvCxnSpPr/>
+          <p:nvPr/>
+        </p:nvCxnSpPr>
+        <p:spPr>
+          <a:xfrm>
+            <a:off x="13096724" y="2448304"/>
+            <a:ext cx="0" cy="10216135"/>
+          </a:xfrm>
+          <a:prstGeom prst="line">
+            <a:avLst/>
+          </a:prstGeom>
+          <a:ln w="57150">
+            <a:solidFill>
+              <a:srgbClr val="C00000"/>
+            </a:solidFill>
+          </a:ln>
+        </p:spPr>
+        <p:style>
+          <a:lnRef idx="1">
+            <a:schemeClr val="accent1"/>
+          </a:lnRef>
+          <a:fillRef idx="0">
+            <a:schemeClr val="accent1"/>
+          </a:fillRef>
+          <a:effectRef idx="0">
+            <a:schemeClr val="accent1"/>
+          </a:effectRef>
+          <a:fontRef idx="minor">
+            <a:schemeClr val="tx1"/>
+          </a:fontRef>
+        </p:style>
+      </p:cxnSp>
+    </p:spTree>
+    <p:extLst>
+      <p:ext uri="{BB962C8B-B14F-4D97-AF65-F5344CB8AC3E}">
+        <p14:creationId xmlns:p14="http://schemas.microsoft.com/office/powerpoint/2010/main" val="1407375988"/>
+      </p:ext>
+    </p:extLst>
+  </p:cSld>
+  <p:clrMapOvr>
+    <a:masterClrMapping/>
+  </p:clrMapOvr>
+  <p:timing>
+    <p:tnLst>
+      <p:par>
+        <p:cTn id="1" dur="indefinite" restart="never" nodeType="tmRoot">
+          <p:childTnLst>
+            <p:seq concurrent="1" nextAc="seek">
+              <p:cTn id="2" dur="indefinite" nodeType="mainSeq">
+                <p:childTnLst>
+                  <p:par>
+                    <p:cTn id="3" fill="hold">
+                      <p:stCondLst>
+                        <p:cond delay="indefinite"/>
+                        <p:cond evt="onBegin" delay="0">
+                          <p:tn val="2"/>
+                        </p:cond>
+                      </p:stCondLst>
+                      <p:childTnLst>
+                        <p:par>
+                          <p:cTn id="4" fill="hold">
+                            <p:stCondLst>
+                              <p:cond delay="0"/>
+                            </p:stCondLst>
+                            <p:childTnLst>
+                              <p:par>
+                                <p:cTn id="5" presetID="2" presetClass="entr" presetSubtype="8" decel="100000" fill="hold" grpId="0" nodeType="withEffect">
+                                  <p:stCondLst>
+                                    <p:cond delay="0"/>
+                                  </p:stCondLst>
+                                  <p:childTnLst>
+                                    <p:set>
+                                      <p:cBhvr>
+                                        <p:cTn id="6" dur="1" fill="hold">
+                                          <p:stCondLst>
+                                            <p:cond delay="0"/>
+                                          </p:stCondLst>
+                                        </p:cTn>
+                                        <p:tgtEl>
+                                          <p:spTgt spid="33"/>
+                                        </p:tgtEl>
+                                        <p:attrNameLst>
+                                          <p:attrName>style.visibility</p:attrName>
+                                        </p:attrNameLst>
+                                      </p:cBhvr>
+                                      <p:to>
+                                        <p:strVal val="visible"/>
+                                      </p:to>
+                                    </p:set>
+                                    <p:anim calcmode="lin" valueType="num">
+                                      <p:cBhvr additive="base">
+                                        <p:cTn id="7" dur="1000" fill="hold"/>
+                                        <p:tgtEl>
+                                          <p:spTgt spid="33"/>
+                                        </p:tgtEl>
+                                        <p:attrNameLst>
+                                          <p:attrName>ppt_x</p:attrName>
+                                        </p:attrNameLst>
+                                      </p:cBhvr>
+                                      <p:tavLst>
+                                        <p:tav tm="0">
+                                          <p:val>
+                                            <p:strVal val="0-#ppt_w/2"/>
+                                          </p:val>
+                                        </p:tav>
+                                        <p:tav tm="100000">
+                                          <p:val>
+                                            <p:strVal val="#ppt_x"/>
+                                          </p:val>
+                                        </p:tav>
+                                      </p:tavLst>
+                                    </p:anim>
+                                    <p:anim calcmode="lin" valueType="num">
+                                      <p:cBhvr additive="base">
+                                        <p:cTn id="8" dur="1000" fill="hold"/>
+                                        <p:tgtEl>
+                                          <p:spTgt spid="33"/>
+                                        </p:tgtEl>
+                                        <p:attrNameLst>
+                                          <p:attrName>ppt_y</p:attrName>
+                                        </p:attrNameLst>
+                                      </p:cBhvr>
+                                      <p:tavLst>
+                                        <p:tav tm="0">
+                                          <p:val>
+                                            <p:strVal val="#ppt_y"/>
+                                          </p:val>
+                                        </p:tav>
+                                        <p:tav tm="100000">
+                                          <p:val>
+                                            <p:strVal val="#ppt_y"/>
+                                          </p:val>
+                                        </p:tav>
+                                      </p:tavLst>
+                                    </p:anim>
+                                  </p:childTnLst>
+                                </p:cTn>
+                              </p:par>
+                            </p:childTnLst>
+                          </p:cTn>
+                        </p:par>
+                        <p:par>
+                          <p:cTn id="9" fill="hold">
+                            <p:stCondLst>
+                              <p:cond delay="1000"/>
+                            </p:stCondLst>
+                            <p:childTnLst>
+                              <p:par>
+                                <p:cTn id="10" presetID="2" presetClass="entr" presetSubtype="4" fill="hold" nodeType="afterEffect">
+                                  <p:stCondLst>
+                                    <p:cond delay="0"/>
+                                  </p:stCondLst>
+                                  <p:childTnLst>
+                                    <p:set>
+                                      <p:cBhvr>
+                                        <p:cTn id="11" dur="1" fill="hold">
+                                          <p:stCondLst>
+                                            <p:cond delay="0"/>
+                                          </p:stCondLst>
+                                        </p:cTn>
+                                        <p:tgtEl>
+                                          <p:spTgt spid="34"/>
+                                        </p:tgtEl>
+                                        <p:attrNameLst>
+                                          <p:attrName>style.visibility</p:attrName>
+                                        </p:attrNameLst>
+                                      </p:cBhvr>
+                                      <p:to>
+                                        <p:strVal val="visible"/>
+                                      </p:to>
+                                    </p:set>
+                                    <p:anim calcmode="lin" valueType="num">
+                                      <p:cBhvr additive="base">
+                                        <p:cTn id="12" dur="500" fill="hold"/>
+                                        <p:tgtEl>
+                                          <p:spTgt spid="34"/>
+                                        </p:tgtEl>
+                                        <p:attrNameLst>
+                                          <p:attrName>ppt_x</p:attrName>
+                                        </p:attrNameLst>
+                                      </p:cBhvr>
+                                      <p:tavLst>
+                                        <p:tav tm="0">
+                                          <p:val>
+                                            <p:strVal val="#ppt_x"/>
+                                          </p:val>
+                                        </p:tav>
+                                        <p:tav tm="100000">
+                                          <p:val>
+                                            <p:strVal val="#ppt_x"/>
+                                          </p:val>
+                                        </p:tav>
+                                      </p:tavLst>
+                                    </p:anim>
+                                    <p:anim calcmode="lin" valueType="num">
+                                      <p:cBhvr additive="base">
+                                        <p:cTn id="13" dur="500" fill="hold"/>
+                                        <p:tgtEl>
+                                          <p:spTgt spid="34"/>
+                                        </p:tgtEl>
+                                        <p:attrNameLst>
+                                          <p:attrName>ppt_y</p:attrName>
+                                        </p:attrNameLst>
+                                      </p:cBhvr>
+                                      <p:tavLst>
+                                        <p:tav tm="0">
+                                          <p:val>
+                                            <p:strVal val="1+#ppt_h/2"/>
+                                          </p:val>
+                                        </p:tav>
+                                        <p:tav tm="100000">
+                                          <p:val>
+                                            <p:strVal val="#ppt_y"/>
+                                          </p:val>
+                                        </p:tav>
+                                      </p:tavLst>
+                                    </p:anim>
+                                  </p:childTnLst>
+                                </p:cTn>
+                              </p:par>
+                            </p:childTnLst>
+                          </p:cTn>
+                        </p:par>
+                        <p:par>
+                          <p:cTn id="14" fill="hold">
+                            <p:stCondLst>
+                              <p:cond delay="1500"/>
+                            </p:stCondLst>
+                            <p:childTnLst>
+                              <p:par>
+                                <p:cTn id="15" presetID="2" presetClass="entr" presetSubtype="4" fill="hold" nodeType="afterEffect">
+                                  <p:stCondLst>
+                                    <p:cond delay="0"/>
+                                  </p:stCondLst>
+                                  <p:childTnLst>
+                                    <p:set>
+                                      <p:cBhvr>
+                                        <p:cTn id="16" dur="1" fill="hold">
+                                          <p:stCondLst>
+                                            <p:cond delay="0"/>
+                                          </p:stCondLst>
+                                        </p:cTn>
+                                        <p:tgtEl>
+                                          <p:spTgt spid="9"/>
+                                        </p:tgtEl>
+                                        <p:attrNameLst>
+                                          <p:attrName>style.visibility</p:attrName>
+                                        </p:attrNameLst>
+                                      </p:cBhvr>
+                                      <p:to>
+                                        <p:strVal val="visible"/>
+                                      </p:to>
+                                    </p:set>
+                                    <p:anim calcmode="lin" valueType="num">
+                                      <p:cBhvr additive="base">
+                                        <p:cTn id="17" dur="500" fill="hold"/>
+                                        <p:tgtEl>
+                                          <p:spTgt spid="9"/>
+                                        </p:tgtEl>
+                                        <p:attrNameLst>
+                                          <p:attrName>ppt_x</p:attrName>
+                                        </p:attrNameLst>
+                                      </p:cBhvr>
+                                      <p:tavLst>
+                                        <p:tav tm="0">
+                                          <p:val>
+                                            <p:strVal val="#ppt_x"/>
+                                          </p:val>
+                                        </p:tav>
+                                        <p:tav tm="100000">
+                                          <p:val>
+                                            <p:strVal val="#ppt_x"/>
+                                          </p:val>
+                                        </p:tav>
+                                      </p:tavLst>
+                                    </p:anim>
+                                    <p:anim calcmode="lin" valueType="num">
+                                      <p:cBhvr additive="base">
+                                        <p:cTn id="18" dur="500" fill="hold"/>
+                                        <p:tgtEl>
+                                          <p:spTgt spid="9"/>
+                                        </p:tgtEl>
+                                        <p:attrNameLst>
+                                          <p:attrName>ppt_y</p:attrName>
+                                        </p:attrNameLst>
+                                      </p:cBhvr>
+                                      <p:tavLst>
+                                        <p:tav tm="0">
+                                          <p:val>
+                                            <p:strVal val="1+#ppt_h/2"/>
+                                          </p:val>
+                                        </p:tav>
+                                        <p:tav tm="100000">
+                                          <p:val>
+                                            <p:strVal val="#ppt_y"/>
+                                          </p:val>
+                                        </p:tav>
+                                      </p:tavLst>
+                                    </p:anim>
+                                  </p:childTnLst>
+                                </p:cTn>
+                              </p:par>
+                            </p:childTnLst>
+                          </p:cTn>
+                        </p:par>
+                      </p:childTnLst>
+                    </p:cTn>
+                  </p:par>
+                </p:childTnLst>
+              </p:cTn>
+              <p:prevCondLst>
+                <p:cond evt="onPrev" delay="0">
+                  <p:tgtEl>
+                    <p:sldTgt/>
+                  </p:tgtEl>
+                </p:cond>
+              </p:prevCondLst>
+              <p:nextCondLst>
+                <p:cond evt="onNext" delay="0">
+                  <p:tgtEl>
+                    <p:sldTgt/>
+                  </p:tgtEl>
+                </p:cond>
+              </p:nextCondLst>
+            </p:seq>
+          </p:childTnLst>
+        </p:cTn>
+      </p:par>
+    </p:tnLst>
+    <p:bldLst>
+      <p:bldP spid="33" grpId="0"/>
+    </p:bldLst>
+  </p:timing>
+</p:sld>
+</file>
+
+<file path=ppt/slides/slide13.xml><?xml version="1.0" encoding="utf-8"?>
+<p:sld xmlns:a="http://schemas.openxmlformats.org/drawingml/2006/main" xmlns:r="http://schemas.openxmlformats.org/officeDocument/2006/relationships" xmlns:p="http://schemas.openxmlformats.org/presentationml/2006/main">
+  <p:cSld>
+    <p:spTree>
+      <p:nvGrpSpPr>
+        <p:cNvPr id="1" name=""/>
+        <p:cNvGrpSpPr/>
+        <p:nvPr/>
+      </p:nvGrpSpPr>
+      <p:grpSpPr>
+        <a:xfrm>
+          <a:off x="0" y="0"/>
+          <a:ext cx="0" cy="0"/>
+          <a:chOff x="0" y="0"/>
+          <a:chExt cx="0" cy="0"/>
+        </a:xfrm>
+      </p:grpSpPr>
+      <p:sp>
+        <p:nvSpPr>
+          <p:cNvPr id="33" name="Marcador de texto 4"/>
+          <p:cNvSpPr txBox="1">
+            <a:spLocks/>
+          </p:cNvSpPr>
+          <p:nvPr/>
+        </p:nvSpPr>
+        <p:spPr>
+          <a:xfrm>
+            <a:off x="2246688" y="1053149"/>
+            <a:ext cx="17101901" cy="1802637"/>
+          </a:xfrm>
+          <a:prstGeom prst="rect">
+            <a:avLst/>
+          </a:prstGeom>
+        </p:spPr>
+        <p:txBody>
+          <a:bodyPr/>
+          <a:lstStyle>
+            <a:lvl1pPr marL="0" indent="0" algn="l" defTabSz="1812040" rtl="0" eaLnBrk="1" latinLnBrk="0" hangingPunct="1">
+              <a:spcBef>
+                <a:spcPct val="20000"/>
+              </a:spcBef>
+              <a:spcAft>
+                <a:spcPts val="1199"/>
+              </a:spcAft>
+              <a:buFont typeface="Arial" pitchFamily="34" charset="0"/>
+              <a:buNone/>
+              <a:defRPr sz="4000" b="1" kern="1200">
+                <a:solidFill>
+                  <a:schemeClr val="tx1"/>
+                </a:solidFill>
+                <a:latin typeface="+mn-lt"/>
+                <a:ea typeface="+mn-ea"/>
+                <a:cs typeface="+mn-cs"/>
+              </a:defRPr>
+            </a:lvl1pPr>
+            <a:lvl2pPr marL="906009" indent="-362365" algn="l" defTabSz="1812040" rtl="0" eaLnBrk="1" latinLnBrk="0" hangingPunct="1">
+              <a:spcBef>
+                <a:spcPct val="20000"/>
+              </a:spcBef>
+              <a:buClr>
+                <a:schemeClr val="tx2"/>
+              </a:buClr>
+              <a:buFont typeface="Arial" pitchFamily="34" charset="0"/>
+              <a:buChar char="•"/>
+              <a:defRPr sz="4000" kern="1200">
+                <a:solidFill>
+                  <a:schemeClr val="tx1"/>
+                </a:solidFill>
+                <a:latin typeface="+mn-lt"/>
+                <a:ea typeface="+mn-ea"/>
+                <a:cs typeface="+mn-cs"/>
+              </a:defRPr>
+            </a:lvl2pPr>
+            <a:lvl3pPr marL="2265040" indent="-453004" algn="l" defTabSz="1812040" rtl="0" eaLnBrk="1" latinLnBrk="0" hangingPunct="1">
+              <a:spcBef>
+                <a:spcPct val="20000"/>
+              </a:spcBef>
+              <a:buClr>
+                <a:schemeClr val="tx2"/>
+              </a:buClr>
+              <a:buFont typeface="Arial" pitchFamily="34" charset="0"/>
+              <a:buChar char="•"/>
+              <a:defRPr sz="3702" kern="1200">
+                <a:solidFill>
+                  <a:schemeClr val="tx1"/>
+                </a:solidFill>
+                <a:latin typeface="+mn-lt"/>
+                <a:ea typeface="+mn-ea"/>
+                <a:cs typeface="+mn-cs"/>
+              </a:defRPr>
+            </a:lvl3pPr>
+            <a:lvl4pPr marL="3171046" indent="-453004" algn="l" defTabSz="1812040" rtl="0" eaLnBrk="1" latinLnBrk="0" hangingPunct="1">
+              <a:spcBef>
+                <a:spcPct val="20000"/>
+              </a:spcBef>
+              <a:buClr>
+                <a:schemeClr val="tx2"/>
+              </a:buClr>
+              <a:buFont typeface="Arial" pitchFamily="34" charset="0"/>
+              <a:buChar char="•"/>
+              <a:defRPr sz="3702" kern="1200">
+                <a:solidFill>
+                  <a:schemeClr val="tx1"/>
+                </a:solidFill>
+                <a:latin typeface="+mn-lt"/>
+                <a:ea typeface="+mn-ea"/>
+                <a:cs typeface="+mn-cs"/>
+              </a:defRPr>
+            </a:lvl4pPr>
+            <a:lvl5pPr marL="4077068" indent="-453004" algn="l" defTabSz="1812040" rtl="0" eaLnBrk="1" latinLnBrk="0" hangingPunct="1">
+              <a:spcBef>
+                <a:spcPct val="20000"/>
+              </a:spcBef>
+              <a:buClr>
+                <a:schemeClr val="tx2"/>
+              </a:buClr>
+              <a:buFont typeface="Arial" pitchFamily="34" charset="0"/>
+              <a:buChar char="•"/>
+              <a:defRPr sz="3702" kern="1200" baseline="0">
+                <a:solidFill>
+                  <a:schemeClr val="tx1"/>
+                </a:solidFill>
+                <a:latin typeface="+mn-lt"/>
+                <a:ea typeface="+mn-ea"/>
+                <a:cs typeface="+mn-cs"/>
+              </a:defRPr>
+            </a:lvl5pPr>
+            <a:lvl6pPr marL="4983081" indent="-453004" algn="l" defTabSz="1812040" rtl="0" eaLnBrk="1" latinLnBrk="0" hangingPunct="1">
+              <a:spcBef>
+                <a:spcPct val="20000"/>
+              </a:spcBef>
+              <a:buClr>
+                <a:schemeClr val="tx2"/>
+              </a:buClr>
+              <a:buFont typeface="Arial" pitchFamily="34" charset="0"/>
+              <a:buChar char="•"/>
+              <a:defRPr sz="3200" kern="1200">
+                <a:solidFill>
+                  <a:schemeClr val="tx1"/>
+                </a:solidFill>
+                <a:latin typeface="+mn-lt"/>
+                <a:ea typeface="+mn-ea"/>
+                <a:cs typeface="+mn-cs"/>
+              </a:defRPr>
+            </a:lvl6pPr>
+            <a:lvl7pPr marL="5889088" indent="-453004" algn="l" defTabSz="1812040" rtl="0" eaLnBrk="1" latinLnBrk="0" hangingPunct="1">
+              <a:spcBef>
+                <a:spcPct val="20000"/>
+              </a:spcBef>
+              <a:buClr>
+                <a:schemeClr val="tx2"/>
+              </a:buClr>
+              <a:buFont typeface="Arial" pitchFamily="34" charset="0"/>
+              <a:buChar char="•"/>
+              <a:defRPr sz="3200" kern="1200">
+                <a:solidFill>
+                  <a:schemeClr val="tx1"/>
+                </a:solidFill>
+                <a:latin typeface="+mn-lt"/>
+                <a:ea typeface="+mn-ea"/>
+                <a:cs typeface="+mn-cs"/>
+              </a:defRPr>
+            </a:lvl7pPr>
+            <a:lvl8pPr marL="6795112" indent="-453004" algn="l" defTabSz="1812040" rtl="0" eaLnBrk="1" latinLnBrk="0" hangingPunct="1">
+              <a:spcBef>
+                <a:spcPct val="20000"/>
+              </a:spcBef>
+              <a:buClr>
+                <a:schemeClr val="tx2"/>
+              </a:buClr>
+              <a:buFont typeface="Arial" pitchFamily="34" charset="0"/>
+              <a:buChar char="•"/>
+              <a:defRPr sz="3200" kern="1200">
+                <a:solidFill>
+                  <a:schemeClr val="tx1"/>
+                </a:solidFill>
+                <a:latin typeface="+mn-lt"/>
+                <a:ea typeface="+mn-ea"/>
+                <a:cs typeface="+mn-cs"/>
+              </a:defRPr>
+            </a:lvl8pPr>
+            <a:lvl9pPr marL="7701118" indent="-453004" algn="l" defTabSz="1812040" rtl="0" eaLnBrk="1" latinLnBrk="0" hangingPunct="1">
+              <a:spcBef>
+                <a:spcPct val="20000"/>
+              </a:spcBef>
+              <a:buClr>
+                <a:schemeClr val="tx2"/>
+              </a:buClr>
+              <a:buFont typeface="Arial" pitchFamily="34" charset="0"/>
+              <a:buChar char="•"/>
+              <a:defRPr sz="3200" kern="1200">
+                <a:solidFill>
+                  <a:schemeClr val="tx1"/>
+                </a:solidFill>
+                <a:latin typeface="+mn-lt"/>
+                <a:ea typeface="+mn-ea"/>
+                <a:cs typeface="+mn-cs"/>
+              </a:defRPr>
+            </a:lvl9pPr>
+          </a:lstStyle>
+          <a:p>
+            <a:r>
+              <a:rPr lang="en-US" sz="4400" dirty="0" smtClean="0">
+                <a:solidFill>
+                  <a:schemeClr val="accent3">
+                    <a:lumMod val="75000"/>
+                  </a:schemeClr>
+                </a:solidFill>
+                <a:ea typeface="Open Sans Semibold" panose="020B0706030804020204" pitchFamily="34" charset="0"/>
+                <a:cs typeface="Open Sans Semibold" panose="020B0706030804020204" pitchFamily="34" charset="0"/>
+              </a:rPr>
+              <a:t>Hibernate: Search</a:t>
+            </a:r>
+            <a:endParaRPr lang="en-US" sz="4400" dirty="0">
+              <a:solidFill>
+                <a:schemeClr val="accent3">
+                  <a:lumMod val="75000"/>
+                </a:schemeClr>
+              </a:solidFill>
+              <a:ea typeface="Open Sans Semibold" panose="020B0706030804020204" pitchFamily="34" charset="0"/>
+              <a:cs typeface="Open Sans Semibold" panose="020B0706030804020204" pitchFamily="34" charset="0"/>
+            </a:endParaRPr>
+          </a:p>
+        </p:txBody>
+      </p:sp>
+      <p:cxnSp>
+        <p:nvCxnSpPr>
+          <p:cNvPr id="34" name="10 Conector recto"/>
+          <p:cNvCxnSpPr/>
+          <p:nvPr/>
+        </p:nvCxnSpPr>
+        <p:spPr>
+          <a:xfrm>
+            <a:off x="2246688" y="1955687"/>
+            <a:ext cx="4365486" cy="0"/>
+          </a:xfrm>
+          <a:prstGeom prst="line">
+            <a:avLst/>
+          </a:prstGeom>
+          <a:ln w="57150">
+            <a:solidFill>
+              <a:srgbClr val="C00000"/>
+            </a:solidFill>
+          </a:ln>
+        </p:spPr>
+        <p:style>
+          <a:lnRef idx="1">
+            <a:schemeClr val="accent1"/>
+          </a:lnRef>
+          <a:fillRef idx="0">
+            <a:schemeClr val="accent1"/>
+          </a:fillRef>
+          <a:effectRef idx="0">
+            <a:schemeClr val="accent1"/>
+          </a:effectRef>
+          <a:fontRef idx="minor">
+            <a:schemeClr val="tx1"/>
+          </a:fontRef>
+        </p:style>
+      </p:cxnSp>
+      <p:sp>
+        <p:nvSpPr>
+          <p:cNvPr id="35" name="TextBox 34"/>
+          <p:cNvSpPr txBox="1"/>
+          <p:nvPr/>
+        </p:nvSpPr>
+        <p:spPr>
+          <a:xfrm>
+            <a:off x="2246688" y="2855786"/>
+            <a:ext cx="19982220" cy="10064294"/>
+          </a:xfrm>
+          <a:prstGeom prst="rect">
+            <a:avLst/>
+          </a:prstGeom>
+          <a:noFill/>
+        </p:spPr>
+        <p:txBody>
+          <a:bodyPr wrap="square" rtlCol="0">
+            <a:spAutoFit/>
+          </a:bodyPr>
+          <a:lstStyle/>
+          <a:p>
+            <a:pPr marL="571500" indent="-571500">
+              <a:buFont typeface="Arial" panose="020B0604020202020204" pitchFamily="34" charset="0"/>
+              <a:buChar char="•"/>
+            </a:pPr>
+            <a:r>
+              <a:rPr lang="en-US" sz="3600" dirty="0" smtClean="0"/>
+              <a:t>Features:</a:t>
+            </a:r>
+          </a:p>
+          <a:p>
+            <a:pPr marL="1779783" lvl="1" indent="-571500">
+              <a:buFont typeface="Arial" panose="020B0604020202020204" pitchFamily="34" charset="0"/>
+              <a:buChar char="•"/>
+            </a:pPr>
+            <a:r>
+              <a:rPr lang="en-US" sz="3600" dirty="0"/>
+              <a:t>Full </a:t>
+            </a:r>
+            <a:r>
+              <a:rPr lang="en-US" sz="3600" dirty="0" smtClean="0"/>
+              <a:t>control:</a:t>
+            </a:r>
+          </a:p>
+          <a:p>
+            <a:pPr marL="2988081" lvl="2" indent="-571500">
+              <a:buFont typeface="Arial" panose="020B0604020202020204" pitchFamily="34" charset="0"/>
+              <a:buChar char="•"/>
+            </a:pPr>
+            <a:r>
+              <a:rPr lang="en-US" sz="3600" dirty="0"/>
+              <a:t>tune text processing for specific </a:t>
+            </a:r>
+            <a:r>
+              <a:rPr lang="en-US" sz="3600" dirty="0" err="1"/>
+              <a:t>languagesfor</a:t>
+            </a:r>
+            <a:r>
+              <a:rPr lang="en-US" sz="3600" dirty="0"/>
+              <a:t> domain specific terminology (e.g. medical terms, custom acronyms expansion</a:t>
+            </a:r>
+            <a:r>
+              <a:rPr lang="en-US" sz="3600" dirty="0" smtClean="0"/>
+              <a:t>,..)</a:t>
+            </a:r>
+          </a:p>
+          <a:p>
+            <a:pPr marL="2988081" lvl="2" indent="-571500">
+              <a:buFont typeface="Arial" panose="020B0604020202020204" pitchFamily="34" charset="0"/>
+              <a:buChar char="•"/>
+            </a:pPr>
+            <a:r>
+              <a:rPr lang="en-US" sz="3600" dirty="0" smtClean="0"/>
+              <a:t>control </a:t>
+            </a:r>
+            <a:r>
+              <a:rPr lang="en-US" sz="3600" dirty="0"/>
+              <a:t>the ranking process: which results are more </a:t>
+            </a:r>
+            <a:r>
+              <a:rPr lang="en-US" sz="3600" dirty="0" smtClean="0"/>
+              <a:t>important</a:t>
+            </a:r>
+          </a:p>
+          <a:p>
+            <a:pPr marL="2988081" lvl="2" indent="-571500">
+              <a:buFont typeface="Arial" panose="020B0604020202020204" pitchFamily="34" charset="0"/>
+              <a:buChar char="•"/>
+            </a:pPr>
+            <a:r>
+              <a:rPr lang="en-US" sz="3600" dirty="0" smtClean="0"/>
+              <a:t>advanced </a:t>
+            </a:r>
+            <a:r>
+              <a:rPr lang="en-US" sz="3600" dirty="0"/>
+              <a:t>index encoding for analytics and </a:t>
+            </a:r>
+            <a:r>
+              <a:rPr lang="en-US" sz="3600" dirty="0" smtClean="0"/>
+              <a:t>signals</a:t>
+            </a:r>
+          </a:p>
+          <a:p>
+            <a:pPr marL="1779783" lvl="1" indent="-571500">
+              <a:buFont typeface="Arial" panose="020B0604020202020204" pitchFamily="34" charset="0"/>
+              <a:buChar char="•"/>
+            </a:pPr>
+            <a:r>
+              <a:rPr lang="en-US" sz="3600" dirty="0"/>
+              <a:t>Scalable, Fault Tolerant, Cloud </a:t>
+            </a:r>
+            <a:r>
+              <a:rPr lang="en-US" sz="3600" dirty="0" smtClean="0"/>
+              <a:t>Native:</a:t>
+            </a:r>
+          </a:p>
+          <a:p>
+            <a:pPr marL="2988081" lvl="2" indent="-571500">
+              <a:buFont typeface="Arial" panose="020B0604020202020204" pitchFamily="34" charset="0"/>
+              <a:buChar char="•"/>
+            </a:pPr>
+            <a:r>
+              <a:rPr lang="en-US" sz="3600" dirty="0"/>
+              <a:t>I</a:t>
+            </a:r>
+            <a:r>
+              <a:rPr lang="en-US" sz="3600" dirty="0" smtClean="0"/>
+              <a:t>ntegration </a:t>
+            </a:r>
+            <a:r>
+              <a:rPr lang="en-US" sz="3600" dirty="0"/>
+              <a:t>with </a:t>
+            </a:r>
+            <a:r>
+              <a:rPr lang="en-US" sz="3600" dirty="0" err="1"/>
+              <a:t>ElasticsearchStore</a:t>
+            </a:r>
+            <a:r>
+              <a:rPr lang="en-US" sz="3600" dirty="0"/>
+              <a:t> the Apache Lucene index in an </a:t>
+            </a:r>
+            <a:r>
+              <a:rPr lang="en-US" sz="3600" dirty="0" err="1"/>
+              <a:t>Infinispan</a:t>
+            </a:r>
+            <a:r>
+              <a:rPr lang="en-US" sz="3600" dirty="0"/>
+              <a:t> distributed data </a:t>
+            </a:r>
+            <a:r>
+              <a:rPr lang="en-US" sz="3600" dirty="0" smtClean="0"/>
+              <a:t>grid</a:t>
+            </a:r>
+          </a:p>
+          <a:p>
+            <a:pPr marL="2988081" lvl="2" indent="-571500">
+              <a:buFont typeface="Arial" panose="020B0604020202020204" pitchFamily="34" charset="0"/>
+              <a:buChar char="•"/>
+            </a:pPr>
+            <a:r>
+              <a:rPr lang="en-US" sz="3600" dirty="0" smtClean="0"/>
+              <a:t>Simple </a:t>
+            </a:r>
+            <a:r>
+              <a:rPr lang="en-US" sz="3600" dirty="0"/>
+              <a:t>filesystem based </a:t>
+            </a:r>
+            <a:r>
+              <a:rPr lang="en-US" sz="3600" dirty="0" smtClean="0"/>
+              <a:t>replication</a:t>
+            </a:r>
+          </a:p>
+          <a:p>
+            <a:pPr marL="2988081" lvl="2" indent="-571500">
+              <a:buFont typeface="Arial" panose="020B0604020202020204" pitchFamily="34" charset="0"/>
+              <a:buChar char="•"/>
+            </a:pPr>
+            <a:r>
+              <a:rPr lang="en-US" sz="3600" dirty="0" smtClean="0"/>
+              <a:t>Replicate </a:t>
+            </a:r>
+            <a:r>
+              <a:rPr lang="en-US" sz="3600" dirty="0"/>
+              <a:t>changes across nodes using JMS, </a:t>
+            </a:r>
+            <a:r>
+              <a:rPr lang="en-US" sz="3600" dirty="0" err="1"/>
+              <a:t>JGroups</a:t>
+            </a:r>
+            <a:r>
+              <a:rPr lang="en-US" sz="3600" dirty="0"/>
+              <a:t>, or plug your own </a:t>
+            </a:r>
+            <a:r>
+              <a:rPr lang="en-US" sz="3600" dirty="0" smtClean="0"/>
+              <a:t>service</a:t>
+            </a:r>
+          </a:p>
+          <a:p>
+            <a:pPr marL="2988081" lvl="2" indent="-571500">
+              <a:buFont typeface="Arial" panose="020B0604020202020204" pitchFamily="34" charset="0"/>
+              <a:buChar char="•"/>
+            </a:pPr>
+            <a:r>
+              <a:rPr lang="en-US" sz="3600" dirty="0" smtClean="0"/>
+              <a:t>Update </a:t>
+            </a:r>
+            <a:r>
+              <a:rPr lang="en-US" sz="3600" dirty="0"/>
+              <a:t>indexes within a JTA transaction, or as a post-transaction </a:t>
+            </a:r>
+            <a:r>
+              <a:rPr lang="en-US" sz="3600" dirty="0" smtClean="0"/>
+              <a:t>listener</a:t>
+            </a:r>
+          </a:p>
+          <a:p>
+            <a:pPr marL="1779783" lvl="1" indent="-571500">
+              <a:buFont typeface="Arial" panose="020B0604020202020204" pitchFamily="34" charset="0"/>
+              <a:buChar char="•"/>
+            </a:pPr>
+            <a:r>
+              <a:rPr lang="en-US" sz="3600" dirty="0"/>
+              <a:t>Spatial </a:t>
+            </a:r>
+            <a:r>
+              <a:rPr lang="en-US" sz="3600" dirty="0" smtClean="0"/>
+              <a:t>queries:</a:t>
+            </a:r>
+          </a:p>
+          <a:p>
+            <a:pPr marL="2988081" lvl="2" indent="-571500">
+              <a:buFont typeface="Arial" panose="020B0604020202020204" pitchFamily="34" charset="0"/>
+              <a:buChar char="•"/>
+            </a:pPr>
+            <a:r>
+              <a:rPr lang="en-US" sz="3600" dirty="0"/>
+              <a:t>Indexing </a:t>
+            </a:r>
+            <a:r>
+              <a:rPr lang="en-US" sz="3600" dirty="0" err="1"/>
+              <a:t>Geolocalized</a:t>
+            </a:r>
+            <a:r>
+              <a:rPr lang="en-US" sz="3600" dirty="0"/>
+              <a:t> entities is as easy as adding the @Spatial annotation</a:t>
+            </a:r>
+            <a:r>
+              <a:rPr lang="en-US" sz="3600" dirty="0" smtClean="0"/>
+              <a:t>.</a:t>
+            </a:r>
+          </a:p>
+          <a:p>
+            <a:pPr marL="2988081" lvl="2" indent="-571500">
+              <a:buFont typeface="Arial" panose="020B0604020202020204" pitchFamily="34" charset="0"/>
+              <a:buChar char="•"/>
+            </a:pPr>
+            <a:r>
+              <a:rPr lang="en-US" sz="3600" dirty="0" smtClean="0"/>
+              <a:t>Filter </a:t>
+            </a:r>
+            <a:r>
+              <a:rPr lang="en-US" sz="3600" dirty="0"/>
+              <a:t>results around a certain location like the user </a:t>
+            </a:r>
+            <a:r>
+              <a:rPr lang="en-US" sz="3600" dirty="0" smtClean="0"/>
+              <a:t>position.</a:t>
+            </a:r>
+          </a:p>
+          <a:p>
+            <a:pPr marL="1779783" lvl="1" indent="-571500">
+              <a:buFont typeface="Arial" panose="020B0604020202020204" pitchFamily="34" charset="0"/>
+              <a:buChar char="•"/>
+            </a:pPr>
+            <a:r>
+              <a:rPr lang="en-US" sz="3600" dirty="0" smtClean="0"/>
+              <a:t>Faceting:</a:t>
+            </a:r>
+          </a:p>
+          <a:p>
+            <a:pPr marL="2988081" lvl="2" indent="-571500">
+              <a:buFont typeface="Arial" panose="020B0604020202020204" pitchFamily="34" charset="0"/>
+              <a:buChar char="•"/>
+            </a:pPr>
+            <a:r>
+              <a:rPr lang="en-US" sz="3600" dirty="0"/>
+              <a:t>Get query results organized by groups and categories, having these automatically discovered from your data.</a:t>
+            </a:r>
+            <a:endParaRPr lang="en-US" sz="3600" dirty="0" smtClean="0"/>
+          </a:p>
+        </p:txBody>
+      </p:sp>
+    </p:spTree>
+    <p:extLst>
+      <p:ext uri="{BB962C8B-B14F-4D97-AF65-F5344CB8AC3E}">
+        <p14:creationId xmlns:p14="http://schemas.microsoft.com/office/powerpoint/2010/main" val="17277543"/>
+      </p:ext>
+    </p:extLst>
+  </p:cSld>
+  <p:clrMapOvr>
+    <a:masterClrMapping/>
+  </p:clrMapOvr>
+  <p:timing>
+    <p:tnLst>
+      <p:par>
+        <p:cTn id="1" dur="indefinite" restart="never" nodeType="tmRoot">
+          <p:childTnLst>
+            <p:seq concurrent="1" nextAc="seek">
+              <p:cTn id="2" dur="indefinite" nodeType="mainSeq">
+                <p:childTnLst>
+                  <p:par>
+                    <p:cTn id="3" fill="hold">
+                      <p:stCondLst>
+                        <p:cond delay="indefinite"/>
+                        <p:cond evt="onBegin" delay="0">
+                          <p:tn val="2"/>
+                        </p:cond>
+                      </p:stCondLst>
+                      <p:childTnLst>
+                        <p:par>
+                          <p:cTn id="4" fill="hold">
+                            <p:stCondLst>
+                              <p:cond delay="0"/>
+                            </p:stCondLst>
+                            <p:childTnLst>
+                              <p:par>
+                                <p:cTn id="5" presetID="2" presetClass="entr" presetSubtype="8" decel="100000" fill="hold" grpId="0" nodeType="withEffect">
+                                  <p:stCondLst>
+                                    <p:cond delay="0"/>
+                                  </p:stCondLst>
+                                  <p:childTnLst>
+                                    <p:set>
+                                      <p:cBhvr>
+                                        <p:cTn id="6" dur="1" fill="hold">
+                                          <p:stCondLst>
+                                            <p:cond delay="0"/>
+                                          </p:stCondLst>
+                                        </p:cTn>
+                                        <p:tgtEl>
+                                          <p:spTgt spid="33"/>
+                                        </p:tgtEl>
+                                        <p:attrNameLst>
+                                          <p:attrName>style.visibility</p:attrName>
+                                        </p:attrNameLst>
+                                      </p:cBhvr>
+                                      <p:to>
+                                        <p:strVal val="visible"/>
+                                      </p:to>
+                                    </p:set>
+                                    <p:anim calcmode="lin" valueType="num">
+                                      <p:cBhvr additive="base">
+                                        <p:cTn id="7" dur="1000" fill="hold"/>
+                                        <p:tgtEl>
+                                          <p:spTgt spid="33"/>
+                                        </p:tgtEl>
+                                        <p:attrNameLst>
+                                          <p:attrName>ppt_x</p:attrName>
+                                        </p:attrNameLst>
+                                      </p:cBhvr>
+                                      <p:tavLst>
+                                        <p:tav tm="0">
+                                          <p:val>
+                                            <p:strVal val="0-#ppt_w/2"/>
+                                          </p:val>
+                                        </p:tav>
+                                        <p:tav tm="100000">
+                                          <p:val>
+                                            <p:strVal val="#ppt_x"/>
+                                          </p:val>
+                                        </p:tav>
+                                      </p:tavLst>
+                                    </p:anim>
+                                    <p:anim calcmode="lin" valueType="num">
+                                      <p:cBhvr additive="base">
+                                        <p:cTn id="8" dur="1000" fill="hold"/>
+                                        <p:tgtEl>
+                                          <p:spTgt spid="33"/>
+                                        </p:tgtEl>
+                                        <p:attrNameLst>
+                                          <p:attrName>ppt_y</p:attrName>
+                                        </p:attrNameLst>
+                                      </p:cBhvr>
+                                      <p:tavLst>
+                                        <p:tav tm="0">
+                                          <p:val>
+                                            <p:strVal val="#ppt_y"/>
+                                          </p:val>
+                                        </p:tav>
+                                        <p:tav tm="100000">
+                                          <p:val>
+                                            <p:strVal val="#ppt_y"/>
+                                          </p:val>
+                                        </p:tav>
+                                      </p:tavLst>
+                                    </p:anim>
+                                  </p:childTnLst>
+                                </p:cTn>
+                              </p:par>
+                            </p:childTnLst>
+                          </p:cTn>
+                        </p:par>
+                        <p:par>
+                          <p:cTn id="9" fill="hold">
+                            <p:stCondLst>
+                              <p:cond delay="1000"/>
+                            </p:stCondLst>
+                            <p:childTnLst>
+                              <p:par>
+                                <p:cTn id="10" presetID="2" presetClass="entr" presetSubtype="4" fill="hold" nodeType="afterEffect">
+                                  <p:stCondLst>
+                                    <p:cond delay="0"/>
+                                  </p:stCondLst>
+                                  <p:childTnLst>
+                                    <p:set>
+                                      <p:cBhvr>
+                                        <p:cTn id="11" dur="1" fill="hold">
+                                          <p:stCondLst>
+                                            <p:cond delay="0"/>
+                                          </p:stCondLst>
+                                        </p:cTn>
+                                        <p:tgtEl>
+                                          <p:spTgt spid="34"/>
+                                        </p:tgtEl>
+                                        <p:attrNameLst>
+                                          <p:attrName>style.visibility</p:attrName>
+                                        </p:attrNameLst>
+                                      </p:cBhvr>
+                                      <p:to>
+                                        <p:strVal val="visible"/>
+                                      </p:to>
+                                    </p:set>
+                                    <p:anim calcmode="lin" valueType="num">
+                                      <p:cBhvr additive="base">
+                                        <p:cTn id="12" dur="500" fill="hold"/>
+                                        <p:tgtEl>
+                                          <p:spTgt spid="34"/>
+                                        </p:tgtEl>
+                                        <p:attrNameLst>
+                                          <p:attrName>ppt_x</p:attrName>
+                                        </p:attrNameLst>
+                                      </p:cBhvr>
+                                      <p:tavLst>
+                                        <p:tav tm="0">
+                                          <p:val>
+                                            <p:strVal val="#ppt_x"/>
+                                          </p:val>
+                                        </p:tav>
+                                        <p:tav tm="100000">
+                                          <p:val>
+                                            <p:strVal val="#ppt_x"/>
+                                          </p:val>
+                                        </p:tav>
+                                      </p:tavLst>
+                                    </p:anim>
+                                    <p:anim calcmode="lin" valueType="num">
+                                      <p:cBhvr additive="base">
+                                        <p:cTn id="13" dur="500" fill="hold"/>
+                                        <p:tgtEl>
+                                          <p:spTgt spid="34"/>
+                                        </p:tgtEl>
+                                        <p:attrNameLst>
+                                          <p:attrName>ppt_y</p:attrName>
+                                        </p:attrNameLst>
+                                      </p:cBhvr>
+                                      <p:tavLst>
+                                        <p:tav tm="0">
+                                          <p:val>
+                                            <p:strVal val="1+#ppt_h/2"/>
+                                          </p:val>
+                                        </p:tav>
+                                        <p:tav tm="100000">
+                                          <p:val>
+                                            <p:strVal val="#ppt_y"/>
+                                          </p:val>
+                                        </p:tav>
+                                      </p:tavLst>
+                                    </p:anim>
+                                  </p:childTnLst>
+                                </p:cTn>
+                              </p:par>
+                            </p:childTnLst>
+                          </p:cTn>
+                        </p:par>
+                      </p:childTnLst>
+                    </p:cTn>
+                  </p:par>
+                </p:childTnLst>
+              </p:cTn>
+              <p:prevCondLst>
+                <p:cond evt="onPrev" delay="0">
+                  <p:tgtEl>
+                    <p:sldTgt/>
+                  </p:tgtEl>
+                </p:cond>
+              </p:prevCondLst>
+              <p:nextCondLst>
+                <p:cond evt="onNext" delay="0">
+                  <p:tgtEl>
+                    <p:sldTgt/>
+                  </p:tgtEl>
+                </p:cond>
+              </p:nextCondLst>
+            </p:seq>
+          </p:childTnLst>
+        </p:cTn>
+      </p:par>
+    </p:tnLst>
+    <p:bldLst>
+      <p:bldP spid="33" grpId="0"/>
+    </p:bldLst>
+  </p:timing>
+</p:sld>
+</file>
+
+<file path=ppt/slides/slide14.xml><?xml version="1.0" encoding="utf-8"?>
 <p:sld xmlns:a="http://schemas.openxmlformats.org/drawingml/2006/main" xmlns:r="http://schemas.openxmlformats.org/officeDocument/2006/relationships" xmlns:p="http://schemas.openxmlformats.org/presentationml/2006/main">
   <p:cSld>
     <p:spTree>
@@ -24200,7 +25095,7 @@
             <a:fld id="{FF439014-E629-42E3-A58B-61A0F1C8CFFE}" type="slidenum">
               <a:rPr lang="es-SV" smtClean="0"/>
               <a:pPr/>
-              <a:t>12</a:t>
+              <a:t>14</a:t>
             </a:fld>
             <a:endParaRPr lang="es-SV"/>
           </a:p>
@@ -24571,7 +25466,7 @@
         <p:spPr>
           <a:xfrm>
             <a:off x="6567170" y="5200260"/>
-            <a:ext cx="15166684" cy="5415145"/>
+            <a:ext cx="15166684" cy="3568485"/>
           </a:xfrm>
           <a:prstGeom prst="rect">
             <a:avLst/>
@@ -24588,11 +25483,11 @@
               <a:buChar char="ü"/>
             </a:pPr>
             <a:r>
-              <a:rPr lang="en-US" sz="2800" dirty="0">
+              <a:rPr lang="en-US" sz="3600" dirty="0">
                 <a:ea typeface="Open Sans" panose="020B0606030504020204" pitchFamily="34" charset="0"/>
                 <a:cs typeface="Open Sans" panose="020B0606030504020204" pitchFamily="34" charset="0"/>
               </a:rPr>
-              <a:t>Introduction to Generics</a:t>
+              <a:t>Transactions and Concurrency</a:t>
             </a:r>
           </a:p>
           <a:p>
@@ -24601,11 +25496,11 @@
               <a:buChar char="ü"/>
             </a:pPr>
             <a:r>
-              <a:rPr lang="en-US" sz="2800" dirty="0">
+              <a:rPr lang="en-US" sz="3600" dirty="0">
                 <a:ea typeface="Open Sans" panose="020B0606030504020204" pitchFamily="34" charset="0"/>
                 <a:cs typeface="Open Sans" panose="020B0606030504020204" pitchFamily="34" charset="0"/>
               </a:rPr>
-              <a:t>Bounded Types</a:t>
+              <a:t>Interceptors and Events</a:t>
             </a:r>
           </a:p>
           <a:p>
@@ -24614,11 +25509,11 @@
               <a:buChar char="ü"/>
             </a:pPr>
             <a:r>
-              <a:rPr lang="en-US" sz="2800" dirty="0">
+              <a:rPr lang="en-US" sz="3600" dirty="0">
                 <a:ea typeface="Open Sans" panose="020B0606030504020204" pitchFamily="34" charset="0"/>
                 <a:cs typeface="Open Sans" panose="020B0606030504020204" pitchFamily="34" charset="0"/>
               </a:rPr>
-              <a:t>Generics Wildcard</a:t>
+              <a:t>Batch Processing</a:t>
             </a:r>
           </a:p>
           <a:p>
@@ -24627,12 +25522,16 @@
               <a:buChar char="ü"/>
             </a:pPr>
             <a:r>
-              <a:rPr lang="en-US" sz="2800" dirty="0">
+              <a:rPr lang="en-US" sz="3600" dirty="0" err="1">
                 <a:ea typeface="Open Sans" panose="020B0606030504020204" pitchFamily="34" charset="0"/>
                 <a:cs typeface="Open Sans" panose="020B0606030504020204" pitchFamily="34" charset="0"/>
               </a:rPr>
-              <a:t>Generic classes, methods and constructors</a:t>
-            </a:r>
+              <a:t>BeanValidation</a:t>
+            </a:r>
+            <a:endParaRPr lang="en-US" sz="3600" dirty="0">
+              <a:ea typeface="Open Sans" panose="020B0606030504020204" pitchFamily="34" charset="0"/>
+              <a:cs typeface="Open Sans" panose="020B0606030504020204" pitchFamily="34" charset="0"/>
+            </a:endParaRPr>
           </a:p>
           <a:p>
             <a:pPr marL="3102381" lvl="2" indent="-685800">
@@ -24640,11 +25539,11 @@
               <a:buChar char="ü"/>
             </a:pPr>
             <a:r>
-              <a:rPr lang="en-US" sz="2800" dirty="0">
+              <a:rPr lang="en-US" sz="3600" dirty="0">
                 <a:ea typeface="Open Sans" panose="020B0606030504020204" pitchFamily="34" charset="0"/>
                 <a:cs typeface="Open Sans" panose="020B0606030504020204" pitchFamily="34" charset="0"/>
               </a:rPr>
-              <a:t>Java Type Erasure</a:t>
+              <a:t>Hibernate Validator 3</a:t>
             </a:r>
           </a:p>
           <a:p>
@@ -24653,90 +25552,16 @@
               <a:buChar char="ü"/>
             </a:pPr>
             <a:r>
-              <a:rPr lang="en-US" sz="2800" dirty="0">
+              <a:rPr lang="en-US" sz="3600" dirty="0">
                 <a:ea typeface="Open Sans" panose="020B0606030504020204" pitchFamily="34" charset="0"/>
                 <a:cs typeface="Open Sans" panose="020B0606030504020204" pitchFamily="34" charset="0"/>
               </a:rPr>
-              <a:t>Introduction to Internationalization and Localization</a:t>
-            </a:r>
-          </a:p>
-          <a:p>
-            <a:pPr marL="3102381" lvl="2" indent="-685800">
-              <a:buFont typeface="Wingdings" panose="05000000000000000000" pitchFamily="2" charset="2"/>
-              <a:buChar char="ü"/>
-            </a:pPr>
-            <a:r>
-              <a:rPr lang="en-US" sz="2800" dirty="0">
-                <a:ea typeface="Open Sans" panose="020B0606030504020204" pitchFamily="34" charset="0"/>
-                <a:cs typeface="Open Sans" panose="020B0606030504020204" pitchFamily="34" charset="0"/>
-              </a:rPr>
-              <a:t>what is I18N</a:t>
-            </a:r>
-          </a:p>
-          <a:p>
-            <a:pPr marL="3102381" lvl="2" indent="-685800">
-              <a:buFont typeface="Wingdings" panose="05000000000000000000" pitchFamily="2" charset="2"/>
-              <a:buChar char="ü"/>
-            </a:pPr>
-            <a:r>
-              <a:rPr lang="en-US" sz="2800" dirty="0">
-                <a:ea typeface="Open Sans" panose="020B0606030504020204" pitchFamily="34" charset="0"/>
-                <a:cs typeface="Open Sans" panose="020B0606030504020204" pitchFamily="34" charset="0"/>
-              </a:rPr>
-              <a:t>Localization ad Locale</a:t>
-            </a:r>
-          </a:p>
-          <a:p>
-            <a:pPr marL="3102381" lvl="2" indent="-685800">
-              <a:buFont typeface="Wingdings" panose="05000000000000000000" pitchFamily="2" charset="2"/>
-              <a:buChar char="ü"/>
-            </a:pPr>
-            <a:r>
-              <a:rPr lang="en-US" sz="2800" dirty="0">
-                <a:ea typeface="Open Sans" panose="020B0606030504020204" pitchFamily="34" charset="0"/>
-                <a:cs typeface="Open Sans" panose="020B0606030504020204" pitchFamily="34" charset="0"/>
-              </a:rPr>
-              <a:t>Locale Class</a:t>
-            </a:r>
-          </a:p>
-          <a:p>
-            <a:pPr marL="3102381" lvl="2" indent="-685800">
-              <a:buFont typeface="Wingdings" panose="05000000000000000000" pitchFamily="2" charset="2"/>
-              <a:buChar char="ü"/>
-            </a:pPr>
-            <a:r>
-              <a:rPr lang="en-US" sz="2800" dirty="0">
-                <a:ea typeface="Open Sans" panose="020B0606030504020204" pitchFamily="34" charset="0"/>
-                <a:cs typeface="Open Sans" panose="020B0606030504020204" pitchFamily="34" charset="0"/>
-              </a:rPr>
-              <a:t>Date, Time and Currency formatting</a:t>
-            </a:r>
-          </a:p>
-          <a:p>
-            <a:pPr marL="3102381" lvl="2" indent="-685800">
-              <a:buFont typeface="Wingdings" panose="05000000000000000000" pitchFamily="2" charset="2"/>
-              <a:buChar char="ü"/>
-            </a:pPr>
-            <a:r>
-              <a:rPr lang="en-US" sz="2800" dirty="0">
-                <a:ea typeface="Open Sans" panose="020B0606030504020204" pitchFamily="34" charset="0"/>
-                <a:cs typeface="Open Sans" panose="020B0606030504020204" pitchFamily="34" charset="0"/>
-              </a:rPr>
-              <a:t>Numbers and Measurements localization</a:t>
-            </a:r>
-          </a:p>
-          <a:p>
-            <a:pPr marL="3102381" lvl="2" indent="-685800">
-              <a:buFont typeface="Wingdings" panose="05000000000000000000" pitchFamily="2" charset="2"/>
-              <a:buChar char="ü"/>
-            </a:pPr>
-            <a:r>
-              <a:rPr lang="en-US" sz="2800" dirty="0">
-                <a:ea typeface="Open Sans" panose="020B0606030504020204" pitchFamily="34" charset="0"/>
-                <a:cs typeface="Open Sans" panose="020B0606030504020204" pitchFamily="34" charset="0"/>
-              </a:rPr>
-              <a:t>Other Formatters</a:t>
-            </a:r>
+              <a:t>Hibernate Search</a:t>
+            </a:r>
+            <a:endParaRPr lang="en-US" sz="3600" dirty="0">
+              <a:ea typeface="Open Sans" panose="020B0606030504020204" pitchFamily="34" charset="0"/>
+              <a:cs typeface="Open Sans" panose="020B0606030504020204" pitchFamily="34" charset="0"/>
+            </a:endParaRPr>
           </a:p>
         </p:txBody>
       </p:sp>
@@ -26424,7 +27249,19 @@
                 <a:ea typeface="Open Sans Semibold" panose="020B0706030804020204" pitchFamily="34" charset="0"/>
                 <a:cs typeface="Open Sans Semibold" panose="020B0706030804020204" pitchFamily="34" charset="0"/>
               </a:rPr>
-              <a:t>Generics Overview</a:t>
+              <a:t>Hibernate: Transactions </a:t>
+            </a:r>
+            <a:r>
+              <a:rPr lang="en-US" sz="4400" dirty="0">
+                <a:solidFill>
+                  <a:schemeClr val="accent3">
+                    <a:lumMod val="75000"/>
+                  </a:schemeClr>
+                </a:solidFill>
+                <a:ea typeface="Open Sans Semibold" panose="020B0706030804020204" pitchFamily="34" charset="0"/>
+                <a:cs typeface="Open Sans Semibold" panose="020B0706030804020204" pitchFamily="34" charset="0"/>
+              </a:rPr>
+              <a:t>and Concurrency</a:t>
             </a:r>
             <a:endParaRPr lang="en-US" sz="4400" dirty="0">
               <a:solidFill>
@@ -26447,7 +27284,7 @@
         <p:spPr>
           <a:xfrm>
             <a:off x="2246688" y="1955687"/>
-            <a:ext cx="4500501" cy="0"/>
+            <a:ext cx="9811091" cy="0"/>
           </a:xfrm>
           <a:prstGeom prst="line">
             <a:avLst/>
@@ -26482,7 +27319,7 @@
         <p:spPr>
           <a:xfrm>
             <a:off x="2246688" y="2855786"/>
-            <a:ext cx="19982220" cy="6740307"/>
+            <a:ext cx="19982220" cy="10064294"/>
           </a:xfrm>
           <a:prstGeom prst="rect">
             <a:avLst/>
@@ -26501,7 +27338,7 @@
             </a:pPr>
             <a:r>
               <a:rPr lang="en-US" sz="3600" dirty="0"/>
-              <a:t>In a nutshell, generics enable types (classes and interfaces) to be parameters when defining classes, interfaces and methods. Much like the more familiar formal parameters used in method declarations, type parameters provide a way for you to re-use the same code with different inputs. The difference is that the inputs to formal parameters are values, while the inputs to type parameters are types</a:t>
+              <a:t>Hibernate directly uses JDBC connections and JTA resources without adding any additional locking behavior</a:t>
             </a:r>
             <a:r>
               <a:rPr lang="en-US" sz="3600" dirty="0" smtClean="0"/>
@@ -26514,38 +27351,26 @@
               <a:buChar char="•"/>
             </a:pPr>
             <a:r>
+              <a:rPr lang="en-US" sz="3600" dirty="0"/>
+              <a:t>Hibernate does not lock objects in memory. Your application can expect the behavior as defined by the isolation level of your database </a:t>
+            </a:r>
+            <a:r>
               <a:rPr lang="en-US" sz="3600" dirty="0" smtClean="0"/>
-              <a:t>Code </a:t>
-            </a:r>
-            <a:r>
-              <a:rPr lang="en-US" sz="3600" dirty="0"/>
-              <a:t>that uses generics has many benefits over non-generic code</a:t>
-            </a:r>
-            <a:r>
-              <a:rPr lang="en-US" sz="3600" dirty="0" smtClean="0"/>
-              <a:t>:</a:t>
+              <a:t>transactions.</a:t>
             </a:r>
           </a:p>
           <a:p>
-            <a:pPr marL="1779783" lvl="1" indent="-571500">
+            <a:pPr marL="571500" indent="-571500">
               <a:buFont typeface="Arial" panose="020B0604020202020204" pitchFamily="34" charset="0"/>
               <a:buChar char="•"/>
             </a:pPr>
             <a:r>
               <a:rPr lang="en-US" sz="3600" dirty="0" smtClean="0"/>
-              <a:t>Stronger </a:t>
+              <a:t>Through </a:t>
             </a:r>
             <a:r>
               <a:rPr lang="en-US" sz="3600" dirty="0"/>
-              <a:t>type checks at compile </a:t>
-            </a:r>
-            <a:r>
-              <a:rPr lang="en-US" sz="3600" dirty="0" smtClean="0"/>
-              <a:t>time: A </a:t>
-            </a:r>
-            <a:r>
-              <a:rPr lang="en-US" sz="3600" dirty="0"/>
-              <a:t>Java compiler applies strong type checking to generic code and issues errors if the code violates type safety. Fixing compile-time errors is easier than fixing runtime errors, which can be difficult to find</a:t>
+              <a:t>Session, which is also a transaction-scoped cache, Hibernate provides repeatable reads for lookup by identifier and entity queries and not reporting queries that return scalar values</a:t>
             </a:r>
             <a:r>
               <a:rPr lang="en-US" sz="3600" dirty="0" smtClean="0"/>
@@ -26553,13 +27378,13 @@
             </a:r>
           </a:p>
           <a:p>
-            <a:pPr marL="1779783" lvl="1" indent="-571500">
+            <a:pPr marL="571500" indent="-571500">
               <a:buFont typeface="Arial" panose="020B0604020202020204" pitchFamily="34" charset="0"/>
               <a:buChar char="•"/>
             </a:pPr>
             <a:r>
               <a:rPr lang="en-US" sz="3600" dirty="0"/>
-              <a:t>Elimination of casts</a:t>
+              <a:t>In addition to versioning for automatic optimistic concurrency control, Hibernate also offers, using the SELECT FOR UPDATE syntax, a (minor) API for pessimistic locking of rows</a:t>
             </a:r>
             <a:r>
               <a:rPr lang="en-US" sz="3600" dirty="0" smtClean="0"/>
@@ -26567,22 +27392,127 @@
             </a:r>
           </a:p>
           <a:p>
-            <a:pPr marL="1779783" lvl="1" indent="-571500">
+            <a:pPr marL="571500" indent="-571500">
               <a:buFont typeface="Arial" panose="020B0604020202020204" pitchFamily="34" charset="0"/>
               <a:buChar char="•"/>
             </a:pPr>
             <a:r>
               <a:rPr lang="en-US" sz="3600" dirty="0"/>
-              <a:t>Enabling programmers to implement generic </a:t>
+              <a:t>A </a:t>
+            </a:r>
+            <a:r>
+              <a:rPr lang="en-US" sz="3600" dirty="0" err="1"/>
+              <a:t>SessionFactory</a:t>
+            </a:r>
+            <a:r>
+              <a:rPr lang="en-US" sz="3600" dirty="0"/>
+              <a:t> is an expensive-to-create, </a:t>
+            </a:r>
+            <a:r>
+              <a:rPr lang="en-US" sz="3600" dirty="0" err="1"/>
+              <a:t>threadsafe</a:t>
+            </a:r>
+            <a:r>
+              <a:rPr lang="en-US" sz="3600" dirty="0"/>
+              <a:t> object, intended to be shared by all application threads. It is created once, usually on application startup, from a Configuration instance</a:t>
             </a:r>
             <a:r>
               <a:rPr lang="en-US" sz="3600" dirty="0" smtClean="0"/>
-              <a:t>algorithms: By </a:t>
-            </a:r>
+              <a:t>.</a:t>
+            </a:r>
+          </a:p>
+          <a:p>
+            <a:pPr marL="571500" indent="-571500">
+              <a:buFont typeface="Arial" panose="020B0604020202020204" pitchFamily="34" charset="0"/>
+              <a:buChar char="•"/>
+            </a:pPr>
             <a:r>
               <a:rPr lang="en-US" sz="3600" dirty="0"/>
-              <a:t>using generics, programmers can implement generic algorithms that work on collections of different types, can be customized, and are type safe and easier to read.</a:t>
-            </a:r>
+              <a:t>A Session is an inexpensive, non-</a:t>
+            </a:r>
+            <a:r>
+              <a:rPr lang="en-US" sz="3600" dirty="0" err="1"/>
+              <a:t>threadsafe</a:t>
+            </a:r>
+            <a:r>
+              <a:rPr lang="en-US" sz="3600" dirty="0"/>
+              <a:t> object that should be used once and then discarded for: a single request, a conversation or a single unit of work. A Session will not obtain a JDBC Connection, or a </a:t>
+            </a:r>
+            <a:r>
+              <a:rPr lang="en-US" sz="3600" dirty="0" err="1"/>
+              <a:t>Datasource</a:t>
+            </a:r>
+            <a:r>
+              <a:rPr lang="en-US" sz="3600" dirty="0"/>
+              <a:t>, unless it is needed. It will not consume any resources until used</a:t>
+            </a:r>
+            <a:r>
+              <a:rPr lang="en-US" sz="3600" dirty="0" smtClean="0"/>
+              <a:t>.</a:t>
+            </a:r>
+          </a:p>
+          <a:p>
+            <a:pPr marL="571500" indent="-571500">
+              <a:buFont typeface="Arial" panose="020B0604020202020204" pitchFamily="34" charset="0"/>
+              <a:buChar char="•"/>
+            </a:pPr>
+            <a:r>
+              <a:rPr lang="en-US" sz="3600" dirty="0"/>
+              <a:t>A Hibernate application can run in non-managed </a:t>
+            </a:r>
+            <a:r>
+              <a:rPr lang="en-US" sz="3600" dirty="0" smtClean="0"/>
+              <a:t>and </a:t>
+            </a:r>
+            <a:r>
+              <a:rPr lang="en-US" sz="3600" dirty="0"/>
+              <a:t>managed J2EE </a:t>
+            </a:r>
+            <a:r>
+              <a:rPr lang="en-US" sz="3600" dirty="0" smtClean="0"/>
+              <a:t>environments.</a:t>
+            </a:r>
+          </a:p>
+          <a:p>
+            <a:pPr marL="571500" indent="-571500">
+              <a:buFont typeface="Arial" panose="020B0604020202020204" pitchFamily="34" charset="0"/>
+              <a:buChar char="•"/>
+            </a:pPr>
+            <a:r>
+              <a:rPr lang="en-US" sz="3600" dirty="0" smtClean="0"/>
+              <a:t>In </a:t>
+            </a:r>
+            <a:r>
+              <a:rPr lang="en-US" sz="3600" dirty="0"/>
+              <a:t>a non-managed environment, Hibernate is usually responsible for its own database connection pool. The application developer has to manually set transaction boundaries </a:t>
+            </a:r>
+            <a:r>
+              <a:rPr lang="en-US" sz="3600" dirty="0" smtClean="0"/>
+              <a:t>themselves.</a:t>
+            </a:r>
+          </a:p>
+          <a:p>
+            <a:pPr marL="571500" indent="-571500">
+              <a:buFont typeface="Arial" panose="020B0604020202020204" pitchFamily="34" charset="0"/>
+              <a:buChar char="•"/>
+            </a:pPr>
+            <a:r>
+              <a:rPr lang="en-US" sz="3600" dirty="0" smtClean="0"/>
+              <a:t>A </a:t>
+            </a:r>
+            <a:r>
+              <a:rPr lang="en-US" sz="3600" dirty="0"/>
+              <a:t>managed environment usually provides container-managed transactions (CMT), with the transaction assembly defined </a:t>
+            </a:r>
+            <a:r>
+              <a:rPr lang="en-US" sz="3600" dirty="0" smtClean="0"/>
+              <a:t>declaratively. Programmatic </a:t>
+            </a:r>
+            <a:r>
+              <a:rPr lang="en-US" sz="3600" dirty="0"/>
+              <a:t>transaction demarcation is then no longer necessary.</a:t>
+            </a:r>
+            <a:endParaRPr lang="en-US" sz="3600" dirty="0"/>
           </a:p>
         </p:txBody>
       </p:sp>
@@ -26827,7 +27757,7 @@
       </p:grpSpPr>
       <p:sp>
         <p:nvSpPr>
-          <p:cNvPr id="2" name="Marcador de texto 4"/>
+          <p:cNvPr id="33" name="Marcador de texto 4"/>
           <p:cNvSpPr txBox="1">
             <a:spLocks/>
           </p:cNvSpPr>
@@ -26835,583 +27765,7 @@
         </p:nvSpPr>
         <p:spPr>
           <a:xfrm>
-            <a:off x="1886648" y="1053149"/>
-            <a:ext cx="17910523" cy="1802637"/>
-          </a:xfrm>
-          <a:prstGeom prst="rect">
-            <a:avLst/>
-          </a:prstGeom>
-        </p:spPr>
-        <p:txBody>
-          <a:bodyPr/>
-          <a:lstStyle>
-            <a:lvl1pPr marL="0" indent="0" algn="l" defTabSz="1812040" rtl="0" eaLnBrk="1" latinLnBrk="0" hangingPunct="1">
-              <a:spcBef>
-                <a:spcPct val="20000"/>
-              </a:spcBef>
-              <a:spcAft>
-                <a:spcPts val="1199"/>
-              </a:spcAft>
-              <a:buFont typeface="Arial" pitchFamily="34" charset="0"/>
-              <a:buNone/>
-              <a:defRPr sz="4000" b="1" kern="1200">
-                <a:solidFill>
-                  <a:schemeClr val="tx1"/>
-                </a:solidFill>
-                <a:latin typeface="+mn-lt"/>
-                <a:ea typeface="+mn-ea"/>
-                <a:cs typeface="+mn-cs"/>
-              </a:defRPr>
-            </a:lvl1pPr>
-            <a:lvl2pPr marL="906009" indent="-362365" algn="l" defTabSz="1812040" rtl="0" eaLnBrk="1" latinLnBrk="0" hangingPunct="1">
-              <a:spcBef>
-                <a:spcPct val="20000"/>
-              </a:spcBef>
-              <a:buClr>
-                <a:schemeClr val="tx2"/>
-              </a:buClr>
-              <a:buFont typeface="Arial" pitchFamily="34" charset="0"/>
-              <a:buChar char="•"/>
-              <a:defRPr sz="4000" kern="1200">
-                <a:solidFill>
-                  <a:schemeClr val="tx1"/>
-                </a:solidFill>
-                <a:latin typeface="+mn-lt"/>
-                <a:ea typeface="+mn-ea"/>
-                <a:cs typeface="+mn-cs"/>
-              </a:defRPr>
-            </a:lvl2pPr>
-            <a:lvl3pPr marL="2265040" indent="-453004" algn="l" defTabSz="1812040" rtl="0" eaLnBrk="1" latinLnBrk="0" hangingPunct="1">
-              <a:spcBef>
-                <a:spcPct val="20000"/>
-              </a:spcBef>
-              <a:buClr>
-                <a:schemeClr val="tx2"/>
-              </a:buClr>
-              <a:buFont typeface="Arial" pitchFamily="34" charset="0"/>
-              <a:buChar char="•"/>
-              <a:defRPr sz="3702" kern="1200">
-                <a:solidFill>
-                  <a:schemeClr val="tx1"/>
-                </a:solidFill>
-                <a:latin typeface="+mn-lt"/>
-                <a:ea typeface="+mn-ea"/>
-                <a:cs typeface="+mn-cs"/>
-              </a:defRPr>
-            </a:lvl3pPr>
-            <a:lvl4pPr marL="3171046" indent="-453004" algn="l" defTabSz="1812040" rtl="0" eaLnBrk="1" latinLnBrk="0" hangingPunct="1">
-              <a:spcBef>
-                <a:spcPct val="20000"/>
-              </a:spcBef>
-              <a:buClr>
-                <a:schemeClr val="tx2"/>
-              </a:buClr>
-              <a:buFont typeface="Arial" pitchFamily="34" charset="0"/>
-              <a:buChar char="•"/>
-              <a:defRPr sz="3702" kern="1200">
-                <a:solidFill>
-                  <a:schemeClr val="tx1"/>
-                </a:solidFill>
-                <a:latin typeface="+mn-lt"/>
-                <a:ea typeface="+mn-ea"/>
-                <a:cs typeface="+mn-cs"/>
-              </a:defRPr>
-            </a:lvl4pPr>
-            <a:lvl5pPr marL="4077068" indent="-453004" algn="l" defTabSz="1812040" rtl="0" eaLnBrk="1" latinLnBrk="0" hangingPunct="1">
-              <a:spcBef>
-                <a:spcPct val="20000"/>
-              </a:spcBef>
-              <a:buClr>
-                <a:schemeClr val="tx2"/>
-              </a:buClr>
-              <a:buFont typeface="Arial" pitchFamily="34" charset="0"/>
-              <a:buChar char="•"/>
-              <a:defRPr sz="3702" kern="1200" baseline="0">
-                <a:solidFill>
-                  <a:schemeClr val="tx1"/>
-                </a:solidFill>
-                <a:latin typeface="+mn-lt"/>
-                <a:ea typeface="+mn-ea"/>
-                <a:cs typeface="+mn-cs"/>
-              </a:defRPr>
-            </a:lvl5pPr>
-            <a:lvl6pPr marL="4983081" indent="-453004" algn="l" defTabSz="1812040" rtl="0" eaLnBrk="1" latinLnBrk="0" hangingPunct="1">
-              <a:spcBef>
-                <a:spcPct val="20000"/>
-              </a:spcBef>
-              <a:buClr>
-                <a:schemeClr val="tx2"/>
-              </a:buClr>
-              <a:buFont typeface="Arial" pitchFamily="34" charset="0"/>
-              <a:buChar char="•"/>
-              <a:defRPr sz="3200" kern="1200">
-                <a:solidFill>
-                  <a:schemeClr val="tx1"/>
-                </a:solidFill>
-                <a:latin typeface="+mn-lt"/>
-                <a:ea typeface="+mn-ea"/>
-                <a:cs typeface="+mn-cs"/>
-              </a:defRPr>
-            </a:lvl6pPr>
-            <a:lvl7pPr marL="5889088" indent="-453004" algn="l" defTabSz="1812040" rtl="0" eaLnBrk="1" latinLnBrk="0" hangingPunct="1">
-              <a:spcBef>
-                <a:spcPct val="20000"/>
-              </a:spcBef>
-              <a:buClr>
-                <a:schemeClr val="tx2"/>
-              </a:buClr>
-              <a:buFont typeface="Arial" pitchFamily="34" charset="0"/>
-              <a:buChar char="•"/>
-              <a:defRPr sz="3200" kern="1200">
-                <a:solidFill>
-                  <a:schemeClr val="tx1"/>
-                </a:solidFill>
-                <a:latin typeface="+mn-lt"/>
-                <a:ea typeface="+mn-ea"/>
-                <a:cs typeface="+mn-cs"/>
-              </a:defRPr>
-            </a:lvl7pPr>
-            <a:lvl8pPr marL="6795112" indent="-453004" algn="l" defTabSz="1812040" rtl="0" eaLnBrk="1" latinLnBrk="0" hangingPunct="1">
-              <a:spcBef>
-                <a:spcPct val="20000"/>
-              </a:spcBef>
-              <a:buClr>
-                <a:schemeClr val="tx2"/>
-              </a:buClr>
-              <a:buFont typeface="Arial" pitchFamily="34" charset="0"/>
-              <a:buChar char="•"/>
-              <a:defRPr sz="3200" kern="1200">
-                <a:solidFill>
-                  <a:schemeClr val="tx1"/>
-                </a:solidFill>
-                <a:latin typeface="+mn-lt"/>
-                <a:ea typeface="+mn-ea"/>
-                <a:cs typeface="+mn-cs"/>
-              </a:defRPr>
-            </a:lvl8pPr>
-            <a:lvl9pPr marL="7701118" indent="-453004" algn="l" defTabSz="1812040" rtl="0" eaLnBrk="1" latinLnBrk="0" hangingPunct="1">
-              <a:spcBef>
-                <a:spcPct val="20000"/>
-              </a:spcBef>
-              <a:buClr>
-                <a:schemeClr val="tx2"/>
-              </a:buClr>
-              <a:buFont typeface="Arial" pitchFamily="34" charset="0"/>
-              <a:buChar char="•"/>
-              <a:defRPr sz="3200" kern="1200">
-                <a:solidFill>
-                  <a:schemeClr val="tx1"/>
-                </a:solidFill>
-                <a:latin typeface="+mn-lt"/>
-                <a:ea typeface="+mn-ea"/>
-                <a:cs typeface="+mn-cs"/>
-              </a:defRPr>
-            </a:lvl9pPr>
-          </a:lstStyle>
-          <a:p>
-            <a:r>
-              <a:rPr lang="en-IN" sz="6600" dirty="0" smtClean="0">
-                <a:solidFill>
-                  <a:schemeClr val="accent3">
-                    <a:lumMod val="75000"/>
-                  </a:schemeClr>
-                </a:solidFill>
-                <a:ea typeface="Open Sans Semibold" panose="020B0706030804020204" pitchFamily="34" charset="0"/>
-                <a:cs typeface="Open Sans Semibold" panose="020B0706030804020204" pitchFamily="34" charset="0"/>
-              </a:rPr>
-              <a:t>Bounded Type Parameters</a:t>
-            </a:r>
-            <a:endParaRPr lang="en-US" sz="6600" dirty="0">
-              <a:solidFill>
-                <a:schemeClr val="accent3">
-                  <a:lumMod val="75000"/>
-                </a:schemeClr>
-              </a:solidFill>
-              <a:ea typeface="Open Sans Semibold" panose="020B0706030804020204" pitchFamily="34" charset="0"/>
-              <a:cs typeface="Open Sans Semibold" panose="020B0706030804020204" pitchFamily="34" charset="0"/>
-            </a:endParaRPr>
-          </a:p>
-        </p:txBody>
-      </p:sp>
-      <p:sp>
-        <p:nvSpPr>
-          <p:cNvPr id="3" name="TextBox 2"/>
-          <p:cNvSpPr txBox="1"/>
-          <p:nvPr/>
-        </p:nvSpPr>
-        <p:spPr>
-          <a:xfrm>
-            <a:off x="2201683" y="3573429"/>
-            <a:ext cx="18677075" cy="5632311"/>
-          </a:xfrm>
-          <a:prstGeom prst="rect">
-            <a:avLst/>
-          </a:prstGeom>
-          <a:noFill/>
-        </p:spPr>
-        <p:txBody>
-          <a:bodyPr wrap="square" rtlCol="0">
-            <a:spAutoFit/>
-          </a:bodyPr>
-          <a:lstStyle/>
-          <a:p>
-            <a:pPr marL="571500" indent="-571500" algn="just">
-              <a:buFont typeface="Arial" panose="020B0604020202020204" pitchFamily="34" charset="0"/>
-              <a:buChar char="•"/>
-            </a:pPr>
-            <a:r>
-              <a:rPr lang="en-IN" sz="3600" dirty="0"/>
-              <a:t>There may be times when you want to restrict the types that can be used as type arguments in a parameterized type. For example, a method that operates on numbers might only want to accept instances of Number or its </a:t>
-            </a:r>
-            <a:r>
-              <a:rPr lang="en-IN" sz="3600" dirty="0" smtClean="0"/>
-              <a:t>subclasses.</a:t>
-            </a:r>
-          </a:p>
-          <a:p>
-            <a:pPr marL="571500" indent="-571500" algn="just">
-              <a:buFont typeface="Arial" panose="020B0604020202020204" pitchFamily="34" charset="0"/>
-              <a:buChar char="•"/>
-            </a:pPr>
-            <a:r>
-              <a:rPr lang="en-IN" sz="3600" dirty="0" smtClean="0"/>
-              <a:t>This </a:t>
-            </a:r>
-            <a:r>
-              <a:rPr lang="en-IN" sz="3600" dirty="0"/>
-              <a:t>is what bounded type parameters are for</a:t>
-            </a:r>
-            <a:r>
-              <a:rPr lang="en-IN" sz="3600" dirty="0" smtClean="0"/>
-              <a:t>.</a:t>
-            </a:r>
-          </a:p>
-          <a:p>
-            <a:pPr marL="571500" indent="-571500" algn="just">
-              <a:buFont typeface="Arial" panose="020B0604020202020204" pitchFamily="34" charset="0"/>
-              <a:buChar char="•"/>
-            </a:pPr>
-            <a:r>
-              <a:rPr lang="en-IN" sz="3600" dirty="0" smtClean="0"/>
-              <a:t>To </a:t>
-            </a:r>
-            <a:r>
-              <a:rPr lang="en-IN" sz="3600" dirty="0"/>
-              <a:t>declare a bounded type parameter, list the type parameter's name, followed by the extends keyword, followed by its upper bound, which in this example is Number. Note that, in this context, extends is used in a general sense to mean either "extends" (as in classes) or "implements" (as in interfaces</a:t>
-            </a:r>
-            <a:r>
-              <a:rPr lang="en-IN" sz="3600" dirty="0" smtClean="0"/>
-              <a:t>).</a:t>
-            </a:r>
-          </a:p>
-          <a:p>
-            <a:pPr marL="571500" indent="-571500" algn="just">
-              <a:buFont typeface="Arial" panose="020B0604020202020204" pitchFamily="34" charset="0"/>
-              <a:buChar char="•"/>
-            </a:pPr>
-            <a:r>
-              <a:rPr lang="en-IN" sz="3600" dirty="0"/>
-              <a:t>Bounded type parameters are key to the implementation of generic algorithms</a:t>
-            </a:r>
-            <a:r>
-              <a:rPr lang="en-IN" sz="3600" dirty="0" smtClean="0"/>
-              <a:t>.</a:t>
-            </a:r>
-          </a:p>
-          <a:p>
-            <a:pPr marL="571500" indent="-571500" algn="just">
-              <a:buFont typeface="Arial" panose="020B0604020202020204" pitchFamily="34" charset="0"/>
-              <a:buChar char="•"/>
-            </a:pPr>
-            <a:endParaRPr lang="en-IN" sz="3600" dirty="0" smtClean="0"/>
-          </a:p>
-        </p:txBody>
-      </p:sp>
-      <p:cxnSp>
-        <p:nvCxnSpPr>
-          <p:cNvPr id="4" name="10 Conector recto"/>
-          <p:cNvCxnSpPr/>
-          <p:nvPr/>
-        </p:nvCxnSpPr>
-        <p:spPr>
-          <a:xfrm flipV="1">
-            <a:off x="1886648" y="2177838"/>
-            <a:ext cx="9361041" cy="45452"/>
-          </a:xfrm>
-          <a:prstGeom prst="line">
-            <a:avLst/>
-          </a:prstGeom>
-          <a:ln w="57150">
-            <a:solidFill>
-              <a:srgbClr val="C00000"/>
-            </a:solidFill>
-          </a:ln>
-        </p:spPr>
-        <p:style>
-          <a:lnRef idx="1">
-            <a:schemeClr val="accent1"/>
-          </a:lnRef>
-          <a:fillRef idx="0">
-            <a:schemeClr val="accent1"/>
-          </a:fillRef>
-          <a:effectRef idx="0">
-            <a:schemeClr val="accent1"/>
-          </a:effectRef>
-          <a:fontRef idx="minor">
-            <a:schemeClr val="tx1"/>
-          </a:fontRef>
-        </p:style>
-      </p:cxnSp>
-    </p:spTree>
-    <p:extLst>
-      <p:ext uri="{BB962C8B-B14F-4D97-AF65-F5344CB8AC3E}">
-        <p14:creationId xmlns:p14="http://schemas.microsoft.com/office/powerpoint/2010/main" val="1837530978"/>
-      </p:ext>
-    </p:extLst>
-  </p:cSld>
-  <p:clrMapOvr>
-    <a:masterClrMapping/>
-  </p:clrMapOvr>
-  <p:timing>
-    <p:tnLst>
-      <p:par>
-        <p:cTn id="1" dur="indefinite" restart="never" nodeType="tmRoot">
-          <p:childTnLst>
-            <p:seq concurrent="1" nextAc="seek">
-              <p:cTn id="2" dur="indefinite" nodeType="mainSeq">
-                <p:childTnLst>
-                  <p:par>
-                    <p:cTn id="3" fill="hold">
-                      <p:stCondLst>
-                        <p:cond delay="indefinite"/>
-                        <p:cond evt="onBegin" delay="0">
-                          <p:tn val="2"/>
-                        </p:cond>
-                      </p:stCondLst>
-                      <p:childTnLst>
-                        <p:par>
-                          <p:cTn id="4" fill="hold">
-                            <p:stCondLst>
-                              <p:cond delay="0"/>
-                            </p:stCondLst>
-                            <p:childTnLst>
-                              <p:par>
-                                <p:cTn id="5" presetID="2" presetClass="entr" presetSubtype="8" decel="100000" fill="hold" grpId="0" nodeType="withEffect">
-                                  <p:stCondLst>
-                                    <p:cond delay="0"/>
-                                  </p:stCondLst>
-                                  <p:childTnLst>
-                                    <p:set>
-                                      <p:cBhvr>
-                                        <p:cTn id="6" dur="1" fill="hold">
-                                          <p:stCondLst>
-                                            <p:cond delay="0"/>
-                                          </p:stCondLst>
-                                        </p:cTn>
-                                        <p:tgtEl>
-                                          <p:spTgt spid="2"/>
-                                        </p:tgtEl>
-                                        <p:attrNameLst>
-                                          <p:attrName>style.visibility</p:attrName>
-                                        </p:attrNameLst>
-                                      </p:cBhvr>
-                                      <p:to>
-                                        <p:strVal val="visible"/>
-                                      </p:to>
-                                    </p:set>
-                                    <p:anim calcmode="lin" valueType="num">
-                                      <p:cBhvr additive="base">
-                                        <p:cTn id="7" dur="1000" fill="hold"/>
-                                        <p:tgtEl>
-                                          <p:spTgt spid="2"/>
-                                        </p:tgtEl>
-                                        <p:attrNameLst>
-                                          <p:attrName>ppt_x</p:attrName>
-                                        </p:attrNameLst>
-                                      </p:cBhvr>
-                                      <p:tavLst>
-                                        <p:tav tm="0">
-                                          <p:val>
-                                            <p:strVal val="0-#ppt_w/2"/>
-                                          </p:val>
-                                        </p:tav>
-                                        <p:tav tm="100000">
-                                          <p:val>
-                                            <p:strVal val="#ppt_x"/>
-                                          </p:val>
-                                        </p:tav>
-                                      </p:tavLst>
-                                    </p:anim>
-                                    <p:anim calcmode="lin" valueType="num">
-                                      <p:cBhvr additive="base">
-                                        <p:cTn id="8" dur="1000" fill="hold"/>
-                                        <p:tgtEl>
-                                          <p:spTgt spid="2"/>
-                                        </p:tgtEl>
-                                        <p:attrNameLst>
-                                          <p:attrName>ppt_y</p:attrName>
-                                        </p:attrNameLst>
-                                      </p:cBhvr>
-                                      <p:tavLst>
-                                        <p:tav tm="0">
-                                          <p:val>
-                                            <p:strVal val="#ppt_y"/>
-                                          </p:val>
-                                        </p:tav>
-                                        <p:tav tm="100000">
-                                          <p:val>
-                                            <p:strVal val="#ppt_y"/>
-                                          </p:val>
-                                        </p:tav>
-                                      </p:tavLst>
-                                    </p:anim>
-                                  </p:childTnLst>
-                                </p:cTn>
-                              </p:par>
-                            </p:childTnLst>
-                          </p:cTn>
-                        </p:par>
-                        <p:par>
-                          <p:cTn id="9" fill="hold">
-                            <p:stCondLst>
-                              <p:cond delay="1000"/>
-                            </p:stCondLst>
-                            <p:childTnLst>
-                              <p:par>
-                                <p:cTn id="10" presetID="2" presetClass="entr" presetSubtype="4" fill="hold" nodeType="afterEffect">
-                                  <p:stCondLst>
-                                    <p:cond delay="0"/>
-                                  </p:stCondLst>
-                                  <p:childTnLst>
-                                    <p:set>
-                                      <p:cBhvr>
-                                        <p:cTn id="11" dur="1" fill="hold">
-                                          <p:stCondLst>
-                                            <p:cond delay="0"/>
-                                          </p:stCondLst>
-                                        </p:cTn>
-                                        <p:tgtEl>
-                                          <p:spTgt spid="4"/>
-                                        </p:tgtEl>
-                                        <p:attrNameLst>
-                                          <p:attrName>style.visibility</p:attrName>
-                                        </p:attrNameLst>
-                                      </p:cBhvr>
-                                      <p:to>
-                                        <p:strVal val="visible"/>
-                                      </p:to>
-                                    </p:set>
-                                    <p:anim calcmode="lin" valueType="num">
-                                      <p:cBhvr additive="base">
-                                        <p:cTn id="12" dur="500" fill="hold"/>
-                                        <p:tgtEl>
-                                          <p:spTgt spid="4"/>
-                                        </p:tgtEl>
-                                        <p:attrNameLst>
-                                          <p:attrName>ppt_x</p:attrName>
-                                        </p:attrNameLst>
-                                      </p:cBhvr>
-                                      <p:tavLst>
-                                        <p:tav tm="0">
-                                          <p:val>
-                                            <p:strVal val="#ppt_x"/>
-                                          </p:val>
-                                        </p:tav>
-                                        <p:tav tm="100000">
-                                          <p:val>
-                                            <p:strVal val="#ppt_x"/>
-                                          </p:val>
-                                        </p:tav>
-                                      </p:tavLst>
-                                    </p:anim>
-                                    <p:anim calcmode="lin" valueType="num">
-                                      <p:cBhvr additive="base">
-                                        <p:cTn id="13" dur="500" fill="hold"/>
-                                        <p:tgtEl>
-                                          <p:spTgt spid="4"/>
-                                        </p:tgtEl>
-                                        <p:attrNameLst>
-                                          <p:attrName>ppt_y</p:attrName>
-                                        </p:attrNameLst>
-                                      </p:cBhvr>
-                                      <p:tavLst>
-                                        <p:tav tm="0">
-                                          <p:val>
-                                            <p:strVal val="1+#ppt_h/2"/>
-                                          </p:val>
-                                        </p:tav>
-                                        <p:tav tm="100000">
-                                          <p:val>
-                                            <p:strVal val="#ppt_y"/>
-                                          </p:val>
-                                        </p:tav>
-                                      </p:tavLst>
-                                    </p:anim>
-                                  </p:childTnLst>
-                                </p:cTn>
-                              </p:par>
-                            </p:childTnLst>
-                          </p:cTn>
-                        </p:par>
-                      </p:childTnLst>
-                    </p:cTn>
-                  </p:par>
-                </p:childTnLst>
-              </p:cTn>
-              <p:prevCondLst>
-                <p:cond evt="onPrev" delay="0">
-                  <p:tgtEl>
-                    <p:sldTgt/>
-                  </p:tgtEl>
-                </p:cond>
-              </p:prevCondLst>
-              <p:nextCondLst>
-                <p:cond evt="onNext" delay="0">
-                  <p:tgtEl>
-                    <p:sldTgt/>
-                  </p:tgtEl>
-                </p:cond>
-              </p:nextCondLst>
-            </p:seq>
-          </p:childTnLst>
-        </p:cTn>
-      </p:par>
-    </p:tnLst>
-    <p:bldLst>
-      <p:bldP spid="2" grpId="0"/>
-    </p:bldLst>
-  </p:timing>
-</p:sld>
-</file>
-
-<file path=ppt/slides/slide5.xml><?xml version="1.0" encoding="utf-8"?>
-<p:sld xmlns:a="http://schemas.openxmlformats.org/drawingml/2006/main" xmlns:r="http://schemas.openxmlformats.org/officeDocument/2006/relationships" xmlns:p="http://schemas.openxmlformats.org/presentationml/2006/main">
-  <p:cSld>
-    <p:spTree>
-      <p:nvGrpSpPr>
-        <p:cNvPr id="1" name=""/>
-        <p:cNvGrpSpPr/>
-        <p:nvPr/>
-      </p:nvGrpSpPr>
-      <p:grpSpPr>
-        <a:xfrm>
-          <a:off x="0" y="0"/>
-          <a:ext cx="0" cy="0"/>
-          <a:chOff x="0" y="0"/>
-          <a:chExt cx="0" cy="0"/>
-        </a:xfrm>
-      </p:grpSpPr>
-      <p:sp>
-        <p:nvSpPr>
-          <p:cNvPr id="2" name="Marcador de texto 4"/>
-          <p:cNvSpPr txBox="1">
-            <a:spLocks/>
-          </p:cNvSpPr>
-          <p:nvPr/>
-        </p:nvSpPr>
-        <p:spPr>
-          <a:xfrm>
-            <a:off x="1886648" y="1053149"/>
+            <a:off x="2246688" y="1053149"/>
             <a:ext cx="17101901" cy="1802637"/>
           </a:xfrm>
           <a:prstGeom prst="rect">
@@ -27586,7 +27940,7 @@
           </a:lstStyle>
           <a:p>
             <a:r>
-              <a:rPr lang="en-US" sz="6600" dirty="0" smtClean="0">
+              <a:rPr lang="en-US" sz="4400" dirty="0" smtClean="0">
                 <a:solidFill>
                   <a:schemeClr val="accent3">
                     <a:lumMod val="75000"/>
@@ -27595,9 +27949,21 @@
                 <a:ea typeface="Open Sans Semibold" panose="020B0706030804020204" pitchFamily="34" charset="0"/>
                 <a:cs typeface="Open Sans Semibold" panose="020B0706030804020204" pitchFamily="34" charset="0"/>
               </a:rPr>
-              <a:t>Generic Wildcard</a:t>
-            </a:r>
-            <a:endParaRPr lang="en-US" sz="6600" dirty="0">
+              <a:t>Hibernate: Transactions </a:t>
+            </a:r>
+            <a:r>
+              <a:rPr lang="en-US" sz="4400" dirty="0">
+                <a:solidFill>
+                  <a:schemeClr val="accent3">
+                    <a:lumMod val="75000"/>
+                  </a:schemeClr>
+                </a:solidFill>
+                <a:ea typeface="Open Sans Semibold" panose="020B0706030804020204" pitchFamily="34" charset="0"/>
+                <a:cs typeface="Open Sans Semibold" panose="020B0706030804020204" pitchFamily="34" charset="0"/>
+              </a:rPr>
+              <a:t>and Concurrency</a:t>
+            </a:r>
+            <a:endParaRPr lang="en-US" sz="4400" dirty="0">
               <a:solidFill>
                 <a:schemeClr val="accent3">
                   <a:lumMod val="75000"/>
@@ -27609,168 +27975,16 @@
           </a:p>
         </p:txBody>
       </p:sp>
-      <p:sp>
-        <p:nvSpPr>
-          <p:cNvPr id="3" name="TextBox 2"/>
-          <p:cNvSpPr txBox="1"/>
-          <p:nvPr/>
-        </p:nvSpPr>
-        <p:spPr>
-          <a:xfrm>
-            <a:off x="1886648" y="2853610"/>
-            <a:ext cx="20522281" cy="10064294"/>
-          </a:xfrm>
-          <a:prstGeom prst="rect">
-            <a:avLst/>
-          </a:prstGeom>
-          <a:noFill/>
-        </p:spPr>
-        <p:txBody>
-          <a:bodyPr wrap="square" rtlCol="0">
-            <a:spAutoFit/>
-          </a:bodyPr>
-          <a:lstStyle/>
-          <a:p>
-            <a:pPr marL="571500" indent="-571500" algn="just">
-              <a:buFont typeface="Arial" panose="020B0604020202020204" pitchFamily="34" charset="0"/>
-              <a:buChar char="•"/>
-            </a:pPr>
-            <a:r>
-              <a:rPr lang="en-IN" sz="3600" dirty="0"/>
-              <a:t>In generic code, the question mark (?), called the wildcard, represents an unknown type. The wildcard can be used in a variety of situations: as the type of a parameter, field, or local variable; sometimes as a return type (though it is better programming practice to be more specific). The wildcard is never used as a type argument for a generic method invocation, a generic class instance creation, or a </a:t>
-            </a:r>
-            <a:r>
-              <a:rPr lang="en-IN" sz="3600" dirty="0" err="1"/>
-              <a:t>supertype</a:t>
-            </a:r>
-            <a:r>
-              <a:rPr lang="en-IN" sz="3600" dirty="0" smtClean="0"/>
-              <a:t>.</a:t>
-            </a:r>
-          </a:p>
-          <a:p>
-            <a:pPr marL="571500" indent="-571500" algn="just">
-              <a:buFont typeface="Arial" panose="020B0604020202020204" pitchFamily="34" charset="0"/>
-              <a:buChar char="•"/>
-            </a:pPr>
-            <a:r>
-              <a:rPr lang="en-IN" sz="3600" dirty="0"/>
-              <a:t>Upper Bounded </a:t>
-            </a:r>
-            <a:r>
-              <a:rPr lang="en-IN" sz="3600" dirty="0" smtClean="0"/>
-              <a:t>Wildcards:</a:t>
-            </a:r>
-          </a:p>
-          <a:p>
-            <a:pPr marL="1779783" lvl="1" indent="-571500" algn="just">
-              <a:buFont typeface="Arial" panose="020B0604020202020204" pitchFamily="34" charset="0"/>
-              <a:buChar char="•"/>
-            </a:pPr>
-            <a:r>
-              <a:rPr lang="en-IN" sz="3600" dirty="0"/>
-              <a:t>You can use an upper bounded wildcard to relax the restrictions on a variable. For example, say you want to write a method that works on List&lt;Integer&gt;, List&lt;Double&gt;, and List&lt;Number&gt;; you can achieve this by using an upper bounded wildcard</a:t>
-            </a:r>
-            <a:r>
-              <a:rPr lang="en-IN" sz="3600" dirty="0" smtClean="0"/>
-              <a:t>.</a:t>
-            </a:r>
-          </a:p>
-          <a:p>
-            <a:pPr marL="571500" indent="-571500" algn="just">
-              <a:buFont typeface="Arial" panose="020B0604020202020204" pitchFamily="34" charset="0"/>
-              <a:buChar char="•"/>
-            </a:pPr>
-            <a:r>
-              <a:rPr lang="en-IN" sz="3600" dirty="0"/>
-              <a:t>Unbounded Wildcards: The unbounded wildcard type is specified using the wildcard character (?), for example, List&lt;?&gt;. This is called a list of unknown type. There are two scenarios where an unbounded wildcard is a useful approach</a:t>
-            </a:r>
-            <a:r>
-              <a:rPr lang="en-IN" sz="3600" dirty="0" smtClean="0"/>
-              <a:t>:</a:t>
-            </a:r>
-          </a:p>
-          <a:p>
-            <a:pPr marL="1779783" lvl="1" indent="-571500" algn="just">
-              <a:buFont typeface="Arial" panose="020B0604020202020204" pitchFamily="34" charset="0"/>
-              <a:buChar char="•"/>
-            </a:pPr>
-            <a:r>
-              <a:rPr lang="en-IN" sz="3600" dirty="0"/>
-              <a:t>If you are writing a method that can be implemented using functionality provided in the Object class</a:t>
-            </a:r>
-            <a:r>
-              <a:rPr lang="en-IN" sz="3600" dirty="0" smtClean="0"/>
-              <a:t>.</a:t>
-            </a:r>
-          </a:p>
-          <a:p>
-            <a:pPr marL="1779783" lvl="1" indent="-571500" algn="just">
-              <a:buFont typeface="Arial" panose="020B0604020202020204" pitchFamily="34" charset="0"/>
-              <a:buChar char="•"/>
-            </a:pPr>
-            <a:r>
-              <a:rPr lang="en-IN" sz="3600" dirty="0" smtClean="0"/>
-              <a:t>When </a:t>
-            </a:r>
-            <a:r>
-              <a:rPr lang="en-IN" sz="3600" dirty="0"/>
-              <a:t>the code is using methods in the generic class that don't depend on the type parameter</a:t>
-            </a:r>
-            <a:r>
-              <a:rPr lang="en-IN" sz="3600" dirty="0" smtClean="0"/>
-              <a:t>.</a:t>
-            </a:r>
-          </a:p>
-          <a:p>
-            <a:pPr marL="571500" indent="-571500" algn="just">
-              <a:buFont typeface="Arial" panose="020B0604020202020204" pitchFamily="34" charset="0"/>
-              <a:buChar char="•"/>
-            </a:pPr>
-            <a:r>
-              <a:rPr lang="en-IN" sz="3600" dirty="0"/>
-              <a:t>Lower Bounded Wildcards: </a:t>
-            </a:r>
-            <a:r>
-              <a:rPr lang="en-IN" sz="3600" dirty="0" smtClean="0"/>
-              <a:t>In </a:t>
-            </a:r>
-            <a:r>
-              <a:rPr lang="en-IN" sz="3600" dirty="0"/>
-              <a:t>a similar way, a lower bounded wildcard restricts the unknown type to be a specific type or a super type of that type</a:t>
-            </a:r>
-            <a:r>
-              <a:rPr lang="en-IN" sz="3600" dirty="0" smtClean="0"/>
-              <a:t>.</a:t>
-            </a:r>
-          </a:p>
-          <a:p>
-            <a:pPr marL="1779783" lvl="1" indent="-571500" algn="just">
-              <a:buFont typeface="Arial" panose="020B0604020202020204" pitchFamily="34" charset="0"/>
-              <a:buChar char="•"/>
-            </a:pPr>
-            <a:r>
-              <a:rPr lang="en-IN" sz="3600" dirty="0"/>
-              <a:t>A lower bounded wildcard is expressed using the wildcard character ('?'), following by the super keyword, followed by its lower bound: &lt;? super A</a:t>
-            </a:r>
-            <a:r>
-              <a:rPr lang="en-IN" sz="3600" dirty="0" smtClean="0"/>
-              <a:t>&gt;.</a:t>
-            </a:r>
-            <a:endParaRPr lang="en-IN" sz="3600" dirty="0"/>
-          </a:p>
-        </p:txBody>
-      </p:sp>
       <p:cxnSp>
         <p:nvCxnSpPr>
-          <p:cNvPr id="4" name="10 Conector recto"/>
+          <p:cNvPr id="34" name="10 Conector recto"/>
           <p:cNvCxnSpPr/>
           <p:nvPr/>
         </p:nvCxnSpPr>
         <p:spPr>
-          <a:xfrm flipV="1">
-            <a:off x="1886648" y="2193130"/>
-            <a:ext cx="6210691" cy="30158"/>
+          <a:xfrm>
+            <a:off x="2246688" y="1955687"/>
+            <a:ext cx="9811091" cy="0"/>
           </a:xfrm>
           <a:prstGeom prst="line">
             <a:avLst/>
@@ -27796,10 +28010,43 @@
           </a:fontRef>
         </p:style>
       </p:cxnSp>
+      <p:sp>
+        <p:nvSpPr>
+          <p:cNvPr id="35" name="TextBox 34"/>
+          <p:cNvSpPr txBox="1"/>
+          <p:nvPr/>
+        </p:nvSpPr>
+        <p:spPr>
+          <a:xfrm>
+            <a:off x="2246688" y="2855786"/>
+            <a:ext cx="19982220" cy="646331"/>
+          </a:xfrm>
+          <a:prstGeom prst="rect">
+            <a:avLst/>
+          </a:prstGeom>
+          <a:noFill/>
+        </p:spPr>
+        <p:txBody>
+          <a:bodyPr wrap="square" rtlCol="0">
+            <a:spAutoFit/>
+          </a:bodyPr>
+          <a:lstStyle/>
+          <a:p>
+            <a:pPr marL="571500" indent="-571500">
+              <a:buFont typeface="Arial" panose="020B0604020202020204" pitchFamily="34" charset="0"/>
+              <a:buChar char="•"/>
+            </a:pPr>
+            <a:r>
+              <a:rPr lang="en-US" sz="3600" dirty="0" smtClean="0"/>
+              <a:t>Let’s take a look at the usage of Hibernate transactions in different scenarios using Hibernate:</a:t>
+            </a:r>
+          </a:p>
+        </p:txBody>
+      </p:sp>
     </p:spTree>
     <p:extLst>
       <p:ext uri="{BB962C8B-B14F-4D97-AF65-F5344CB8AC3E}">
-        <p14:creationId xmlns:p14="http://schemas.microsoft.com/office/powerpoint/2010/main" val="658282490"/>
+        <p14:creationId xmlns:p14="http://schemas.microsoft.com/office/powerpoint/2010/main" val="1748814933"/>
       </p:ext>
     </p:extLst>
   </p:cSld>
@@ -27843,7 +28090,7 @@
                                           </p:stCondLst>
                                         </p:cTn>
                                         <p:tgtEl>
-                                          <p:spTgt spid="2"/>
+                                          <p:spTgt spid="33"/>
                                         </p:tgtEl>
                                         <p:attrNameLst>
                                           <p:attrName>style.visibility</p:attrName>
@@ -27857,7 +28104,7 @@
                                       <p:cBhvr additive="base">
                                         <p:cTn id="7" dur="1000" fill="hold"/>
                                         <p:tgtEl>
-                                          <p:spTgt spid="2"/>
+                                          <p:spTgt spid="33"/>
                                         </p:tgtEl>
                                         <p:attrNameLst>
                                           <p:attrName>ppt_x</p:attrName>
@@ -27880,7 +28127,7 @@
                                       <p:cBhvr additive="base">
                                         <p:cTn id="8" dur="1000" fill="hold"/>
                                         <p:tgtEl>
-                                          <p:spTgt spid="2"/>
+                                          <p:spTgt spid="33"/>
                                         </p:tgtEl>
                                         <p:attrNameLst>
                                           <p:attrName>ppt_y</p:attrName>
@@ -27925,7 +28172,7 @@
                                           </p:stCondLst>
                                         </p:cTn>
                                         <p:tgtEl>
-                                          <p:spTgt spid="4"/>
+                                          <p:spTgt spid="34"/>
                                         </p:tgtEl>
                                         <p:attrNameLst>
                                           <p:attrName>style.visibility</p:attrName>
@@ -27939,7 +28186,7 @@
                                       <p:cBhvr additive="base">
                                         <p:cTn id="12" dur="500" fill="hold"/>
                                         <p:tgtEl>
-                                          <p:spTgt spid="4"/>
+                                          <p:spTgt spid="34"/>
                                         </p:tgtEl>
                                         <p:attrNameLst>
                                           <p:attrName>ppt_x</p:attrName>
@@ -27962,7 +28209,7 @@
                                       <p:cBhvr additive="base">
                                         <p:cTn id="13" dur="500" fill="hold"/>
                                         <p:tgtEl>
-                                          <p:spTgt spid="4"/>
+                                          <p:spTgt spid="34"/>
                                         </p:tgtEl>
                                         <p:attrNameLst>
                                           <p:attrName>ppt_y</p:attrName>
@@ -28012,13 +28259,13 @@
       </p:par>
     </p:tnLst>
     <p:bldLst>
-      <p:bldP spid="2" grpId="0"/>
+      <p:bldP spid="33" grpId="0"/>
     </p:bldLst>
   </p:timing>
 </p:sld>
 </file>
 
-<file path=ppt/slides/slide6.xml><?xml version="1.0" encoding="utf-8"?>
+<file path=ppt/slides/slide5.xml><?xml version="1.0" encoding="utf-8"?>
 <p:sld xmlns:a="http://schemas.openxmlformats.org/drawingml/2006/main" xmlns:r="http://schemas.openxmlformats.org/officeDocument/2006/relationships" xmlns:p="http://schemas.openxmlformats.org/presentationml/2006/main">
   <p:cSld>
     <p:spTree>
@@ -28037,7 +28284,7 @@
       </p:grpSpPr>
       <p:sp>
         <p:nvSpPr>
-          <p:cNvPr id="2" name="Marcador de texto 4"/>
+          <p:cNvPr id="33" name="Marcador de texto 4"/>
           <p:cNvSpPr txBox="1">
             <a:spLocks/>
           </p:cNvSpPr>
@@ -28045,7 +28292,7 @@
         </p:nvSpPr>
         <p:spPr>
           <a:xfrm>
-            <a:off x="1886648" y="1053149"/>
+            <a:off x="2246688" y="1053149"/>
             <a:ext cx="17101901" cy="1802637"/>
           </a:xfrm>
           <a:prstGeom prst="rect">
@@ -28220,7 +28467,7 @@
           </a:lstStyle>
           <a:p>
             <a:r>
-              <a:rPr lang="en-US" sz="6600" dirty="0" smtClean="0">
+              <a:rPr lang="en-US" sz="4400" dirty="0" smtClean="0">
                 <a:solidFill>
                   <a:schemeClr val="accent3">
                     <a:lumMod val="75000"/>
@@ -28229,9 +28476,9 @@
                 <a:ea typeface="Open Sans Semibold" panose="020B0706030804020204" pitchFamily="34" charset="0"/>
                 <a:cs typeface="Open Sans Semibold" panose="020B0706030804020204" pitchFamily="34" charset="0"/>
               </a:rPr>
-              <a:t>Type Erasure</a:t>
-            </a:r>
-            <a:endParaRPr lang="en-US" sz="6600" dirty="0">
+              <a:t>Hibernate: Interceptors</a:t>
+            </a:r>
+            <a:endParaRPr lang="en-US" sz="4400" dirty="0">
               <a:solidFill>
                 <a:schemeClr val="accent3">
                   <a:lumMod val="75000"/>
@@ -28243,192 +28490,16 @@
           </a:p>
         </p:txBody>
       </p:sp>
-      <p:sp>
-        <p:nvSpPr>
-          <p:cNvPr id="3" name="TextBox 2"/>
-          <p:cNvSpPr txBox="1"/>
-          <p:nvPr/>
-        </p:nvSpPr>
-        <p:spPr>
-          <a:xfrm>
-            <a:off x="1904567" y="2538314"/>
-            <a:ext cx="20522281" cy="10618291"/>
-          </a:xfrm>
-          <a:prstGeom prst="rect">
-            <a:avLst/>
-          </a:prstGeom>
-          <a:noFill/>
-        </p:spPr>
-        <p:txBody>
-          <a:bodyPr wrap="square" rtlCol="0">
-            <a:spAutoFit/>
-          </a:bodyPr>
-          <a:lstStyle/>
-          <a:p>
-            <a:pPr marL="571500" indent="-571500" algn="just">
-              <a:buFont typeface="Arial" panose="020B0604020202020204" pitchFamily="34" charset="0"/>
-              <a:buChar char="•"/>
-            </a:pPr>
-            <a:r>
-              <a:rPr lang="en-IN" sz="3600" dirty="0"/>
-              <a:t>Generics were introduced to the Java language to provide tighter type checks at compile time and to support generic programming. To implement generics, the Java compiler applies type erasure to</a:t>
-            </a:r>
-            <a:r>
-              <a:rPr lang="en-IN" sz="3600" dirty="0" smtClean="0"/>
-              <a:t>:</a:t>
-            </a:r>
-          </a:p>
-          <a:p>
-            <a:pPr marL="1779783" lvl="1" indent="-571500" algn="just">
-              <a:buFont typeface="Arial" panose="020B0604020202020204" pitchFamily="34" charset="0"/>
-              <a:buChar char="•"/>
-            </a:pPr>
-            <a:r>
-              <a:rPr lang="en-IN" sz="3600" dirty="0" smtClean="0"/>
-              <a:t>Replace </a:t>
-            </a:r>
-            <a:r>
-              <a:rPr lang="en-IN" sz="3600" dirty="0"/>
-              <a:t>all type parameters in generic types with their bounds or Object if the type parameters are unbounded. The produced bytecode, therefore, contains only ordinary classes, interfaces, and methods</a:t>
-            </a:r>
-            <a:r>
-              <a:rPr lang="en-IN" sz="3600" dirty="0" smtClean="0"/>
-              <a:t>.</a:t>
-            </a:r>
-          </a:p>
-          <a:p>
-            <a:pPr marL="1779783" lvl="1" indent="-571500" algn="just">
-              <a:buFont typeface="Arial" panose="020B0604020202020204" pitchFamily="34" charset="0"/>
-              <a:buChar char="•"/>
-            </a:pPr>
-            <a:r>
-              <a:rPr lang="en-IN" sz="3600" dirty="0" smtClean="0"/>
-              <a:t>Insert </a:t>
-            </a:r>
-            <a:r>
-              <a:rPr lang="en-IN" sz="3600" dirty="0"/>
-              <a:t>type casts if necessary to preserve type safety</a:t>
-            </a:r>
-            <a:r>
-              <a:rPr lang="en-IN" sz="3600" dirty="0" smtClean="0"/>
-              <a:t>.</a:t>
-            </a:r>
-          </a:p>
-          <a:p>
-            <a:pPr marL="1779783" lvl="1" indent="-571500" algn="just">
-              <a:buFont typeface="Arial" panose="020B0604020202020204" pitchFamily="34" charset="0"/>
-              <a:buChar char="•"/>
-            </a:pPr>
-            <a:r>
-              <a:rPr lang="en-IN" sz="3600" dirty="0" smtClean="0"/>
-              <a:t>Generate </a:t>
-            </a:r>
-            <a:r>
-              <a:rPr lang="en-IN" sz="3600" dirty="0"/>
-              <a:t>bridge methods to preserve polymorphism in extended generic types</a:t>
-            </a:r>
-            <a:r>
-              <a:rPr lang="en-IN" sz="3600" dirty="0" smtClean="0"/>
-              <a:t>.</a:t>
-            </a:r>
-          </a:p>
-          <a:p>
-            <a:pPr marL="571500" indent="-571500" algn="just">
-              <a:buFont typeface="Arial" panose="020B0604020202020204" pitchFamily="34" charset="0"/>
-              <a:buChar char="•"/>
-            </a:pPr>
-            <a:r>
-              <a:rPr lang="en-IN" sz="3600" dirty="0" smtClean="0"/>
-              <a:t>Type </a:t>
-            </a:r>
-            <a:r>
-              <a:rPr lang="en-IN" sz="3600" dirty="0"/>
-              <a:t>erasure ensures that no new classes are created for parameterized types; consequently, generics incur no runtime overhead</a:t>
-            </a:r>
-            <a:r>
-              <a:rPr lang="en-IN" sz="3600" dirty="0" smtClean="0"/>
-              <a:t>.</a:t>
-            </a:r>
-          </a:p>
-          <a:p>
-            <a:pPr marL="571500" indent="-571500" algn="just">
-              <a:buFont typeface="Arial" panose="020B0604020202020204" pitchFamily="34" charset="0"/>
-              <a:buChar char="•"/>
-            </a:pPr>
-            <a:r>
-              <a:rPr lang="en-IN" sz="3600" dirty="0"/>
-              <a:t>During the type erasure process, the Java compiler erases all type parameters and replaces each with its first bound if the type parameter is bounded, or Object if the type parameter is unbounded</a:t>
-            </a:r>
-            <a:r>
-              <a:rPr lang="en-IN" sz="3600" dirty="0" smtClean="0"/>
-              <a:t>.</a:t>
-            </a:r>
-          </a:p>
-          <a:p>
-            <a:pPr marL="571500" indent="-571500" algn="just">
-              <a:buFont typeface="Arial" panose="020B0604020202020204" pitchFamily="34" charset="0"/>
-              <a:buChar char="•"/>
-            </a:pPr>
-            <a:r>
-              <a:rPr lang="en-IN" sz="3600" dirty="0"/>
-              <a:t>The Java compiler also erases type parameters in generic method arguments</a:t>
-            </a:r>
-            <a:r>
-              <a:rPr lang="en-IN" sz="3600" dirty="0" smtClean="0"/>
-              <a:t>.</a:t>
-            </a:r>
-          </a:p>
-          <a:p>
-            <a:pPr marL="571500" indent="-571500" algn="just">
-              <a:buFont typeface="Arial" panose="020B0604020202020204" pitchFamily="34" charset="0"/>
-              <a:buChar char="•"/>
-            </a:pPr>
-            <a:r>
-              <a:rPr lang="en-IN" sz="3600" dirty="0"/>
-              <a:t>Sometimes type erasure causes a situation that you may not have anticipated</a:t>
-            </a:r>
-            <a:r>
-              <a:rPr lang="en-IN" sz="3600" dirty="0" smtClean="0"/>
-              <a:t>.</a:t>
-            </a:r>
-          </a:p>
-          <a:p>
-            <a:pPr marL="571500" indent="-571500" algn="just">
-              <a:buFont typeface="Arial" panose="020B0604020202020204" pitchFamily="34" charset="0"/>
-              <a:buChar char="•"/>
-            </a:pPr>
-            <a:r>
-              <a:rPr lang="en-IN" sz="3600" dirty="0"/>
-              <a:t>When compiling a class or interface that extends a parameterized class or implements a parameterized interface, the compiler may need to create a synthetic method, called a bridge method, as part of the type erasure process. You normally don't need to worry about bridge methods, but you might be puzzled if one appears in a stack trace</a:t>
-            </a:r>
-            <a:r>
-              <a:rPr lang="en-IN" sz="3600" dirty="0" smtClean="0"/>
-              <a:t>.</a:t>
-            </a:r>
-          </a:p>
-          <a:p>
-            <a:pPr marL="571500" indent="-571500" algn="just">
-              <a:buFont typeface="Arial" panose="020B0604020202020204" pitchFamily="34" charset="0"/>
-              <a:buChar char="•"/>
-            </a:pPr>
-            <a:r>
-              <a:rPr lang="en-IN" sz="3600" dirty="0"/>
-              <a:t>To solve this problem and preserve the polymorphism of generic types after type erasure, a Java compiler generates a bridge method to ensure that subtyping works as expected.</a:t>
-            </a:r>
-            <a:endParaRPr lang="en-IN" sz="3600" dirty="0" smtClean="0"/>
-          </a:p>
-        </p:txBody>
-      </p:sp>
       <p:cxnSp>
         <p:nvCxnSpPr>
-          <p:cNvPr id="4" name="10 Conector recto"/>
+          <p:cNvPr id="34" name="10 Conector recto"/>
           <p:cNvCxnSpPr/>
           <p:nvPr/>
         </p:nvCxnSpPr>
         <p:spPr>
-          <a:xfrm flipV="1">
-            <a:off x="1886648" y="2200560"/>
-            <a:ext cx="4680521" cy="22728"/>
+          <a:xfrm>
+            <a:off x="2246688" y="1955687"/>
+            <a:ext cx="5715636" cy="0"/>
           </a:xfrm>
           <a:prstGeom prst="line">
             <a:avLst/>
@@ -28454,10 +28525,160 @@
           </a:fontRef>
         </p:style>
       </p:cxnSp>
+      <p:sp>
+        <p:nvSpPr>
+          <p:cNvPr id="35" name="TextBox 34"/>
+          <p:cNvSpPr txBox="1"/>
+          <p:nvPr/>
+        </p:nvSpPr>
+        <p:spPr>
+          <a:xfrm>
+            <a:off x="2246688" y="2855786"/>
+            <a:ext cx="19982220" cy="6740307"/>
+          </a:xfrm>
+          <a:prstGeom prst="rect">
+            <a:avLst/>
+          </a:prstGeom>
+          <a:noFill/>
+        </p:spPr>
+        <p:txBody>
+          <a:bodyPr wrap="square" rtlCol="0">
+            <a:spAutoFit/>
+          </a:bodyPr>
+          <a:lstStyle/>
+          <a:p>
+            <a:pPr marL="571500" indent="-571500">
+              <a:buFont typeface="Arial" panose="020B0604020202020204" pitchFamily="34" charset="0"/>
+              <a:buChar char="•"/>
+            </a:pPr>
+            <a:r>
+              <a:rPr lang="en-US" sz="3600" dirty="0"/>
+              <a:t>The Interceptor interface provides callbacks from the session to the application, allowing the application to inspect and/or manipulate properties of a persistent object before it is saved, updated, deleted or loaded. One possible use for this is to track auditing information</a:t>
+            </a:r>
+            <a:r>
+              <a:rPr lang="en-US" sz="3600" dirty="0" smtClean="0"/>
+              <a:t>.</a:t>
+            </a:r>
+          </a:p>
+          <a:p>
+            <a:pPr marL="571500" indent="-571500">
+              <a:buFont typeface="Arial" panose="020B0604020202020204" pitchFamily="34" charset="0"/>
+              <a:buChar char="•"/>
+            </a:pPr>
+            <a:r>
+              <a:rPr lang="en-US" sz="3600" dirty="0"/>
+              <a:t>You can either implement Interceptor directly or extend </a:t>
+            </a:r>
+            <a:r>
+              <a:rPr lang="en-US" sz="3600" dirty="0" err="1"/>
+              <a:t>EmptyInterceptor</a:t>
+            </a:r>
+            <a:r>
+              <a:rPr lang="en-US" sz="3600" dirty="0" smtClean="0"/>
+              <a:t>.</a:t>
+            </a:r>
+          </a:p>
+          <a:p>
+            <a:pPr marL="571500" indent="-571500">
+              <a:buFont typeface="Arial" panose="020B0604020202020204" pitchFamily="34" charset="0"/>
+              <a:buChar char="•"/>
+            </a:pPr>
+            <a:r>
+              <a:rPr lang="en-US" sz="3600" dirty="0"/>
+              <a:t>There are two kinds of </a:t>
+            </a:r>
+            <a:r>
+              <a:rPr lang="en-US" sz="3600" dirty="0" err="1"/>
+              <a:t>inteceptors</a:t>
+            </a:r>
+            <a:r>
+              <a:rPr lang="en-US" sz="3600" dirty="0"/>
+              <a:t>: Session-scoped and </a:t>
+            </a:r>
+            <a:r>
+              <a:rPr lang="en-US" sz="3600" dirty="0" err="1"/>
+              <a:t>SessionFactory</a:t>
+            </a:r>
+            <a:r>
+              <a:rPr lang="en-US" sz="3600" dirty="0"/>
+              <a:t>-scoped</a:t>
+            </a:r>
+            <a:r>
+              <a:rPr lang="en-US" sz="3600" dirty="0" smtClean="0"/>
+              <a:t>.</a:t>
+            </a:r>
+          </a:p>
+          <a:p>
+            <a:pPr marL="571500" indent="-571500">
+              <a:buFont typeface="Arial" panose="020B0604020202020204" pitchFamily="34" charset="0"/>
+              <a:buChar char="•"/>
+            </a:pPr>
+            <a:r>
+              <a:rPr lang="en-US" sz="3600" dirty="0"/>
+              <a:t>A Session-scoped interceptor is specified when a session is opened using one of the overloaded </a:t>
+            </a:r>
+            <a:r>
+              <a:rPr lang="en-US" sz="3600" dirty="0" err="1"/>
+              <a:t>SessionFactory.openSession</a:t>
+            </a:r>
+            <a:r>
+              <a:rPr lang="en-US" sz="3600" dirty="0"/>
+              <a:t>() methods accepting an Interceptor</a:t>
+            </a:r>
+            <a:r>
+              <a:rPr lang="en-US" sz="3600" dirty="0" smtClean="0"/>
+              <a:t>.</a:t>
+            </a:r>
+          </a:p>
+          <a:p>
+            <a:pPr marL="571500" indent="-571500">
+              <a:buFont typeface="Arial" panose="020B0604020202020204" pitchFamily="34" charset="0"/>
+              <a:buChar char="•"/>
+            </a:pPr>
+            <a:r>
+              <a:rPr lang="en-US" sz="3600" dirty="0"/>
+              <a:t>A </a:t>
+            </a:r>
+            <a:r>
+              <a:rPr lang="en-US" sz="3600" dirty="0" err="1"/>
+              <a:t>SessionFactory</a:t>
+            </a:r>
+            <a:r>
+              <a:rPr lang="en-US" sz="3600" dirty="0"/>
+              <a:t>-scoped interceptor is registered with the Configuration object prior to building the </a:t>
+            </a:r>
+            <a:r>
+              <a:rPr lang="en-US" sz="3600" dirty="0" err="1"/>
+              <a:t>SessionFactory</a:t>
+            </a:r>
+            <a:r>
+              <a:rPr lang="en-US" sz="3600" dirty="0"/>
+              <a:t>. Unless a session is opened explicitly specifying the interceptor to use, the supplied interceptor will be applied to all sessions opened from that </a:t>
+            </a:r>
+            <a:r>
+              <a:rPr lang="en-US" sz="3600" dirty="0" err="1"/>
+              <a:t>SessionFactory</a:t>
+            </a:r>
+            <a:r>
+              <a:rPr lang="en-US" sz="3600" dirty="0"/>
+              <a:t>. </a:t>
+            </a:r>
+            <a:r>
+              <a:rPr lang="en-US" sz="3600" dirty="0" err="1"/>
+              <a:t>SessionFactory</a:t>
+            </a:r>
+            <a:r>
+              <a:rPr lang="en-US" sz="3600" dirty="0"/>
+              <a:t>-scoped interceptors must be thread safe. Ensure that you do not store session-specific states, since multiple sessions will use this interceptor potentially concurrently.</a:t>
+            </a:r>
+            <a:endParaRPr lang="en-US" sz="3600" dirty="0" smtClean="0"/>
+          </a:p>
+        </p:txBody>
+      </p:sp>
     </p:spTree>
     <p:extLst>
       <p:ext uri="{BB962C8B-B14F-4D97-AF65-F5344CB8AC3E}">
-        <p14:creationId xmlns:p14="http://schemas.microsoft.com/office/powerpoint/2010/main" val="1476820765"/>
+        <p14:creationId xmlns:p14="http://schemas.microsoft.com/office/powerpoint/2010/main" val="1514930973"/>
       </p:ext>
     </p:extLst>
   </p:cSld>
@@ -28501,7 +28722,7 @@
                                           </p:stCondLst>
                                         </p:cTn>
                                         <p:tgtEl>
-                                          <p:spTgt spid="2"/>
+                                          <p:spTgt spid="33"/>
                                         </p:tgtEl>
                                         <p:attrNameLst>
                                           <p:attrName>style.visibility</p:attrName>
@@ -28515,7 +28736,7 @@
                                       <p:cBhvr additive="base">
                                         <p:cTn id="7" dur="1000" fill="hold"/>
                                         <p:tgtEl>
-                                          <p:spTgt spid="2"/>
+                                          <p:spTgt spid="33"/>
                                         </p:tgtEl>
                                         <p:attrNameLst>
                                           <p:attrName>ppt_x</p:attrName>
@@ -28538,7 +28759,7 @@
                                       <p:cBhvr additive="base">
                                         <p:cTn id="8" dur="1000" fill="hold"/>
                                         <p:tgtEl>
-                                          <p:spTgt spid="2"/>
+                                          <p:spTgt spid="33"/>
                                         </p:tgtEl>
                                         <p:attrNameLst>
                                           <p:attrName>ppt_y</p:attrName>
@@ -28583,7 +28804,7 @@
                                           </p:stCondLst>
                                         </p:cTn>
                                         <p:tgtEl>
-                                          <p:spTgt spid="4"/>
+                                          <p:spTgt spid="34"/>
                                         </p:tgtEl>
                                         <p:attrNameLst>
                                           <p:attrName>style.visibility</p:attrName>
@@ -28597,7 +28818,7 @@
                                       <p:cBhvr additive="base">
                                         <p:cTn id="12" dur="500" fill="hold"/>
                                         <p:tgtEl>
-                                          <p:spTgt spid="4"/>
+                                          <p:spTgt spid="34"/>
                                         </p:tgtEl>
                                         <p:attrNameLst>
                                           <p:attrName>ppt_x</p:attrName>
@@ -28620,7 +28841,7 @@
                                       <p:cBhvr additive="base">
                                         <p:cTn id="13" dur="500" fill="hold"/>
                                         <p:tgtEl>
-                                          <p:spTgt spid="4"/>
+                                          <p:spTgt spid="34"/>
                                         </p:tgtEl>
                                         <p:attrNameLst>
                                           <p:attrName>ppt_y</p:attrName>
@@ -28670,13 +28891,13 @@
       </p:par>
     </p:tnLst>
     <p:bldLst>
-      <p:bldP spid="2" grpId="0"/>
+      <p:bldP spid="33" grpId="0"/>
     </p:bldLst>
   </p:timing>
 </p:sld>
 </file>
 
-<file path=ppt/slides/slide7.xml><?xml version="1.0" encoding="utf-8"?>
+<file path=ppt/slides/slide6.xml><?xml version="1.0" encoding="utf-8"?>
 <p:sld xmlns:a="http://schemas.openxmlformats.org/drawingml/2006/main" xmlns:r="http://schemas.openxmlformats.org/officeDocument/2006/relationships" xmlns:p="http://schemas.openxmlformats.org/presentationml/2006/main">
   <p:cSld>
     <p:spTree>
@@ -28695,7 +28916,7 @@
       </p:grpSpPr>
       <p:sp>
         <p:nvSpPr>
-          <p:cNvPr id="2" name="Marcador de texto 4"/>
+          <p:cNvPr id="33" name="Marcador de texto 4"/>
           <p:cNvSpPr txBox="1">
             <a:spLocks/>
           </p:cNvSpPr>
@@ -28703,7 +28924,7 @@
         </p:nvSpPr>
         <p:spPr>
           <a:xfrm>
-            <a:off x="1886648" y="1053149"/>
+            <a:off x="2246688" y="1053149"/>
             <a:ext cx="17101901" cy="1802637"/>
           </a:xfrm>
           <a:prstGeom prst="rect">
@@ -28878,7 +29099,7 @@
           </a:lstStyle>
           <a:p>
             <a:r>
-              <a:rPr lang="en-US" sz="6600" dirty="0" smtClean="0">
+              <a:rPr lang="en-US" sz="4400" dirty="0" smtClean="0">
                 <a:solidFill>
                   <a:schemeClr val="accent3">
                     <a:lumMod val="75000"/>
@@ -28887,9 +29108,9 @@
                 <a:ea typeface="Open Sans Semibold" panose="020B0706030804020204" pitchFamily="34" charset="0"/>
                 <a:cs typeface="Open Sans Semibold" panose="020B0706030804020204" pitchFamily="34" charset="0"/>
               </a:rPr>
-              <a:t>Internationalization and Localization</a:t>
-            </a:r>
-            <a:endParaRPr lang="en-US" sz="6600" dirty="0">
+              <a:t>Hibernate: Event System</a:t>
+            </a:r>
+            <a:endParaRPr lang="en-US" sz="4400" dirty="0">
               <a:solidFill>
                 <a:schemeClr val="accent3">
                   <a:lumMod val="75000"/>
@@ -28901,190 +29122,16 @@
           </a:p>
         </p:txBody>
       </p:sp>
-      <p:sp>
-        <p:nvSpPr>
-          <p:cNvPr id="3" name="TextBox 2"/>
-          <p:cNvSpPr txBox="1"/>
-          <p:nvPr/>
-        </p:nvSpPr>
-        <p:spPr>
-          <a:xfrm>
-            <a:off x="2201683" y="3573429"/>
-            <a:ext cx="20522281" cy="9510296"/>
-          </a:xfrm>
-          <a:prstGeom prst="rect">
-            <a:avLst/>
-          </a:prstGeom>
-          <a:noFill/>
-        </p:spPr>
-        <p:txBody>
-          <a:bodyPr wrap="square" rtlCol="0">
-            <a:spAutoFit/>
-          </a:bodyPr>
-          <a:lstStyle/>
-          <a:p>
-            <a:pPr marL="571500" indent="-571500" algn="just">
-              <a:buFont typeface="Arial" panose="020B0604020202020204" pitchFamily="34" charset="0"/>
-              <a:buChar char="•"/>
-            </a:pPr>
-            <a:r>
-              <a:rPr lang="en-IN" sz="3600" dirty="0"/>
-              <a:t>Internationalization is the process of designing an application so that it can be adapted to various languages and regions without engineering changes. Sometimes the term internationalization is abbreviated as i18n, because there are 18 letters between the first "</a:t>
-            </a:r>
-            <a:r>
-              <a:rPr lang="en-IN" sz="3600" dirty="0" err="1"/>
-              <a:t>i</a:t>
-            </a:r>
-            <a:r>
-              <a:rPr lang="en-IN" sz="3600" dirty="0"/>
-              <a:t>" and the last "n</a:t>
-            </a:r>
-            <a:r>
-              <a:rPr lang="en-IN" sz="3600" dirty="0" smtClean="0"/>
-              <a:t>.”</a:t>
-            </a:r>
-          </a:p>
-          <a:p>
-            <a:pPr marL="571500" indent="-571500" algn="just">
-              <a:buFont typeface="Arial" panose="020B0604020202020204" pitchFamily="34" charset="0"/>
-              <a:buChar char="•"/>
-            </a:pPr>
-            <a:r>
-              <a:rPr lang="en-IN" sz="3600" dirty="0"/>
-              <a:t>An internationalized program has the following characteristics</a:t>
-            </a:r>
-            <a:r>
-              <a:rPr lang="en-IN" sz="3600" dirty="0" smtClean="0"/>
-              <a:t>:</a:t>
-            </a:r>
-          </a:p>
-          <a:p>
-            <a:pPr marL="1779783" lvl="1" indent="-571500" algn="just">
-              <a:buFont typeface="Arial" panose="020B0604020202020204" pitchFamily="34" charset="0"/>
-              <a:buChar char="•"/>
-            </a:pPr>
-            <a:r>
-              <a:rPr lang="en-IN" sz="3600" dirty="0" smtClean="0"/>
-              <a:t>With </a:t>
-            </a:r>
-            <a:r>
-              <a:rPr lang="en-IN" sz="3600" dirty="0"/>
-              <a:t>the addition of localized data, the same executable can run worldwide</a:t>
-            </a:r>
-            <a:r>
-              <a:rPr lang="en-IN" sz="3600" dirty="0" smtClean="0"/>
-              <a:t>.</a:t>
-            </a:r>
-          </a:p>
-          <a:p>
-            <a:pPr marL="1779783" lvl="1" indent="-571500" algn="just">
-              <a:buFont typeface="Arial" panose="020B0604020202020204" pitchFamily="34" charset="0"/>
-              <a:buChar char="•"/>
-            </a:pPr>
-            <a:r>
-              <a:rPr lang="en-IN" sz="3600" dirty="0" smtClean="0"/>
-              <a:t>Textual </a:t>
-            </a:r>
-            <a:r>
-              <a:rPr lang="en-IN" sz="3600" dirty="0"/>
-              <a:t>elements, such as status messages and the GUI component labels, are not hardcoded in the program. Instead they are stored outside the source code and retrieved dynamically</a:t>
-            </a:r>
-            <a:r>
-              <a:rPr lang="en-IN" sz="3600" dirty="0" smtClean="0"/>
-              <a:t>.</a:t>
-            </a:r>
-          </a:p>
-          <a:p>
-            <a:pPr marL="1779783" lvl="1" indent="-571500" algn="just">
-              <a:buFont typeface="Arial" panose="020B0604020202020204" pitchFamily="34" charset="0"/>
-              <a:buChar char="•"/>
-            </a:pPr>
-            <a:r>
-              <a:rPr lang="en-IN" sz="3600" dirty="0" smtClean="0"/>
-              <a:t>Support </a:t>
-            </a:r>
-            <a:r>
-              <a:rPr lang="en-IN" sz="3600" dirty="0"/>
-              <a:t>for new languages does not require recompilation</a:t>
-            </a:r>
-            <a:r>
-              <a:rPr lang="en-IN" sz="3600" dirty="0" smtClean="0"/>
-              <a:t>.</a:t>
-            </a:r>
-          </a:p>
-          <a:p>
-            <a:pPr marL="1779783" lvl="1" indent="-571500" algn="just">
-              <a:buFont typeface="Arial" panose="020B0604020202020204" pitchFamily="34" charset="0"/>
-              <a:buChar char="•"/>
-            </a:pPr>
-            <a:r>
-              <a:rPr lang="en-IN" sz="3600" dirty="0" smtClean="0"/>
-              <a:t>Culturally-dependent </a:t>
-            </a:r>
-            <a:r>
-              <a:rPr lang="en-IN" sz="3600" dirty="0"/>
-              <a:t>data, such as dates and currencies, appear in formats that conform to the end user's region and language</a:t>
-            </a:r>
-            <a:r>
-              <a:rPr lang="en-IN" sz="3600" dirty="0" smtClean="0"/>
-              <a:t>.</a:t>
-            </a:r>
-          </a:p>
-          <a:p>
-            <a:pPr marL="1779783" lvl="1" indent="-571500" algn="just">
-              <a:buFont typeface="Arial" panose="020B0604020202020204" pitchFamily="34" charset="0"/>
-              <a:buChar char="•"/>
-            </a:pPr>
-            <a:r>
-              <a:rPr lang="en-IN" sz="3600" dirty="0" smtClean="0"/>
-              <a:t>It </a:t>
-            </a:r>
-            <a:r>
-              <a:rPr lang="en-IN" sz="3600" dirty="0"/>
-              <a:t>can be localized quickly</a:t>
-            </a:r>
-            <a:r>
-              <a:rPr lang="en-IN" sz="3600" dirty="0" smtClean="0"/>
-              <a:t>.</a:t>
-            </a:r>
-          </a:p>
-          <a:p>
-            <a:pPr marL="571500" indent="-571500" algn="just">
-              <a:buFont typeface="Arial" panose="020B0604020202020204" pitchFamily="34" charset="0"/>
-              <a:buChar char="•"/>
-            </a:pPr>
-            <a:r>
-              <a:rPr lang="en-IN" sz="3600" dirty="0"/>
-              <a:t>Localization is the process of adapting software for a specific region or language by adding locale-specific components and translating text. The term localization is often abbreviated as l10n, because there are 10 letters between the "l" and the "n</a:t>
-            </a:r>
-            <a:r>
-              <a:rPr lang="en-IN" sz="3600" dirty="0" smtClean="0"/>
-              <a:t>.”</a:t>
-            </a:r>
-          </a:p>
-          <a:p>
-            <a:pPr marL="571500" indent="-571500" algn="just">
-              <a:buFont typeface="Arial" panose="020B0604020202020204" pitchFamily="34" charset="0"/>
-              <a:buChar char="•"/>
-            </a:pPr>
-            <a:r>
-              <a:rPr lang="en-IN" sz="3600" dirty="0"/>
-              <a:t>The primary task of localization is translating the user interface elements and documentation. Localization involves not only changing the language interaction, but also other relevant changes such as display of numbers, dates, currency, and so on.</a:t>
-            </a:r>
-            <a:endParaRPr lang="en-IN" sz="3600" dirty="0" smtClean="0"/>
-          </a:p>
-        </p:txBody>
-      </p:sp>
       <p:cxnSp>
         <p:nvCxnSpPr>
-          <p:cNvPr id="4" name="10 Conector recto"/>
+          <p:cNvPr id="34" name="10 Conector recto"/>
           <p:cNvCxnSpPr/>
           <p:nvPr/>
         </p:nvCxnSpPr>
         <p:spPr>
-          <a:xfrm flipV="1">
-            <a:off x="1886648" y="2161005"/>
-            <a:ext cx="12826426" cy="62283"/>
+          <a:xfrm>
+            <a:off x="2246688" y="1955687"/>
+            <a:ext cx="5895656" cy="0"/>
           </a:xfrm>
           <a:prstGeom prst="line">
             <a:avLst/>
@@ -29110,10 +29157,160 @@
           </a:fontRef>
         </p:style>
       </p:cxnSp>
+      <p:sp>
+        <p:nvSpPr>
+          <p:cNvPr id="35" name="TextBox 34"/>
+          <p:cNvSpPr txBox="1"/>
+          <p:nvPr/>
+        </p:nvSpPr>
+        <p:spPr>
+          <a:xfrm>
+            <a:off x="2246688" y="2855786"/>
+            <a:ext cx="19982220" cy="10064294"/>
+          </a:xfrm>
+          <a:prstGeom prst="rect">
+            <a:avLst/>
+          </a:prstGeom>
+          <a:noFill/>
+        </p:spPr>
+        <p:txBody>
+          <a:bodyPr wrap="square" rtlCol="0">
+            <a:spAutoFit/>
+          </a:bodyPr>
+          <a:lstStyle/>
+          <a:p>
+            <a:pPr marL="571500" indent="-571500">
+              <a:buFont typeface="Arial" panose="020B0604020202020204" pitchFamily="34" charset="0"/>
+              <a:buChar char="•"/>
+            </a:pPr>
+            <a:r>
+              <a:rPr lang="en-US" sz="3600" dirty="0"/>
+              <a:t>If you have to react to particular events in your persistence layer, you can also use the Hibernate3 event architecture. The event system can be used in addition, or as a replacement, for interceptors</a:t>
+            </a:r>
+            <a:r>
+              <a:rPr lang="en-US" sz="3600" dirty="0" smtClean="0"/>
+              <a:t>.</a:t>
+            </a:r>
+          </a:p>
+          <a:p>
+            <a:pPr marL="571500" indent="-571500">
+              <a:buFont typeface="Arial" panose="020B0604020202020204" pitchFamily="34" charset="0"/>
+              <a:buChar char="•"/>
+            </a:pPr>
+            <a:r>
+              <a:rPr lang="en-US" sz="3600" dirty="0"/>
+              <a:t>All the methods of the Session interface correlate to an event. You have a </a:t>
+            </a:r>
+            <a:r>
+              <a:rPr lang="en-US" sz="3600" dirty="0" err="1"/>
+              <a:t>LoadEvent</a:t>
+            </a:r>
+            <a:r>
+              <a:rPr lang="en-US" sz="3600" dirty="0"/>
+              <a:t>, a </a:t>
+            </a:r>
+            <a:r>
+              <a:rPr lang="en-US" sz="3600" dirty="0" err="1"/>
+              <a:t>FlushEvent</a:t>
+            </a:r>
+            <a:r>
+              <a:rPr lang="en-US" sz="3600" dirty="0"/>
+              <a:t>, etc. Consult the XML configuration-file DTD or the </a:t>
+            </a:r>
+            <a:r>
+              <a:rPr lang="en-US" sz="3600" dirty="0" err="1"/>
+              <a:t>org.hibernate.event</a:t>
+            </a:r>
+            <a:r>
+              <a:rPr lang="en-US" sz="3600" dirty="0"/>
+              <a:t> package for the full list of defined event types. When a request is made of one of these methods, the Hibernate Session generates an appropriate event and passes it to the configured event listeners for that </a:t>
+            </a:r>
+            <a:r>
+              <a:rPr lang="en-US" sz="3600" dirty="0" smtClean="0"/>
+              <a:t>type.</a:t>
+            </a:r>
+          </a:p>
+          <a:p>
+            <a:pPr marL="571500" indent="-571500">
+              <a:buFont typeface="Arial" panose="020B0604020202020204" pitchFamily="34" charset="0"/>
+              <a:buChar char="•"/>
+            </a:pPr>
+            <a:r>
+              <a:rPr lang="en-US" sz="3600" dirty="0" smtClean="0"/>
+              <a:t>Out-of-the-box</a:t>
+            </a:r>
+            <a:r>
+              <a:rPr lang="en-US" sz="3600" dirty="0"/>
+              <a:t>, these listeners implement the same processing in which those methods always resulted. However, you are free to implement a customization of one of the listener interfaces (i.e., the </a:t>
+            </a:r>
+            <a:r>
+              <a:rPr lang="en-US" sz="3600" dirty="0" err="1"/>
+              <a:t>LoadEvent</a:t>
+            </a:r>
+            <a:r>
+              <a:rPr lang="en-US" sz="3600" dirty="0"/>
+              <a:t> is processed by the registered implementation of the </a:t>
+            </a:r>
+            <a:r>
+              <a:rPr lang="en-US" sz="3600" dirty="0" err="1"/>
+              <a:t>LoadEventListener</a:t>
+            </a:r>
+            <a:r>
+              <a:rPr lang="en-US" sz="3600" dirty="0"/>
+              <a:t> interface), in which case their implementation would be responsible for processing any load() requests made of the </a:t>
+            </a:r>
+            <a:r>
+              <a:rPr lang="en-US" sz="3600" dirty="0" err="1"/>
+              <a:t>Session.The</a:t>
+            </a:r>
+            <a:r>
+              <a:rPr lang="en-US" sz="3600" dirty="0"/>
+              <a:t> listeners should be considered singletons. This means they are shared between requests, and should not save any state as instance variables</a:t>
+            </a:r>
+            <a:r>
+              <a:rPr lang="en-US" sz="3600" dirty="0" smtClean="0"/>
+              <a:t>.</a:t>
+            </a:r>
+          </a:p>
+          <a:p>
+            <a:pPr marL="571500" indent="-571500">
+              <a:buFont typeface="Arial" panose="020B0604020202020204" pitchFamily="34" charset="0"/>
+              <a:buChar char="•"/>
+            </a:pPr>
+            <a:r>
+              <a:rPr lang="en-US" sz="3600" dirty="0" smtClean="0"/>
+              <a:t>A </a:t>
+            </a:r>
+            <a:r>
+              <a:rPr lang="en-US" sz="3600" dirty="0"/>
+              <a:t>custom listener implements the appropriate interface for the event it wants to process and/or extend one of the convenience base classes (or even the default event listeners used by Hibernate out-of-the-box as these are declared non-final for this purpose</a:t>
+            </a:r>
+            <a:r>
+              <a:rPr lang="en-US" sz="3600" dirty="0" smtClean="0"/>
+              <a:t>).</a:t>
+            </a:r>
+          </a:p>
+          <a:p>
+            <a:pPr marL="571500" indent="-571500">
+              <a:buFont typeface="Arial" panose="020B0604020202020204" pitchFamily="34" charset="0"/>
+              <a:buChar char="•"/>
+            </a:pPr>
+            <a:r>
+              <a:rPr lang="en-US" sz="3600" dirty="0" smtClean="0"/>
+              <a:t>Custom </a:t>
+            </a:r>
+            <a:r>
+              <a:rPr lang="en-US" sz="3600" dirty="0"/>
+              <a:t>listeners can either be registered programmatically through the Configuration object, or specified in the Hibernate configuration XML. Declarative configuration through the properties file is not supported.</a:t>
+            </a:r>
+            <a:endParaRPr lang="en-US" sz="3600" dirty="0" smtClean="0"/>
+          </a:p>
+        </p:txBody>
+      </p:sp>
     </p:spTree>
     <p:extLst>
       <p:ext uri="{BB962C8B-B14F-4D97-AF65-F5344CB8AC3E}">
-        <p14:creationId xmlns:p14="http://schemas.microsoft.com/office/powerpoint/2010/main" val="2002690605"/>
+        <p14:creationId xmlns:p14="http://schemas.microsoft.com/office/powerpoint/2010/main" val="1072063668"/>
       </p:ext>
     </p:extLst>
   </p:cSld>
@@ -29157,7 +29354,7 @@
                                           </p:stCondLst>
                                         </p:cTn>
                                         <p:tgtEl>
-                                          <p:spTgt spid="2"/>
+                                          <p:spTgt spid="33"/>
                                         </p:tgtEl>
                                         <p:attrNameLst>
                                           <p:attrName>style.visibility</p:attrName>
@@ -29171,7 +29368,7 @@
                                       <p:cBhvr additive="base">
                                         <p:cTn id="7" dur="1000" fill="hold"/>
                                         <p:tgtEl>
-                                          <p:spTgt spid="2"/>
+                                          <p:spTgt spid="33"/>
                                         </p:tgtEl>
                                         <p:attrNameLst>
                                           <p:attrName>ppt_x</p:attrName>
@@ -29194,7 +29391,7 @@
                                       <p:cBhvr additive="base">
                                         <p:cTn id="8" dur="1000" fill="hold"/>
                                         <p:tgtEl>
-                                          <p:spTgt spid="2"/>
+                                          <p:spTgt spid="33"/>
                                         </p:tgtEl>
                                         <p:attrNameLst>
                                           <p:attrName>ppt_y</p:attrName>
@@ -29239,7 +29436,7 @@
                                           </p:stCondLst>
                                         </p:cTn>
                                         <p:tgtEl>
-                                          <p:spTgt spid="4"/>
+                                          <p:spTgt spid="34"/>
                                         </p:tgtEl>
                                         <p:attrNameLst>
                                           <p:attrName>style.visibility</p:attrName>
@@ -29253,7 +29450,7 @@
                                       <p:cBhvr additive="base">
                                         <p:cTn id="12" dur="500" fill="hold"/>
                                         <p:tgtEl>
-                                          <p:spTgt spid="4"/>
+                                          <p:spTgt spid="34"/>
                                         </p:tgtEl>
                                         <p:attrNameLst>
                                           <p:attrName>ppt_x</p:attrName>
@@ -29276,7 +29473,7 @@
                                       <p:cBhvr additive="base">
                                         <p:cTn id="13" dur="500" fill="hold"/>
                                         <p:tgtEl>
-                                          <p:spTgt spid="4"/>
+                                          <p:spTgt spid="34"/>
                                         </p:tgtEl>
                                         <p:attrNameLst>
                                           <p:attrName>ppt_y</p:attrName>
@@ -29326,13 +29523,13 @@
       </p:par>
     </p:tnLst>
     <p:bldLst>
-      <p:bldP spid="2" grpId="0"/>
+      <p:bldP spid="33" grpId="0"/>
     </p:bldLst>
   </p:timing>
 </p:sld>
 </file>
 
-<file path=ppt/slides/slide8.xml><?xml version="1.0" encoding="utf-8"?>
+<file path=ppt/slides/slide7.xml><?xml version="1.0" encoding="utf-8"?>
 <p:sld xmlns:a="http://schemas.openxmlformats.org/drawingml/2006/main" xmlns:r="http://schemas.openxmlformats.org/officeDocument/2006/relationships" xmlns:p="http://schemas.openxmlformats.org/presentationml/2006/main">
   <p:cSld>
     <p:spTree>
@@ -29351,7 +29548,7 @@
       </p:grpSpPr>
       <p:sp>
         <p:nvSpPr>
-          <p:cNvPr id="2" name="Marcador de texto 4"/>
+          <p:cNvPr id="33" name="Marcador de texto 4"/>
           <p:cNvSpPr txBox="1">
             <a:spLocks/>
           </p:cNvSpPr>
@@ -29359,7 +29556,7 @@
         </p:nvSpPr>
         <p:spPr>
           <a:xfrm>
-            <a:off x="1886648" y="1053149"/>
+            <a:off x="2246688" y="1053149"/>
             <a:ext cx="17101901" cy="1802637"/>
           </a:xfrm>
           <a:prstGeom prst="rect">
@@ -29534,7 +29731,7 @@
           </a:lstStyle>
           <a:p>
             <a:r>
-              <a:rPr lang="en-US" sz="6600" dirty="0" smtClean="0">
+              <a:rPr lang="en-US" sz="4400" dirty="0" smtClean="0">
                 <a:solidFill>
                   <a:schemeClr val="accent3">
                     <a:lumMod val="75000"/>
@@ -29543,9 +29740,9 @@
                 <a:ea typeface="Open Sans Semibold" panose="020B0706030804020204" pitchFamily="34" charset="0"/>
                 <a:cs typeface="Open Sans Semibold" panose="020B0706030804020204" pitchFamily="34" charset="0"/>
               </a:rPr>
-              <a:t>Locale Class</a:t>
-            </a:r>
-            <a:endParaRPr lang="en-US" sz="6600" dirty="0">
+              <a:t>Hibernate: Batch Processing</a:t>
+            </a:r>
+            <a:endParaRPr lang="en-US" sz="4400" dirty="0">
               <a:solidFill>
                 <a:schemeClr val="accent3">
                   <a:lumMod val="75000"/>
@@ -29557,206 +29754,16 @@
           </a:p>
         </p:txBody>
       </p:sp>
-      <p:sp>
-        <p:nvSpPr>
-          <p:cNvPr id="3" name="TextBox 2"/>
-          <p:cNvSpPr txBox="1"/>
-          <p:nvPr/>
-        </p:nvSpPr>
-        <p:spPr>
-          <a:xfrm>
-            <a:off x="2201683" y="3573429"/>
-            <a:ext cx="20522281" cy="8956298"/>
-          </a:xfrm>
-          <a:prstGeom prst="rect">
-            <a:avLst/>
-          </a:prstGeom>
-          <a:noFill/>
-        </p:spPr>
-        <p:txBody>
-          <a:bodyPr wrap="square" rtlCol="0">
-            <a:spAutoFit/>
-          </a:bodyPr>
-          <a:lstStyle/>
-          <a:p>
-            <a:pPr marL="571500" indent="-571500" algn="just">
-              <a:buFont typeface="Arial" panose="020B0604020202020204" pitchFamily="34" charset="0"/>
-              <a:buChar char="•"/>
-            </a:pPr>
-            <a:r>
-              <a:rPr lang="en-IN" sz="3600" dirty="0"/>
-              <a:t>A Locale object is an identifier for a particular combination of language and region. If a class varies its </a:t>
-            </a:r>
-            <a:r>
-              <a:rPr lang="en-IN" sz="3600" dirty="0" err="1"/>
-              <a:t>behavior</a:t>
-            </a:r>
-            <a:r>
-              <a:rPr lang="en-IN" sz="3600" dirty="0"/>
-              <a:t> according to Locale, it is said to be </a:t>
-            </a:r>
-            <a:r>
-              <a:rPr lang="en-IN" sz="3600" dirty="0" smtClean="0"/>
-              <a:t>locale-sensitive.</a:t>
-            </a:r>
-          </a:p>
-          <a:p>
-            <a:pPr marL="1779783" lvl="1" indent="-571500" algn="just">
-              <a:buFont typeface="Arial" panose="020B0604020202020204" pitchFamily="34" charset="0"/>
-              <a:buChar char="•"/>
-            </a:pPr>
-            <a:r>
-              <a:rPr lang="en-IN" sz="3600" dirty="0" smtClean="0"/>
-              <a:t>For </a:t>
-            </a:r>
-            <a:r>
-              <a:rPr lang="en-IN" sz="3600" dirty="0"/>
-              <a:t>example, the </a:t>
-            </a:r>
-            <a:r>
-              <a:rPr lang="en-IN" sz="3600" dirty="0" err="1"/>
-              <a:t>NumberFormat</a:t>
-            </a:r>
-            <a:r>
-              <a:rPr lang="en-IN" sz="3600" dirty="0"/>
-              <a:t> class is locale-sensitive; the format of the number it returns depends on the Locale. Thus </a:t>
-            </a:r>
-            <a:r>
-              <a:rPr lang="en-IN" sz="3600" dirty="0" err="1"/>
-              <a:t>NumberFormat</a:t>
-            </a:r>
-            <a:r>
-              <a:rPr lang="en-IN" sz="3600" dirty="0"/>
-              <a:t> may return a number as 902 300 (France), or 902.300 (Germany), or 902,300 (United States</a:t>
-            </a:r>
-            <a:r>
-              <a:rPr lang="en-IN" sz="3600" dirty="0" smtClean="0"/>
-              <a:t>).</a:t>
-            </a:r>
-          </a:p>
-          <a:p>
-            <a:pPr marL="571500" indent="-571500" algn="just">
-              <a:buFont typeface="Arial" panose="020B0604020202020204" pitchFamily="34" charset="0"/>
-              <a:buChar char="•"/>
-            </a:pPr>
-            <a:r>
-              <a:rPr lang="en-IN" sz="3600" dirty="0" smtClean="0"/>
-              <a:t>Locale </a:t>
-            </a:r>
-            <a:r>
-              <a:rPr lang="en-IN" sz="3600" dirty="0"/>
-              <a:t>objects are only identifiers. The real work, such as formatting and detecting word boundaries, is performed by the methods of the locale-sensitive classes</a:t>
-            </a:r>
-            <a:r>
-              <a:rPr lang="en-IN" sz="3600" dirty="0" smtClean="0"/>
-              <a:t>.</a:t>
-            </a:r>
-          </a:p>
-          <a:p>
-            <a:pPr marL="571500" indent="-571500" algn="just">
-              <a:buFont typeface="Arial" panose="020B0604020202020204" pitchFamily="34" charset="0"/>
-              <a:buChar char="•"/>
-            </a:pPr>
-            <a:r>
-              <a:rPr lang="en-IN" sz="3600" dirty="0"/>
-              <a:t>There are several ways to create a Locale object. Regardless of the technique used, creation can be as simple as specifying the language code. However, you can further distinguish the locale by setting the region (also referred to as "country") and variant codes. If you are using the JDK 7 release or later, you can also specify the script code and Unicode locale extensions</a:t>
-            </a:r>
-            <a:r>
-              <a:rPr lang="en-IN" sz="3600" dirty="0" smtClean="0"/>
-              <a:t>.</a:t>
-            </a:r>
-          </a:p>
-          <a:p>
-            <a:pPr marL="571500" indent="-571500" algn="just">
-              <a:buFont typeface="Arial" panose="020B0604020202020204" pitchFamily="34" charset="0"/>
-              <a:buChar char="•"/>
-            </a:pPr>
-            <a:r>
-              <a:rPr lang="en-IN" sz="3600" dirty="0" smtClean="0"/>
-              <a:t>The </a:t>
-            </a:r>
-            <a:r>
-              <a:rPr lang="en-IN" sz="3600" dirty="0"/>
-              <a:t>four ways to create a Locale object are</a:t>
-            </a:r>
-            <a:r>
-              <a:rPr lang="en-IN" sz="3600" dirty="0" smtClean="0"/>
-              <a:t>:</a:t>
-            </a:r>
-          </a:p>
-          <a:p>
-            <a:pPr marL="1779783" lvl="1" indent="-571500" algn="just">
-              <a:buFont typeface="Arial" panose="020B0604020202020204" pitchFamily="34" charset="0"/>
-              <a:buChar char="•"/>
-            </a:pPr>
-            <a:r>
-              <a:rPr lang="en-IN" sz="3600" dirty="0" err="1" smtClean="0"/>
-              <a:t>Locale.Builder</a:t>
-            </a:r>
-            <a:r>
-              <a:rPr lang="en-IN" sz="3600" dirty="0" smtClean="0"/>
-              <a:t> Class</a:t>
-            </a:r>
-          </a:p>
-          <a:p>
-            <a:pPr marL="1779783" lvl="1" indent="-571500" algn="just">
-              <a:buFont typeface="Arial" panose="020B0604020202020204" pitchFamily="34" charset="0"/>
-              <a:buChar char="•"/>
-            </a:pPr>
-            <a:r>
-              <a:rPr lang="en-IN" sz="3600" dirty="0" smtClean="0"/>
-              <a:t>Locale Constructors</a:t>
-            </a:r>
-          </a:p>
-          <a:p>
-            <a:pPr marL="1779783" lvl="1" indent="-571500" algn="just">
-              <a:buFont typeface="Arial" panose="020B0604020202020204" pitchFamily="34" charset="0"/>
-              <a:buChar char="•"/>
-            </a:pPr>
-            <a:r>
-              <a:rPr lang="en-IN" sz="3600" dirty="0" err="1" smtClean="0"/>
-              <a:t>Locale.forLanguageTag</a:t>
-            </a:r>
-            <a:r>
-              <a:rPr lang="en-IN" sz="3600" dirty="0" smtClean="0"/>
-              <a:t> </a:t>
-            </a:r>
-            <a:r>
-              <a:rPr lang="en-IN" sz="3600" dirty="0"/>
-              <a:t>Factory </a:t>
-            </a:r>
-            <a:r>
-              <a:rPr lang="en-IN" sz="3600" dirty="0" smtClean="0"/>
-              <a:t>Method</a:t>
-            </a:r>
-          </a:p>
-          <a:p>
-            <a:pPr marL="1779783" lvl="1" indent="-571500" algn="just">
-              <a:buFont typeface="Arial" panose="020B0604020202020204" pitchFamily="34" charset="0"/>
-              <a:buChar char="•"/>
-            </a:pPr>
-            <a:r>
-              <a:rPr lang="en-IN" sz="3600" dirty="0" smtClean="0"/>
-              <a:t>Locale </a:t>
-            </a:r>
-            <a:r>
-              <a:rPr lang="en-IN" sz="3600" dirty="0"/>
-              <a:t>Constants</a:t>
-            </a:r>
-            <a:endParaRPr lang="en-IN" sz="3600" dirty="0" smtClean="0"/>
-          </a:p>
-        </p:txBody>
-      </p:sp>
       <p:cxnSp>
         <p:nvCxnSpPr>
-          <p:cNvPr id="4" name="10 Conector recto"/>
+          <p:cNvPr id="34" name="10 Conector recto"/>
           <p:cNvCxnSpPr/>
           <p:nvPr/>
         </p:nvCxnSpPr>
         <p:spPr>
-          <a:xfrm flipV="1">
-            <a:off x="1886648" y="2202090"/>
-            <a:ext cx="4365486" cy="21199"/>
+          <a:xfrm>
+            <a:off x="2246688" y="1955687"/>
+            <a:ext cx="6660741" cy="0"/>
           </a:xfrm>
           <a:prstGeom prst="line">
             <a:avLst/>
@@ -29782,10 +29789,168 @@
           </a:fontRef>
         </p:style>
       </p:cxnSp>
+      <p:sp>
+        <p:nvSpPr>
+          <p:cNvPr id="35" name="TextBox 34"/>
+          <p:cNvSpPr txBox="1"/>
+          <p:nvPr/>
+        </p:nvSpPr>
+        <p:spPr>
+          <a:xfrm>
+            <a:off x="2246688" y="2855786"/>
+            <a:ext cx="19982220" cy="9510296"/>
+          </a:xfrm>
+          <a:prstGeom prst="rect">
+            <a:avLst/>
+          </a:prstGeom>
+          <a:noFill/>
+        </p:spPr>
+        <p:txBody>
+          <a:bodyPr wrap="square" rtlCol="0">
+            <a:spAutoFit/>
+          </a:bodyPr>
+          <a:lstStyle/>
+          <a:p>
+            <a:pPr marL="571500" indent="-571500">
+              <a:buFont typeface="Arial" panose="020B0604020202020204" pitchFamily="34" charset="0"/>
+              <a:buChar char="•"/>
+            </a:pPr>
+            <a:r>
+              <a:rPr lang="en-US" sz="3600" dirty="0"/>
+              <a:t>Complex systems often require both online and batch processing. Each kind of processing has very different </a:t>
+            </a:r>
+            <a:r>
+              <a:rPr lang="en-US" sz="3600" dirty="0" smtClean="0"/>
+              <a:t>requirements.</a:t>
+            </a:r>
+          </a:p>
+          <a:p>
+            <a:pPr marL="571500" indent="-571500">
+              <a:buFont typeface="Arial" panose="020B0604020202020204" pitchFamily="34" charset="0"/>
+              <a:buChar char="•"/>
+            </a:pPr>
+            <a:r>
+              <a:rPr lang="en-US" sz="3600" dirty="0" smtClean="0"/>
+              <a:t>Because </a:t>
+            </a:r>
+            <a:r>
+              <a:rPr lang="en-US" sz="3600" dirty="0"/>
+              <a:t>online processing involves a user waiting on application processing order, the timing and performance of each statement execution in a process is important. </a:t>
+            </a:r>
+            <a:endParaRPr lang="en-US" sz="3600" dirty="0" smtClean="0"/>
+          </a:p>
+          <a:p>
+            <a:pPr marL="571500" indent="-571500">
+              <a:buFont typeface="Arial" panose="020B0604020202020204" pitchFamily="34" charset="0"/>
+              <a:buChar char="•"/>
+            </a:pPr>
+            <a:r>
+              <a:rPr lang="en-US" sz="3600" dirty="0" smtClean="0"/>
+              <a:t>Batch </a:t>
+            </a:r>
+            <a:r>
+              <a:rPr lang="en-US" sz="3600" dirty="0"/>
+              <a:t>processing, on the other hand, occurs when a bunch of distinct transactions need to occur independently of user </a:t>
+            </a:r>
+            <a:r>
+              <a:rPr lang="en-US" sz="3600" dirty="0" smtClean="0"/>
+              <a:t>interaction.</a:t>
+            </a:r>
+          </a:p>
+          <a:p>
+            <a:pPr marL="571500" indent="-571500">
+              <a:buFont typeface="Arial" panose="020B0604020202020204" pitchFamily="34" charset="0"/>
+              <a:buChar char="•"/>
+            </a:pPr>
+            <a:r>
+              <a:rPr lang="en-US" sz="3600" dirty="0" smtClean="0"/>
+              <a:t>A </a:t>
+            </a:r>
+            <a:r>
+              <a:rPr lang="en-US" sz="3600" dirty="0"/>
+              <a:t>bank’s ATM machine is an example of a system of online processes. </a:t>
+            </a:r>
+            <a:endParaRPr lang="en-US" sz="3600" dirty="0" smtClean="0"/>
+          </a:p>
+          <a:p>
+            <a:pPr marL="571500" indent="-571500">
+              <a:buFont typeface="Arial" panose="020B0604020202020204" pitchFamily="34" charset="0"/>
+              <a:buChar char="•"/>
+            </a:pPr>
+            <a:r>
+              <a:rPr lang="en-US" sz="3600" dirty="0" smtClean="0"/>
+              <a:t>The </a:t>
+            </a:r>
+            <a:r>
+              <a:rPr lang="en-US" sz="3600" dirty="0"/>
+              <a:t>monthly process that calculates and adds interest to your savings account is an example of a batch process</a:t>
+            </a:r>
+            <a:r>
+              <a:rPr lang="en-US" sz="3600" dirty="0" smtClean="0"/>
+              <a:t>.</a:t>
+            </a:r>
+          </a:p>
+          <a:p>
+            <a:pPr marL="571500" indent="-571500">
+              <a:buFont typeface="Arial" panose="020B0604020202020204" pitchFamily="34" charset="0"/>
+              <a:buChar char="•"/>
+            </a:pPr>
+            <a:r>
+              <a:rPr lang="en-US" sz="3600" dirty="0"/>
+              <a:t>If you are undertaking batch processing you will need to enable the use of JDBC batching. This is absolutely essential if you want to achieve optimal performance. Set the JDBC batch size to a reasonable number (10-50, for example</a:t>
+            </a:r>
+            <a:r>
+              <a:rPr lang="en-US" sz="3600" dirty="0" smtClean="0"/>
+              <a:t>).</a:t>
+            </a:r>
+          </a:p>
+          <a:p>
+            <a:pPr marL="571500" indent="-571500">
+              <a:buFont typeface="Arial" panose="020B0604020202020204" pitchFamily="34" charset="0"/>
+              <a:buChar char="•"/>
+            </a:pPr>
+            <a:r>
+              <a:rPr lang="en-US" sz="3600" dirty="0"/>
+              <a:t>Hibernate disables insert batching at the JDBC level transparently if you use an identity identifier </a:t>
+            </a:r>
+            <a:r>
+              <a:rPr lang="en-US" sz="3600" dirty="0" err="1"/>
+              <a:t>generator.You</a:t>
+            </a:r>
+            <a:r>
+              <a:rPr lang="en-US" sz="3600" dirty="0"/>
+              <a:t> can also do this kind of work in a process where interaction with the second-level cache is completely </a:t>
+            </a:r>
+            <a:r>
+              <a:rPr lang="en-US" sz="3600" dirty="0" smtClean="0"/>
+              <a:t>disabled.</a:t>
+            </a:r>
+          </a:p>
+          <a:p>
+            <a:pPr marL="571500" indent="-571500">
+              <a:buFont typeface="Arial" panose="020B0604020202020204" pitchFamily="34" charset="0"/>
+              <a:buChar char="•"/>
+            </a:pPr>
+            <a:r>
+              <a:rPr lang="en-US" sz="3600" dirty="0"/>
+              <a:t>However, this is not absolutely necessary, since we can explicitly set the </a:t>
+            </a:r>
+            <a:r>
+              <a:rPr lang="en-US" sz="3600" dirty="0" err="1"/>
+              <a:t>CacheMode</a:t>
+            </a:r>
+            <a:r>
+              <a:rPr lang="en-US" sz="3600" dirty="0"/>
+              <a:t> to disable interaction with the second-level cache.</a:t>
+            </a:r>
+            <a:endParaRPr lang="en-US" sz="3600" dirty="0" smtClean="0"/>
+          </a:p>
+        </p:txBody>
+      </p:sp>
     </p:spTree>
     <p:extLst>
       <p:ext uri="{BB962C8B-B14F-4D97-AF65-F5344CB8AC3E}">
-        <p14:creationId xmlns:p14="http://schemas.microsoft.com/office/powerpoint/2010/main" val="326304269"/>
+        <p14:creationId xmlns:p14="http://schemas.microsoft.com/office/powerpoint/2010/main" val="561114893"/>
       </p:ext>
     </p:extLst>
   </p:cSld>
@@ -29829,7 +29994,7 @@
                                           </p:stCondLst>
                                         </p:cTn>
                                         <p:tgtEl>
-                                          <p:spTgt spid="2"/>
+                                          <p:spTgt spid="33"/>
                                         </p:tgtEl>
                                         <p:attrNameLst>
                                           <p:attrName>style.visibility</p:attrName>
@@ -29843,7 +30008,7 @@
                                       <p:cBhvr additive="base">
                                         <p:cTn id="7" dur="1000" fill="hold"/>
                                         <p:tgtEl>
-                                          <p:spTgt spid="2"/>
+                                          <p:spTgt spid="33"/>
                                         </p:tgtEl>
                                         <p:attrNameLst>
                                           <p:attrName>ppt_x</p:attrName>
@@ -29866,7 +30031,7 @@
                                       <p:cBhvr additive="base">
                                         <p:cTn id="8" dur="1000" fill="hold"/>
                                         <p:tgtEl>
-                                          <p:spTgt spid="2"/>
+                                          <p:spTgt spid="33"/>
                                         </p:tgtEl>
                                         <p:attrNameLst>
                                           <p:attrName>ppt_y</p:attrName>
@@ -29911,7 +30076,7 @@
                                           </p:stCondLst>
                                         </p:cTn>
                                         <p:tgtEl>
-                                          <p:spTgt spid="4"/>
+                                          <p:spTgt spid="34"/>
                                         </p:tgtEl>
                                         <p:attrNameLst>
                                           <p:attrName>style.visibility</p:attrName>
@@ -29925,7 +30090,7 @@
                                       <p:cBhvr additive="base">
                                         <p:cTn id="12" dur="500" fill="hold"/>
                                         <p:tgtEl>
-                                          <p:spTgt spid="4"/>
+                                          <p:spTgt spid="34"/>
                                         </p:tgtEl>
                                         <p:attrNameLst>
                                           <p:attrName>ppt_x</p:attrName>
@@ -29948,7 +30113,7 @@
                                       <p:cBhvr additive="base">
                                         <p:cTn id="13" dur="500" fill="hold"/>
                                         <p:tgtEl>
-                                          <p:spTgt spid="4"/>
+                                          <p:spTgt spid="34"/>
                                         </p:tgtEl>
                                         <p:attrNameLst>
                                           <p:attrName>ppt_y</p:attrName>
@@ -29998,13 +30163,13 @@
       </p:par>
     </p:tnLst>
     <p:bldLst>
-      <p:bldP spid="2" grpId="0"/>
+      <p:bldP spid="33" grpId="0"/>
     </p:bldLst>
   </p:timing>
 </p:sld>
 </file>
 
-<file path=ppt/slides/slide9.xml><?xml version="1.0" encoding="utf-8"?>
+<file path=ppt/slides/slide8.xml><?xml version="1.0" encoding="utf-8"?>
 <p:sld xmlns:a="http://schemas.openxmlformats.org/drawingml/2006/main" xmlns:r="http://schemas.openxmlformats.org/officeDocument/2006/relationships" xmlns:p="http://schemas.openxmlformats.org/presentationml/2006/main">
   <p:cSld>
     <p:spTree>
@@ -30023,7 +30188,7 @@
       </p:grpSpPr>
       <p:sp>
         <p:nvSpPr>
-          <p:cNvPr id="2" name="Marcador de texto 4"/>
+          <p:cNvPr id="33" name="Marcador de texto 4"/>
           <p:cNvSpPr txBox="1">
             <a:spLocks/>
           </p:cNvSpPr>
@@ -30031,7 +30196,7 @@
         </p:nvSpPr>
         <p:spPr>
           <a:xfrm>
-            <a:off x="1886648" y="1053149"/>
+            <a:off x="2246688" y="1053149"/>
             <a:ext cx="17101901" cy="1802637"/>
           </a:xfrm>
           <a:prstGeom prst="rect">
@@ -30206,7 +30371,7 @@
           </a:lstStyle>
           <a:p>
             <a:r>
-              <a:rPr lang="en-US" sz="6600" dirty="0">
+              <a:rPr lang="en-US" sz="4400" dirty="0" smtClean="0">
                 <a:solidFill>
                   <a:schemeClr val="accent3">
                     <a:lumMod val="75000"/>
@@ -30215,21 +30380,9 @@
                 <a:ea typeface="Open Sans Semibold" panose="020B0706030804020204" pitchFamily="34" charset="0"/>
                 <a:cs typeface="Open Sans Semibold" panose="020B0706030804020204" pitchFamily="34" charset="0"/>
               </a:rPr>
-              <a:t>Date, Time and </a:t>
-            </a:r>
-            <a:r>
-              <a:rPr lang="en-US" sz="6600" dirty="0" smtClean="0">
-                <a:solidFill>
-                  <a:schemeClr val="accent3">
-                    <a:lumMod val="75000"/>
-                  </a:schemeClr>
-                </a:solidFill>
-                <a:ea typeface="Open Sans Semibold" panose="020B0706030804020204" pitchFamily="34" charset="0"/>
-                <a:cs typeface="Open Sans Semibold" panose="020B0706030804020204" pitchFamily="34" charset="0"/>
-              </a:rPr>
-              <a:t>Currency Localization</a:t>
-            </a:r>
-            <a:endParaRPr lang="en-US" sz="6600" dirty="0">
+              <a:t>Hibernate: Batch Processing</a:t>
+            </a:r>
+            <a:endParaRPr lang="en-US" sz="4400" dirty="0">
               <a:solidFill>
                 <a:schemeClr val="accent3">
                   <a:lumMod val="75000"/>
@@ -30241,72 +30394,16 @@
           </a:p>
         </p:txBody>
       </p:sp>
-      <p:sp>
-        <p:nvSpPr>
-          <p:cNvPr id="3" name="TextBox 2"/>
-          <p:cNvSpPr txBox="1"/>
-          <p:nvPr/>
-        </p:nvSpPr>
-        <p:spPr>
-          <a:xfrm>
-            <a:off x="2201683" y="3573429"/>
-            <a:ext cx="20522281" cy="6186309"/>
-          </a:xfrm>
-          <a:prstGeom prst="rect">
-            <a:avLst/>
-          </a:prstGeom>
-          <a:noFill/>
-        </p:spPr>
-        <p:txBody>
-          <a:bodyPr wrap="square" rtlCol="0">
-            <a:spAutoFit/>
-          </a:bodyPr>
-          <a:lstStyle/>
-          <a:p>
-            <a:pPr marL="571500" indent="-571500" algn="just">
-              <a:buFont typeface="Arial" panose="020B0604020202020204" pitchFamily="34" charset="0"/>
-              <a:buChar char="•"/>
-            </a:pPr>
-            <a:r>
-              <a:rPr lang="en-IN" sz="3600" dirty="0"/>
-              <a:t>Date objects represent dates and times. You cannot display or print a Date object without first converting it to a String that is in the proper format. Just what is the "proper" format? First, the format should conform to the conventions of the end user's Locale. For example, Germans recognize 20.4.09 as a valid date, but Americans expect that same date to appear as 4/20/09. Second, the format should include the necessary information. For instance, a program that measures network performance may report on elapsed milliseconds. An online appointment calendar probably won't display milliseconds, but it will show the days of the week</a:t>
-            </a:r>
-            <a:r>
-              <a:rPr lang="en-IN" sz="3600" dirty="0" smtClean="0"/>
-              <a:t>.</a:t>
-            </a:r>
-          </a:p>
-          <a:p>
-            <a:pPr marL="571500" indent="-571500" algn="just">
-              <a:buFont typeface="Arial" panose="020B0604020202020204" pitchFamily="34" charset="0"/>
-              <a:buChar char="•"/>
-            </a:pPr>
-            <a:r>
-              <a:rPr lang="en-IN" sz="3600" dirty="0"/>
-              <a:t>If you are writing business applications, you will probably need to format and display currencies. You format currencies in the same manner as numbers, except that you call </a:t>
-            </a:r>
-            <a:r>
-              <a:rPr lang="en-IN" sz="3600" dirty="0" err="1"/>
-              <a:t>getCurrencyInstance</a:t>
-            </a:r>
-            <a:r>
-              <a:rPr lang="en-IN" sz="3600" dirty="0"/>
-              <a:t> to create a formatter. When you invoke the format method, it returns a String that includes the formatted number and the appropriate currency sign.</a:t>
-            </a:r>
-            <a:endParaRPr lang="en-IN" sz="3600" dirty="0" smtClean="0"/>
-          </a:p>
-        </p:txBody>
-      </p:sp>
       <p:cxnSp>
         <p:nvCxnSpPr>
-          <p:cNvPr id="4" name="10 Conector recto"/>
+          <p:cNvPr id="34" name="10 Conector recto"/>
           <p:cNvCxnSpPr/>
           <p:nvPr/>
         </p:nvCxnSpPr>
         <p:spPr>
-          <a:xfrm flipV="1">
-            <a:off x="1886648" y="2159694"/>
-            <a:ext cx="13096456" cy="63595"/>
+          <a:xfrm>
+            <a:off x="2246688" y="1955687"/>
+            <a:ext cx="6660741" cy="0"/>
           </a:xfrm>
           <a:prstGeom prst="line">
             <a:avLst/>
@@ -30332,10 +30429,209 @@
           </a:fontRef>
         </p:style>
       </p:cxnSp>
+      <p:sp>
+        <p:nvSpPr>
+          <p:cNvPr id="35" name="TextBox 34"/>
+          <p:cNvSpPr txBox="1"/>
+          <p:nvPr/>
+        </p:nvSpPr>
+        <p:spPr>
+          <a:xfrm>
+            <a:off x="2246688" y="2855786"/>
+            <a:ext cx="19982220" cy="8956298"/>
+          </a:xfrm>
+          <a:prstGeom prst="rect">
+            <a:avLst/>
+          </a:prstGeom>
+          <a:noFill/>
+        </p:spPr>
+        <p:txBody>
+          <a:bodyPr wrap="square" rtlCol="0">
+            <a:spAutoFit/>
+          </a:bodyPr>
+          <a:lstStyle/>
+          <a:p>
+            <a:pPr marL="571500" indent="-571500">
+              <a:buFont typeface="Arial" panose="020B0604020202020204" pitchFamily="34" charset="0"/>
+              <a:buChar char="•"/>
+            </a:pPr>
+            <a:r>
+              <a:rPr lang="en-US" sz="3600" dirty="0" smtClean="0"/>
+              <a:t>Following kind of operations require you to consider a strategy for batch processing:</a:t>
+            </a:r>
+          </a:p>
+          <a:p>
+            <a:pPr marL="1779783" lvl="1" indent="-571500">
+              <a:buFont typeface="Arial" panose="020B0604020202020204" pitchFamily="34" charset="0"/>
+              <a:buChar char="•"/>
+            </a:pPr>
+            <a:r>
+              <a:rPr lang="en-US" sz="3600" dirty="0"/>
+              <a:t>Batch inserts: When making new objects persistent flush() and then clear() the session regularly in order to control the size of the first-level cache</a:t>
+            </a:r>
+            <a:r>
+              <a:rPr lang="en-US" sz="3600" dirty="0" smtClean="0"/>
+              <a:t>.</a:t>
+            </a:r>
+          </a:p>
+          <a:p>
+            <a:pPr marL="1779783" lvl="1" indent="-571500">
+              <a:buFont typeface="Arial" panose="020B0604020202020204" pitchFamily="34" charset="0"/>
+              <a:buChar char="•"/>
+            </a:pPr>
+            <a:r>
+              <a:rPr lang="en-US" sz="3600" dirty="0"/>
+              <a:t>Batch updates: For retrieving and updating data, the same ideas apply. In addition, you need to use scroll() to take advantage of server-side cursors for queries that return many rows of data</a:t>
+            </a:r>
+            <a:r>
+              <a:rPr lang="en-US" sz="3600" dirty="0" smtClean="0"/>
+              <a:t>.</a:t>
+            </a:r>
+          </a:p>
+          <a:p>
+            <a:pPr marL="571500" indent="-571500">
+              <a:buFont typeface="Arial" panose="020B0604020202020204" pitchFamily="34" charset="0"/>
+              <a:buChar char="•"/>
+            </a:pPr>
+            <a:r>
+              <a:rPr lang="en-US" sz="3600" dirty="0" smtClean="0"/>
+              <a:t>Another approach is </a:t>
+            </a:r>
+            <a:r>
+              <a:rPr lang="en-US" sz="3600" dirty="0" err="1" smtClean="0"/>
+              <a:t>StatelessSession</a:t>
+            </a:r>
+            <a:r>
+              <a:rPr lang="en-US" sz="3600" dirty="0" smtClean="0"/>
+              <a:t> interface:</a:t>
+            </a:r>
+          </a:p>
+          <a:p>
+            <a:pPr marL="1779783" lvl="1" indent="-571500">
+              <a:buFont typeface="Arial" panose="020B0604020202020204" pitchFamily="34" charset="0"/>
+              <a:buChar char="•"/>
+            </a:pPr>
+            <a:r>
+              <a:rPr lang="en-US" sz="3600" dirty="0"/>
+              <a:t>A </a:t>
+            </a:r>
+            <a:r>
+              <a:rPr lang="en-US" sz="3600" dirty="0" err="1"/>
+              <a:t>StatelessSession</a:t>
+            </a:r>
+            <a:r>
+              <a:rPr lang="en-US" sz="3600" dirty="0"/>
+              <a:t> has no persistence context associated with it and does not provide many of the higher-level life cycle </a:t>
+            </a:r>
+            <a:r>
+              <a:rPr lang="en-US" sz="3600" dirty="0" smtClean="0"/>
+              <a:t>semantics.</a:t>
+            </a:r>
+          </a:p>
+          <a:p>
+            <a:pPr marL="1779783" lvl="1" indent="-571500">
+              <a:buFont typeface="Arial" panose="020B0604020202020204" pitchFamily="34" charset="0"/>
+              <a:buChar char="•"/>
+            </a:pPr>
+            <a:r>
+              <a:rPr lang="en-US" sz="3600" dirty="0" smtClean="0"/>
+              <a:t>In </a:t>
+            </a:r>
+            <a:r>
+              <a:rPr lang="en-US" sz="3600" dirty="0"/>
+              <a:t>particular, a stateless session does not implement a first-level cache nor interact with any second-level or query cache. </a:t>
+            </a:r>
+            <a:endParaRPr lang="en-US" sz="3600" dirty="0" smtClean="0"/>
+          </a:p>
+          <a:p>
+            <a:pPr marL="1779783" lvl="1" indent="-571500">
+              <a:buFont typeface="Arial" panose="020B0604020202020204" pitchFamily="34" charset="0"/>
+              <a:buChar char="•"/>
+            </a:pPr>
+            <a:r>
+              <a:rPr lang="en-US" sz="3600" dirty="0" smtClean="0"/>
+              <a:t>It </a:t>
+            </a:r>
+            <a:r>
+              <a:rPr lang="en-US" sz="3600" dirty="0"/>
+              <a:t>does not implement transactional write-behind or automatic dirty checking. </a:t>
+            </a:r>
+            <a:endParaRPr lang="en-US" sz="3600" dirty="0" smtClean="0"/>
+          </a:p>
+          <a:p>
+            <a:pPr marL="1779783" lvl="1" indent="-571500">
+              <a:buFont typeface="Arial" panose="020B0604020202020204" pitchFamily="34" charset="0"/>
+              <a:buChar char="•"/>
+            </a:pPr>
+            <a:r>
+              <a:rPr lang="en-US" sz="3600" dirty="0" smtClean="0"/>
+              <a:t>Operations </a:t>
+            </a:r>
+            <a:r>
+              <a:rPr lang="en-US" sz="3600" dirty="0"/>
+              <a:t>performed using a stateless session never cascade to associated instances. </a:t>
+            </a:r>
+            <a:endParaRPr lang="en-US" sz="3600" dirty="0" smtClean="0"/>
+          </a:p>
+          <a:p>
+            <a:pPr marL="1779783" lvl="1" indent="-571500">
+              <a:buFont typeface="Arial" panose="020B0604020202020204" pitchFamily="34" charset="0"/>
+              <a:buChar char="•"/>
+            </a:pPr>
+            <a:r>
+              <a:rPr lang="en-US" sz="3600" dirty="0" smtClean="0"/>
+              <a:t>Collections </a:t>
+            </a:r>
+            <a:r>
+              <a:rPr lang="en-US" sz="3600" dirty="0"/>
+              <a:t>are ignored by a stateless session. Operations performed via a stateless session bypass </a:t>
+            </a:r>
+            <a:r>
+              <a:rPr lang="en-US" sz="3600" dirty="0" err="1"/>
+              <a:t>Hibernate's</a:t>
+            </a:r>
+            <a:r>
+              <a:rPr lang="en-US" sz="3600" dirty="0"/>
+              <a:t> event model and interceptors. </a:t>
+            </a:r>
+            <a:endParaRPr lang="en-US" sz="3600" dirty="0" smtClean="0"/>
+          </a:p>
+          <a:p>
+            <a:pPr marL="1779783" lvl="1" indent="-571500">
+              <a:buFont typeface="Arial" panose="020B0604020202020204" pitchFamily="34" charset="0"/>
+              <a:buChar char="•"/>
+            </a:pPr>
+            <a:r>
+              <a:rPr lang="en-US" sz="3600" dirty="0" smtClean="0"/>
+              <a:t>Due </a:t>
+            </a:r>
+            <a:r>
+              <a:rPr lang="en-US" sz="3600" dirty="0"/>
+              <a:t>to the lack of a first-level cache, Stateless sessions are vulnerable to data aliasing effects. </a:t>
+            </a:r>
+            <a:endParaRPr lang="en-US" sz="3600" dirty="0" smtClean="0"/>
+          </a:p>
+          <a:p>
+            <a:pPr marL="1779783" lvl="1" indent="-571500">
+              <a:buFont typeface="Arial" panose="020B0604020202020204" pitchFamily="34" charset="0"/>
+              <a:buChar char="•"/>
+            </a:pPr>
+            <a:r>
+              <a:rPr lang="en-US" sz="3600" dirty="0" smtClean="0"/>
+              <a:t>A </a:t>
+            </a:r>
+            <a:r>
+              <a:rPr lang="en-US" sz="3600" dirty="0"/>
+              <a:t>stateless session is a lower-level abstraction that is much closer to the underlying JDBC.</a:t>
+            </a:r>
+            <a:endParaRPr lang="en-US" sz="3600" dirty="0" smtClean="0"/>
+          </a:p>
+        </p:txBody>
+      </p:sp>
     </p:spTree>
     <p:extLst>
       <p:ext uri="{BB962C8B-B14F-4D97-AF65-F5344CB8AC3E}">
-        <p14:creationId xmlns:p14="http://schemas.microsoft.com/office/powerpoint/2010/main" val="1805747352"/>
+        <p14:creationId xmlns:p14="http://schemas.microsoft.com/office/powerpoint/2010/main" val="1847947072"/>
       </p:ext>
     </p:extLst>
   </p:cSld>
@@ -30379,7 +30675,7 @@
                                           </p:stCondLst>
                                         </p:cTn>
                                         <p:tgtEl>
-                                          <p:spTgt spid="2"/>
+                                          <p:spTgt spid="33"/>
                                         </p:tgtEl>
                                         <p:attrNameLst>
                                           <p:attrName>style.visibility</p:attrName>
@@ -30393,7 +30689,7 @@
                                       <p:cBhvr additive="base">
                                         <p:cTn id="7" dur="1000" fill="hold"/>
                                         <p:tgtEl>
-                                          <p:spTgt spid="2"/>
+                                          <p:spTgt spid="33"/>
                                         </p:tgtEl>
                                         <p:attrNameLst>
                                           <p:attrName>ppt_x</p:attrName>
@@ -30416,7 +30712,7 @@
                                       <p:cBhvr additive="base">
                                         <p:cTn id="8" dur="1000" fill="hold"/>
                                         <p:tgtEl>
-                                          <p:spTgt spid="2"/>
+                                          <p:spTgt spid="33"/>
                                         </p:tgtEl>
                                         <p:attrNameLst>
                                           <p:attrName>ppt_y</p:attrName>
@@ -30461,7 +30757,7 @@
                                           </p:stCondLst>
                                         </p:cTn>
                                         <p:tgtEl>
-                                          <p:spTgt spid="4"/>
+                                          <p:spTgt spid="34"/>
                                         </p:tgtEl>
                                         <p:attrNameLst>
                                           <p:attrName>style.visibility</p:attrName>
@@ -30475,7 +30771,7 @@
                                       <p:cBhvr additive="base">
                                         <p:cTn id="12" dur="500" fill="hold"/>
                                         <p:tgtEl>
-                                          <p:spTgt spid="4"/>
+                                          <p:spTgt spid="34"/>
                                         </p:tgtEl>
                                         <p:attrNameLst>
                                           <p:attrName>ppt_x</p:attrName>
@@ -30498,7 +30794,7 @@
                                       <p:cBhvr additive="base">
                                         <p:cTn id="13" dur="500" fill="hold"/>
                                         <p:tgtEl>
-                                          <p:spTgt spid="4"/>
+                                          <p:spTgt spid="34"/>
                                         </p:tgtEl>
                                         <p:attrNameLst>
                                           <p:attrName>ppt_y</p:attrName>
@@ -30548,7 +30844,656 @@
       </p:par>
     </p:tnLst>
     <p:bldLst>
-      <p:bldP spid="2" grpId="0"/>
+      <p:bldP spid="33" grpId="0"/>
+    </p:bldLst>
+  </p:timing>
+</p:sld>
+</file>
+
+<file path=ppt/slides/slide9.xml><?xml version="1.0" encoding="utf-8"?>
+<p:sld xmlns:a="http://schemas.openxmlformats.org/drawingml/2006/main" xmlns:r="http://schemas.openxmlformats.org/officeDocument/2006/relationships" xmlns:p="http://schemas.openxmlformats.org/presentationml/2006/main">
+  <p:cSld>
+    <p:spTree>
+      <p:nvGrpSpPr>
+        <p:cNvPr id="1" name=""/>
+        <p:cNvGrpSpPr/>
+        <p:nvPr/>
+      </p:nvGrpSpPr>
+      <p:grpSpPr>
+        <a:xfrm>
+          <a:off x="0" y="0"/>
+          <a:ext cx="0" cy="0"/>
+          <a:chOff x="0" y="0"/>
+          <a:chExt cx="0" cy="0"/>
+        </a:xfrm>
+      </p:grpSpPr>
+      <p:sp>
+        <p:nvSpPr>
+          <p:cNvPr id="33" name="Marcador de texto 4"/>
+          <p:cNvSpPr txBox="1">
+            <a:spLocks/>
+          </p:cNvSpPr>
+          <p:nvPr/>
+        </p:nvSpPr>
+        <p:spPr>
+          <a:xfrm>
+            <a:off x="2246688" y="1053149"/>
+            <a:ext cx="17101901" cy="1802637"/>
+          </a:xfrm>
+          <a:prstGeom prst="rect">
+            <a:avLst/>
+          </a:prstGeom>
+        </p:spPr>
+        <p:txBody>
+          <a:bodyPr/>
+          <a:lstStyle>
+            <a:lvl1pPr marL="0" indent="0" algn="l" defTabSz="1812040" rtl="0" eaLnBrk="1" latinLnBrk="0" hangingPunct="1">
+              <a:spcBef>
+                <a:spcPct val="20000"/>
+              </a:spcBef>
+              <a:spcAft>
+                <a:spcPts val="1199"/>
+              </a:spcAft>
+              <a:buFont typeface="Arial" pitchFamily="34" charset="0"/>
+              <a:buNone/>
+              <a:defRPr sz="4000" b="1" kern="1200">
+                <a:solidFill>
+                  <a:schemeClr val="tx1"/>
+                </a:solidFill>
+                <a:latin typeface="+mn-lt"/>
+                <a:ea typeface="+mn-ea"/>
+                <a:cs typeface="+mn-cs"/>
+              </a:defRPr>
+            </a:lvl1pPr>
+            <a:lvl2pPr marL="906009" indent="-362365" algn="l" defTabSz="1812040" rtl="0" eaLnBrk="1" latinLnBrk="0" hangingPunct="1">
+              <a:spcBef>
+                <a:spcPct val="20000"/>
+              </a:spcBef>
+              <a:buClr>
+                <a:schemeClr val="tx2"/>
+              </a:buClr>
+              <a:buFont typeface="Arial" pitchFamily="34" charset="0"/>
+              <a:buChar char="•"/>
+              <a:defRPr sz="4000" kern="1200">
+                <a:solidFill>
+                  <a:schemeClr val="tx1"/>
+                </a:solidFill>
+                <a:latin typeface="+mn-lt"/>
+                <a:ea typeface="+mn-ea"/>
+                <a:cs typeface="+mn-cs"/>
+              </a:defRPr>
+            </a:lvl2pPr>
+            <a:lvl3pPr marL="2265040" indent="-453004" algn="l" defTabSz="1812040" rtl="0" eaLnBrk="1" latinLnBrk="0" hangingPunct="1">
+              <a:spcBef>
+                <a:spcPct val="20000"/>
+              </a:spcBef>
+              <a:buClr>
+                <a:schemeClr val="tx2"/>
+              </a:buClr>
+              <a:buFont typeface="Arial" pitchFamily="34" charset="0"/>
+              <a:buChar char="•"/>
+              <a:defRPr sz="3702" kern="1200">
+                <a:solidFill>
+                  <a:schemeClr val="tx1"/>
+                </a:solidFill>
+                <a:latin typeface="+mn-lt"/>
+                <a:ea typeface="+mn-ea"/>
+                <a:cs typeface="+mn-cs"/>
+              </a:defRPr>
+            </a:lvl3pPr>
+            <a:lvl4pPr marL="3171046" indent="-453004" algn="l" defTabSz="1812040" rtl="0" eaLnBrk="1" latinLnBrk="0" hangingPunct="1">
+              <a:spcBef>
+                <a:spcPct val="20000"/>
+              </a:spcBef>
+              <a:buClr>
+                <a:schemeClr val="tx2"/>
+              </a:buClr>
+              <a:buFont typeface="Arial" pitchFamily="34" charset="0"/>
+              <a:buChar char="•"/>
+              <a:defRPr sz="3702" kern="1200">
+                <a:solidFill>
+                  <a:schemeClr val="tx1"/>
+                </a:solidFill>
+                <a:latin typeface="+mn-lt"/>
+                <a:ea typeface="+mn-ea"/>
+                <a:cs typeface="+mn-cs"/>
+              </a:defRPr>
+            </a:lvl4pPr>
+            <a:lvl5pPr marL="4077068" indent="-453004" algn="l" defTabSz="1812040" rtl="0" eaLnBrk="1" latinLnBrk="0" hangingPunct="1">
+              <a:spcBef>
+                <a:spcPct val="20000"/>
+              </a:spcBef>
+              <a:buClr>
+                <a:schemeClr val="tx2"/>
+              </a:buClr>
+              <a:buFont typeface="Arial" pitchFamily="34" charset="0"/>
+              <a:buChar char="•"/>
+              <a:defRPr sz="3702" kern="1200" baseline="0">
+                <a:solidFill>
+                  <a:schemeClr val="tx1"/>
+                </a:solidFill>
+                <a:latin typeface="+mn-lt"/>
+                <a:ea typeface="+mn-ea"/>
+                <a:cs typeface="+mn-cs"/>
+              </a:defRPr>
+            </a:lvl5pPr>
+            <a:lvl6pPr marL="4983081" indent="-453004" algn="l" defTabSz="1812040" rtl="0" eaLnBrk="1" latinLnBrk="0" hangingPunct="1">
+              <a:spcBef>
+                <a:spcPct val="20000"/>
+              </a:spcBef>
+              <a:buClr>
+                <a:schemeClr val="tx2"/>
+              </a:buClr>
+              <a:buFont typeface="Arial" pitchFamily="34" charset="0"/>
+              <a:buChar char="•"/>
+              <a:defRPr sz="3200" kern="1200">
+                <a:solidFill>
+                  <a:schemeClr val="tx1"/>
+                </a:solidFill>
+                <a:latin typeface="+mn-lt"/>
+                <a:ea typeface="+mn-ea"/>
+                <a:cs typeface="+mn-cs"/>
+              </a:defRPr>
+            </a:lvl6pPr>
+            <a:lvl7pPr marL="5889088" indent="-453004" algn="l" defTabSz="1812040" rtl="0" eaLnBrk="1" latinLnBrk="0" hangingPunct="1">
+              <a:spcBef>
+                <a:spcPct val="20000"/>
+              </a:spcBef>
+              <a:buClr>
+                <a:schemeClr val="tx2"/>
+              </a:buClr>
+              <a:buFont typeface="Arial" pitchFamily="34" charset="0"/>
+              <a:buChar char="•"/>
+              <a:defRPr sz="3200" kern="1200">
+                <a:solidFill>
+                  <a:schemeClr val="tx1"/>
+                </a:solidFill>
+                <a:latin typeface="+mn-lt"/>
+                <a:ea typeface="+mn-ea"/>
+                <a:cs typeface="+mn-cs"/>
+              </a:defRPr>
+            </a:lvl7pPr>
+            <a:lvl8pPr marL="6795112" indent="-453004" algn="l" defTabSz="1812040" rtl="0" eaLnBrk="1" latinLnBrk="0" hangingPunct="1">
+              <a:spcBef>
+                <a:spcPct val="20000"/>
+              </a:spcBef>
+              <a:buClr>
+                <a:schemeClr val="tx2"/>
+              </a:buClr>
+              <a:buFont typeface="Arial" pitchFamily="34" charset="0"/>
+              <a:buChar char="•"/>
+              <a:defRPr sz="3200" kern="1200">
+                <a:solidFill>
+                  <a:schemeClr val="tx1"/>
+                </a:solidFill>
+                <a:latin typeface="+mn-lt"/>
+                <a:ea typeface="+mn-ea"/>
+                <a:cs typeface="+mn-cs"/>
+              </a:defRPr>
+            </a:lvl8pPr>
+            <a:lvl9pPr marL="7701118" indent="-453004" algn="l" defTabSz="1812040" rtl="0" eaLnBrk="1" latinLnBrk="0" hangingPunct="1">
+              <a:spcBef>
+                <a:spcPct val="20000"/>
+              </a:spcBef>
+              <a:buClr>
+                <a:schemeClr val="tx2"/>
+              </a:buClr>
+              <a:buFont typeface="Arial" pitchFamily="34" charset="0"/>
+              <a:buChar char="•"/>
+              <a:defRPr sz="3200" kern="1200">
+                <a:solidFill>
+                  <a:schemeClr val="tx1"/>
+                </a:solidFill>
+                <a:latin typeface="+mn-lt"/>
+                <a:ea typeface="+mn-ea"/>
+                <a:cs typeface="+mn-cs"/>
+              </a:defRPr>
+            </a:lvl9pPr>
+          </a:lstStyle>
+          <a:p>
+            <a:r>
+              <a:rPr lang="en-US" sz="4400" dirty="0" smtClean="0">
+                <a:solidFill>
+                  <a:schemeClr val="accent3">
+                    <a:lumMod val="75000"/>
+                  </a:schemeClr>
+                </a:solidFill>
+                <a:ea typeface="Open Sans Semibold" panose="020B0706030804020204" pitchFamily="34" charset="0"/>
+                <a:cs typeface="Open Sans Semibold" panose="020B0706030804020204" pitchFamily="34" charset="0"/>
+              </a:rPr>
+              <a:t>Hibernate: Bean Validations</a:t>
+            </a:r>
+            <a:endParaRPr lang="en-US" sz="4400" dirty="0">
+              <a:solidFill>
+                <a:schemeClr val="accent3">
+                  <a:lumMod val="75000"/>
+                </a:schemeClr>
+              </a:solidFill>
+              <a:ea typeface="Open Sans Semibold" panose="020B0706030804020204" pitchFamily="34" charset="0"/>
+              <a:cs typeface="Open Sans Semibold" panose="020B0706030804020204" pitchFamily="34" charset="0"/>
+            </a:endParaRPr>
+          </a:p>
+        </p:txBody>
+      </p:sp>
+      <p:cxnSp>
+        <p:nvCxnSpPr>
+          <p:cNvPr id="34" name="10 Conector recto"/>
+          <p:cNvCxnSpPr/>
+          <p:nvPr/>
+        </p:nvCxnSpPr>
+        <p:spPr>
+          <a:xfrm>
+            <a:off x="2246688" y="1955687"/>
+            <a:ext cx="6660741" cy="0"/>
+          </a:xfrm>
+          <a:prstGeom prst="line">
+            <a:avLst/>
+          </a:prstGeom>
+          <a:ln w="57150">
+            <a:solidFill>
+              <a:srgbClr val="C00000"/>
+            </a:solidFill>
+          </a:ln>
+        </p:spPr>
+        <p:style>
+          <a:lnRef idx="1">
+            <a:schemeClr val="accent1"/>
+          </a:lnRef>
+          <a:fillRef idx="0">
+            <a:schemeClr val="accent1"/>
+          </a:fillRef>
+          <a:effectRef idx="0">
+            <a:schemeClr val="accent1"/>
+          </a:effectRef>
+          <a:fontRef idx="minor">
+            <a:schemeClr val="tx1"/>
+          </a:fontRef>
+        </p:style>
+      </p:cxnSp>
+      <p:sp>
+        <p:nvSpPr>
+          <p:cNvPr id="35" name="TextBox 34"/>
+          <p:cNvSpPr txBox="1"/>
+          <p:nvPr/>
+        </p:nvSpPr>
+        <p:spPr>
+          <a:xfrm>
+            <a:off x="2246688" y="2855786"/>
+            <a:ext cx="19982220" cy="8402300"/>
+          </a:xfrm>
+          <a:prstGeom prst="rect">
+            <a:avLst/>
+          </a:prstGeom>
+          <a:noFill/>
+        </p:spPr>
+        <p:txBody>
+          <a:bodyPr wrap="square" rtlCol="0">
+            <a:spAutoFit/>
+          </a:bodyPr>
+          <a:lstStyle/>
+          <a:p>
+            <a:pPr marL="571500" indent="-571500">
+              <a:buFont typeface="Arial" panose="020B0604020202020204" pitchFamily="34" charset="0"/>
+              <a:buChar char="•"/>
+            </a:pPr>
+            <a:r>
+              <a:rPr lang="en-US" sz="3600" dirty="0"/>
+              <a:t>Constraints in Bean Validation are expressed via Java annotations. </a:t>
+            </a:r>
+            <a:endParaRPr lang="en-US" sz="3600" dirty="0" smtClean="0"/>
+          </a:p>
+          <a:p>
+            <a:pPr marL="571500" indent="-571500">
+              <a:buFont typeface="Arial" panose="020B0604020202020204" pitchFamily="34" charset="0"/>
+              <a:buChar char="•"/>
+            </a:pPr>
+            <a:r>
+              <a:rPr lang="en-US" sz="3600" dirty="0" smtClean="0"/>
+              <a:t>There </a:t>
+            </a:r>
+            <a:r>
+              <a:rPr lang="en-US" sz="3600" dirty="0"/>
+              <a:t>are the following three types of bean constraints</a:t>
+            </a:r>
+            <a:r>
+              <a:rPr lang="en-US" sz="3600" dirty="0" smtClean="0"/>
+              <a:t>:</a:t>
+            </a:r>
+          </a:p>
+          <a:p>
+            <a:pPr marL="1779783" lvl="1" indent="-571500">
+              <a:buFont typeface="Arial" panose="020B0604020202020204" pitchFamily="34" charset="0"/>
+              <a:buChar char="•"/>
+            </a:pPr>
+            <a:r>
+              <a:rPr lang="en-US" sz="3600" dirty="0"/>
+              <a:t>field constraints: Constraints can be expressed by annotating a field of a class.</a:t>
+            </a:r>
+            <a:endParaRPr lang="en-US" sz="3600" dirty="0" smtClean="0"/>
+          </a:p>
+          <a:p>
+            <a:pPr marL="1779783" lvl="1" indent="-571500">
+              <a:buFont typeface="Arial" panose="020B0604020202020204" pitchFamily="34" charset="0"/>
+              <a:buChar char="•"/>
+            </a:pPr>
+            <a:r>
+              <a:rPr lang="en-US" sz="3600" dirty="0"/>
+              <a:t>property constraints: it is also possible to annotate the properties of a bean class instead of its fields.</a:t>
+            </a:r>
+            <a:endParaRPr lang="en-US" sz="3600" dirty="0" smtClean="0"/>
+          </a:p>
+          <a:p>
+            <a:pPr marL="1779783" lvl="1" indent="-571500">
+              <a:buFont typeface="Arial" panose="020B0604020202020204" pitchFamily="34" charset="0"/>
+              <a:buChar char="•"/>
+            </a:pPr>
+            <a:r>
+              <a:rPr lang="en-US" sz="3600" dirty="0"/>
+              <a:t>class constraints: In this case not a single property is subject of the validation but the complete object</a:t>
+            </a:r>
+            <a:r>
+              <a:rPr lang="en-US" sz="3600" dirty="0" smtClean="0"/>
+              <a:t>.</a:t>
+            </a:r>
+          </a:p>
+          <a:p>
+            <a:pPr marL="571500" indent="-571500">
+              <a:buFont typeface="Arial" panose="020B0604020202020204" pitchFamily="34" charset="0"/>
+              <a:buChar char="•"/>
+            </a:pPr>
+            <a:r>
+              <a:rPr lang="en-US" sz="3600" dirty="0"/>
+              <a:t>Constraint inheritance: When a class implements an interface or extends another class, all constraint annotations declared on the </a:t>
+            </a:r>
+            <a:r>
+              <a:rPr lang="en-US" sz="3600" dirty="0" err="1"/>
+              <a:t>supertype</a:t>
+            </a:r>
+            <a:r>
+              <a:rPr lang="en-US" sz="3600" dirty="0"/>
+              <a:t> apply in the same manner as the constraints specified on the class itself</a:t>
+            </a:r>
+            <a:r>
+              <a:rPr lang="en-US" sz="3600" dirty="0" smtClean="0"/>
+              <a:t>.</a:t>
+            </a:r>
+          </a:p>
+          <a:p>
+            <a:pPr marL="1779783" lvl="1" indent="-571500">
+              <a:buFont typeface="Arial" panose="020B0604020202020204" pitchFamily="34" charset="0"/>
+              <a:buChar char="•"/>
+            </a:pPr>
+            <a:r>
+              <a:rPr lang="en-US" sz="3600" dirty="0"/>
+              <a:t>Constraint annotations are aggregated if methods are overridden</a:t>
+            </a:r>
+            <a:r>
+              <a:rPr lang="en-US" sz="3600" dirty="0" smtClean="0"/>
+              <a:t>.</a:t>
+            </a:r>
+          </a:p>
+          <a:p>
+            <a:pPr marL="571500" indent="-571500">
+              <a:buFont typeface="Arial" panose="020B0604020202020204" pitchFamily="34" charset="0"/>
+              <a:buChar char="•"/>
+            </a:pPr>
+            <a:r>
+              <a:rPr lang="en-US" sz="3600" dirty="0"/>
+              <a:t>Object graphs: The Bean Validation API does not only allow to validate single class instances but also complete object graphs (cascaded validation). To do </a:t>
+            </a:r>
+            <a:r>
+              <a:rPr lang="en-US" sz="3600" dirty="0" smtClean="0"/>
+              <a:t>so:</a:t>
+            </a:r>
+          </a:p>
+          <a:p>
+            <a:pPr marL="1779783" lvl="1" indent="-571500">
+              <a:buFont typeface="Arial" panose="020B0604020202020204" pitchFamily="34" charset="0"/>
+              <a:buChar char="•"/>
+            </a:pPr>
+            <a:r>
+              <a:rPr lang="en-US" sz="3600" dirty="0" smtClean="0"/>
+              <a:t>just </a:t>
+            </a:r>
+            <a:r>
+              <a:rPr lang="en-US" sz="3600" dirty="0"/>
+              <a:t>annotate a field or property representing a reference to another object with @</a:t>
+            </a:r>
+            <a:r>
+              <a:rPr lang="en-US" sz="3600" dirty="0" smtClean="0"/>
+              <a:t>Valid.</a:t>
+            </a:r>
+          </a:p>
+          <a:p>
+            <a:pPr marL="571500" indent="-571500">
+              <a:buFont typeface="Arial" panose="020B0604020202020204" pitchFamily="34" charset="0"/>
+              <a:buChar char="•"/>
+            </a:pPr>
+            <a:r>
+              <a:rPr lang="en-US" sz="3600" dirty="0"/>
+              <a:t>The Validator interface is the most important object in Bean Validation.</a:t>
+            </a:r>
+            <a:endParaRPr lang="en-US" sz="3600" dirty="0" smtClean="0"/>
+          </a:p>
+        </p:txBody>
+      </p:sp>
+    </p:spTree>
+    <p:extLst>
+      <p:ext uri="{BB962C8B-B14F-4D97-AF65-F5344CB8AC3E}">
+        <p14:creationId xmlns:p14="http://schemas.microsoft.com/office/powerpoint/2010/main" val="1746458727"/>
+      </p:ext>
+    </p:extLst>
+  </p:cSld>
+  <p:clrMapOvr>
+    <a:masterClrMapping/>
+  </p:clrMapOvr>
+  <p:timing>
+    <p:tnLst>
+      <p:par>
+        <p:cTn id="1" dur="indefinite" restart="never" nodeType="tmRoot">
+          <p:childTnLst>
+            <p:seq concurrent="1" nextAc="seek">
+              <p:cTn id="2" dur="indefinite" nodeType="mainSeq">
+                <p:childTnLst>
+                  <p:par>
+                    <p:cTn id="3" fill="hold">
+                      <p:stCondLst>
+                        <p:cond delay="indefinite"/>
+                        <p:cond evt="onBegin" delay="0">
+                          <p:tn val="2"/>
+                        </p:cond>
+                      </p:stCondLst>
+                      <p:childTnLst>
+                        <p:par>
+                          <p:cTn id="4" fill="hold">
+                            <p:stCondLst>
+                              <p:cond delay="0"/>
+                            </p:stCondLst>
+                            <p:childTnLst>
+                              <p:par>
+                                <p:cTn id="5" presetID="2" presetClass="entr" presetSubtype="8" decel="100000" fill="hold" grpId="0" nodeType="withEffect">
+                                  <p:stCondLst>
+                                    <p:cond delay="0"/>
+                                  </p:stCondLst>
+                                  <p:childTnLst>
+                                    <p:set>
+                                      <p:cBhvr>
+                                        <p:cTn id="6" dur="1" fill="hold">
+                                          <p:stCondLst>
+                                            <p:cond delay="0"/>
+                                          </p:stCondLst>
+                                        </p:cTn>
+                                        <p:tgtEl>
+                                          <p:spTgt spid="33"/>
+                                        </p:tgtEl>
+                                        <p:attrNameLst>
+                                          <p:attrName>style.visibility</p:attrName>
+                                        </p:attrNameLst>
+                                      </p:cBhvr>
+                                      <p:to>
+                                        <p:strVal val="visible"/>
+                                      </p:to>
+                                    </p:set>
+                                    <p:anim calcmode="lin" valueType="num">
+                                      <p:cBhvr additive="base">
+                                        <p:cTn id="7" dur="1000" fill="hold"/>
+                                        <p:tgtEl>
+                                          <p:spTgt spid="33"/>
+                                        </p:tgtEl>
+                                        <p:attrNameLst>
+                                          <p:attrName>ppt_x</p:attrName>
+                                        </p:attrNameLst>
+                                      </p:cBhvr>
+                                      <p:tavLst>
+                                        <p:tav tm="0">
+                                          <p:val>
+                                            <p:strVal val="0-#ppt_w/2"/>
+                                          </p:val>
+                                        </p:tav>
+                                        <p:tav tm="100000">
+                                          <p:val>
+                                            <p:strVal val="#ppt_x"/>
+                                          </p:val>
+                                        </p:tav>
+                                      </p:tavLst>
+                                    </p:anim>
+                                    <p:anim calcmode="lin" valueType="num">
+                                      <p:cBhvr additive="base">
+                                        <p:cTn id="8" dur="1000" fill="hold"/>
+                                        <p:tgtEl>
+                                          <p:spTgt spid="33"/>
+                                        </p:tgtEl>
+                                        <p:attrNameLst>
+                                          <p:attrName>ppt_y</p:attrName>
+                                        </p:attrNameLst>
+                                      </p:cBhvr>
+                                      <p:tavLst>
+                                        <p:tav tm="0">
+                                          <p:val>
+                                            <p:strVal val="#ppt_y"/>
+                                          </p:val>
+                                        </p:tav>
+                                        <p:tav tm="100000">
+                                          <p:val>
+                                            <p:strVal val="#ppt_y"/>
+                                          </p:val>
+                                        </p:tav>
+                                      </p:tavLst>
+                                    </p:anim>
+                                  </p:childTnLst>
+                                </p:cTn>
+                              </p:par>
+                            </p:childTnLst>
+                          </p:cTn>
+                        </p:par>
+                        <p:par>
+                          <p:cTn id="9" fill="hold">
+                            <p:stCondLst>
+                              <p:cond delay="1000"/>
+                            </p:stCondLst>
+                            <p:childTnLst>
+                              <p:par>
+                                <p:cTn id="10" presetID="2" presetClass="entr" presetSubtype="4" fill="hold" nodeType="afterEffect">
+                                  <p:stCondLst>
+                                    <p:cond delay="0"/>
+                                  </p:stCondLst>
+                                  <p:childTnLst>
+                                    <p:set>
+                                      <p:cBhvr>
+                                        <p:cTn id="11" dur="1" fill="hold">
+                                          <p:stCondLst>
+                                            <p:cond delay="0"/>
+                                          </p:stCondLst>
+                                        </p:cTn>
+                                        <p:tgtEl>
+                                          <p:spTgt spid="34"/>
+                                        </p:tgtEl>
+                                        <p:attrNameLst>
+                                          <p:attrName>style.visibility</p:attrName>
+                                        </p:attrNameLst>
+                                      </p:cBhvr>
+                                      <p:to>
+                                        <p:strVal val="visible"/>
+                                      </p:to>
+                                    </p:set>
+                                    <p:anim calcmode="lin" valueType="num">
+                                      <p:cBhvr additive="base">
+                                        <p:cTn id="12" dur="500" fill="hold"/>
+                                        <p:tgtEl>
+                                          <p:spTgt spid="34"/>
+                                        </p:tgtEl>
+                                        <p:attrNameLst>
+                                          <p:attrName>ppt_x</p:attrName>
+                                        </p:attrNameLst>
+                                      </p:cBhvr>
+                                      <p:tavLst>
+                                        <p:tav tm="0">
+                                          <p:val>
+                                            <p:strVal val="#ppt_x"/>
+                                          </p:val>
+                                        </p:tav>
+                                        <p:tav tm="100000">
+                                          <p:val>
+                                            <p:strVal val="#ppt_x"/>
+                                          </p:val>
+                                        </p:tav>
+                                      </p:tavLst>
+                                    </p:anim>
+                                    <p:anim calcmode="lin" valueType="num">
+                                      <p:cBhvr additive="base">
+                                        <p:cTn id="13" dur="500" fill="hold"/>
+                                        <p:tgtEl>
+                                          <p:spTgt spid="34"/>
+                                        </p:tgtEl>
+                                        <p:attrNameLst>
+                                          <p:attrName>ppt_y</p:attrName>
+                                        </p:attrNameLst>
+                                      </p:cBhvr>
+                                      <p:tavLst>
+                                        <p:tav tm="0">
+                                          <p:val>
+                                            <p:strVal val="1+#ppt_h/2"/>
+                                          </p:val>
+                                        </p:tav>
+                                        <p:tav tm="100000">
+                                          <p:val>
+                                            <p:strVal val="#ppt_y"/>
+                                          </p:val>
+                                        </p:tav>
+                                      </p:tavLst>
+                                    </p:anim>
+                                  </p:childTnLst>
+                                </p:cTn>
+                              </p:par>
+                            </p:childTnLst>
+                          </p:cTn>
+                        </p:par>
+                      </p:childTnLst>
+                    </p:cTn>
+                  </p:par>
+                </p:childTnLst>
+              </p:cTn>
+              <p:prevCondLst>
+                <p:cond evt="onPrev" delay="0">
+                  <p:tgtEl>
+                    <p:sldTgt/>
+                  </p:tgtEl>
+                </p:cond>
+              </p:prevCondLst>
+              <p:nextCondLst>
+                <p:cond evt="onNext" delay="0">
+                  <p:tgtEl>
+                    <p:sldTgt/>
+                  </p:tgtEl>
+                </p:cond>
+              </p:nextCondLst>
+            </p:seq>
+          </p:childTnLst>
+        </p:cTn>
+      </p:par>
+    </p:tnLst>
+    <p:bldLst>
+      <p:bldP spid="33" grpId="0"/>
     </p:bldLst>
   </p:timing>
 </p:sld>
